--- a/论文写作/毕业论文修改/S5+10+我国粮食生产率与农地经营规模关系的实证研究.pptx
+++ b/论文写作/毕业论文修改/S5+10+我国粮食生产率与农地经营规模关系的实证研究.pptx
@@ -36,14 +36,14 @@
     <p:sldId id="541" r:id="rId24"/>
     <p:sldId id="542" r:id="rId25"/>
     <p:sldId id="569" r:id="rId26"/>
-    <p:sldId id="552" r:id="rId27"/>
-    <p:sldId id="567" r:id="rId28"/>
-    <p:sldId id="536" r:id="rId29"/>
+    <p:sldId id="536" r:id="rId27"/>
+    <p:sldId id="552" r:id="rId28"/>
+    <p:sldId id="567" r:id="rId29"/>
     <p:sldId id="555" r:id="rId30"/>
     <p:sldId id="556" r:id="rId31"/>
     <p:sldId id="568" r:id="rId32"/>
-    <p:sldId id="574" r:id="rId33"/>
-    <p:sldId id="537" r:id="rId34"/>
+    <p:sldId id="537" r:id="rId33"/>
+    <p:sldId id="574" r:id="rId34"/>
     <p:sldId id="469" r:id="rId35"/>
   </p:sldIdLst>
   <p:sldSz cx="9144000" cy="6858000" type="screen4x3"/>
@@ -192,13 +192,13 @@
             <p14:sldId id="541"/>
             <p14:sldId id="542"/>
             <p14:sldId id="569"/>
+            <p14:sldId id="536"/>
             <p14:sldId id="552"/>
           </p14:sldIdLst>
         </p14:section>
         <p14:section name="无标题节" id="{5A0849E1-CDE9-46F9-A618-D012832271C8}">
           <p14:sldIdLst>
             <p14:sldId id="567"/>
-            <p14:sldId id="536"/>
             <p14:sldId id="555"/>
             <p14:sldId id="556"/>
           </p14:sldIdLst>
@@ -206,8 +206,8 @@
         <p14:section name="无标题节" id="{3B09CD65-9FE3-4E72-96A0-2506462BE7DE}">
           <p14:sldIdLst>
             <p14:sldId id="568"/>
+            <p14:sldId id="537"/>
             <p14:sldId id="574"/>
-            <p14:sldId id="537"/>
             <p14:sldId id="469"/>
           </p14:sldIdLst>
         </p14:section>
@@ -1528,7 +1528,7 @@
     </p:spTree>
     <p:extLst>
       <p:ext uri="{BB962C8B-B14F-4D97-AF65-F5344CB8AC3E}">
-        <p14:creationId xmlns:p14="http://schemas.microsoft.com/office/powerpoint/2010/main" val="2281131592"/>
+        <p14:creationId xmlns:p14="http://schemas.microsoft.com/office/powerpoint/2010/main" val="2053974097"/>
       </p:ext>
     </p:extLst>
   </p:cSld>
@@ -1594,7 +1594,7 @@
     </p:spTree>
     <p:extLst>
       <p:ext uri="{BB962C8B-B14F-4D97-AF65-F5344CB8AC3E}">
-        <p14:creationId xmlns:p14="http://schemas.microsoft.com/office/powerpoint/2010/main" val="2053974097"/>
+        <p14:creationId xmlns:p14="http://schemas.microsoft.com/office/powerpoint/2010/main" val="2281131592"/>
       </p:ext>
     </p:extLst>
   </p:cSld>
@@ -1792,7 +1792,7 @@
     </p:spTree>
     <p:extLst>
       <p:ext uri="{BB962C8B-B14F-4D97-AF65-F5344CB8AC3E}">
-        <p14:creationId xmlns:p14="http://schemas.microsoft.com/office/powerpoint/2010/main" val="1768021803"/>
+        <p14:creationId xmlns:p14="http://schemas.microsoft.com/office/powerpoint/2010/main" val="3053139250"/>
       </p:ext>
     </p:extLst>
   </p:cSld>
@@ -1858,7 +1858,7 @@
     </p:spTree>
     <p:extLst>
       <p:ext uri="{BB962C8B-B14F-4D97-AF65-F5344CB8AC3E}">
-        <p14:creationId xmlns:p14="http://schemas.microsoft.com/office/powerpoint/2010/main" val="3053139250"/>
+        <p14:creationId xmlns:p14="http://schemas.microsoft.com/office/powerpoint/2010/main" val="1768021803"/>
       </p:ext>
     </p:extLst>
   </p:cSld>
@@ -4187,7 +4187,31 @@
                 <a:ea typeface="华文楷体" panose="02010600040101010101" pitchFamily="2" charset="-122"/>
                 <a:cs typeface="Times New Roman" panose="02020603050405020304" pitchFamily="18" charset="0"/>
               </a:rPr>
-              <a:t>，粮食生产率的变化规律。</a:t>
+              <a:t>，</a:t>
+            </a:r>
+            <a:r>
+              <a:rPr lang="zh-CN" altLang="en-US" sz="2000" dirty="0">
+                <a:latin typeface="华文楷体" panose="02010600040101010101" pitchFamily="2" charset="-122"/>
+                <a:ea typeface="华文楷体" panose="02010600040101010101" pitchFamily="2" charset="-122"/>
+                <a:cs typeface="Times New Roman" panose="02020603050405020304" pitchFamily="18" charset="0"/>
+              </a:rPr>
+              <a:t>粮食</a:t>
+            </a:r>
+            <a:r>
+              <a:rPr lang="zh-CN" altLang="en-US" sz="2000" dirty="0" smtClean="0">
+                <a:latin typeface="华文楷体" panose="02010600040101010101" pitchFamily="2" charset="-122"/>
+                <a:ea typeface="华文楷体" panose="02010600040101010101" pitchFamily="2" charset="-122"/>
+                <a:cs typeface="Times New Roman" panose="02020603050405020304" pitchFamily="18" charset="0"/>
+              </a:rPr>
+              <a:t>土地生产率</a:t>
+            </a:r>
+            <a:r>
+              <a:rPr lang="zh-CN" altLang="en-US" sz="2000" dirty="0" smtClean="0">
+                <a:latin typeface="华文楷体" panose="02010600040101010101" pitchFamily="2" charset="-122"/>
+                <a:ea typeface="华文楷体" panose="02010600040101010101" pitchFamily="2" charset="-122"/>
+                <a:cs typeface="Times New Roman" panose="02020603050405020304" pitchFamily="18" charset="0"/>
+              </a:rPr>
+              <a:t>的变化规律。</a:t>
             </a:r>
             <a:endParaRPr lang="en-US" altLang="zh-CN" sz="2000" dirty="0">
               <a:latin typeface="华文楷体" panose="02010600040101010101" pitchFamily="2" charset="-122"/>
@@ -4301,7 +4325,23 @@
                 <a:ea typeface="华文楷体" panose="02010600040101010101" pitchFamily="2" charset="-122"/>
                 <a:cs typeface="Times New Roman" panose="02020603050405020304" pitchFamily="18" charset="0"/>
               </a:rPr>
-              <a:t>验证不同规模农户投入要素的差异及变化规律，检验规模</a:t>
+              <a:t>验证不同规模农户</a:t>
+            </a:r>
+            <a:r>
+              <a:rPr lang="zh-CN" altLang="en-US" sz="2000" dirty="0" smtClean="0">
+                <a:latin typeface="华文楷体" panose="02010600040101010101" pitchFamily="2" charset="-122"/>
+                <a:ea typeface="华文楷体" panose="02010600040101010101" pitchFamily="2" charset="-122"/>
+                <a:cs typeface="Times New Roman" panose="02020603050405020304" pitchFamily="18" charset="0"/>
+              </a:rPr>
+              <a:t>投入产出的</a:t>
+            </a:r>
+            <a:r>
+              <a:rPr lang="zh-CN" altLang="en-US" sz="2000" dirty="0" smtClean="0">
+                <a:latin typeface="华文楷体" panose="02010600040101010101" pitchFamily="2" charset="-122"/>
+                <a:ea typeface="华文楷体" panose="02010600040101010101" pitchFamily="2" charset="-122"/>
+                <a:cs typeface="Times New Roman" panose="02020603050405020304" pitchFamily="18" charset="0"/>
+              </a:rPr>
+              <a:t>差异及变化规律，检验规模</a:t>
             </a:r>
             <a:r>
               <a:rPr lang="zh-CN" altLang="en-US" sz="2000" dirty="0">
@@ -4361,15 +4401,7 @@
                 <a:ea typeface="华文楷体" panose="02010600040101010101" pitchFamily="2" charset="-122"/>
                 <a:cs typeface="Times New Roman" panose="02020603050405020304" pitchFamily="18" charset="0"/>
               </a:rPr>
-              <a:t>粮食作物生产率</a:t>
-            </a:r>
-            <a:r>
-              <a:rPr lang="zh-CN" altLang="en-US" sz="2000" dirty="0">
-                <a:latin typeface="华文楷体" panose="02010600040101010101" pitchFamily="2" charset="-122"/>
-                <a:ea typeface="华文楷体" panose="02010600040101010101" pitchFamily="2" charset="-122"/>
-                <a:cs typeface="Times New Roman" panose="02020603050405020304" pitchFamily="18" charset="0"/>
-              </a:rPr>
-              <a:t>与</a:t>
+              <a:t>粮食作物单产与</a:t>
             </a:r>
             <a:r>
               <a:rPr lang="zh-CN" altLang="en-US" sz="2000" dirty="0" smtClean="0">
@@ -4884,7 +4916,7 @@
           <a:p>
             <a:r>
               <a:rPr lang="en-US" altLang="zh-CN" dirty="0" smtClean="0"/>
-              <a:t>5/21</a:t>
+              <a:t>5/22</a:t>
             </a:r>
             <a:endParaRPr lang="zh-CN" altLang="en-US" dirty="0"/>
           </a:p>
@@ -4999,10 +5031,10 @@
         </p:nvGrpSpPr>
         <p:grpSpPr>
           <a:xfrm>
-            <a:off x="910823" y="1720500"/>
-            <a:ext cx="7782771" cy="4266354"/>
-            <a:chOff x="-460451" y="0"/>
-            <a:chExt cx="5969627" cy="3272395"/>
+            <a:off x="899410" y="1720500"/>
+            <a:ext cx="7778983" cy="4266354"/>
+            <a:chOff x="-469205" y="0"/>
+            <a:chExt cx="5966721" cy="3272395"/>
           </a:xfrm>
         </p:grpSpPr>
         <p:grpSp>
@@ -5627,69 +5659,6 @@
               </a:bodyPr>
               <a:lstStyle/>
               <a:p>
-                <a:pPr algn="just">
-                  <a:lnSpc>
-                    <a:spcPct val="107000"/>
-                  </a:lnSpc>
-                  <a:spcAft>
-                    <a:spcPts val="0"/>
-                  </a:spcAft>
-                </a:pPr>
-                <a:r>
-                  <a:rPr lang="zh-CN" sz="1800" dirty="0">
-                    <a:effectLst/>
-                    <a:ea typeface="宋体" panose="02010600030101010101" pitchFamily="2" charset="-122"/>
-                    <a:cs typeface="Times New Roman" panose="02020603050405020304" pitchFamily="18" charset="0"/>
-                  </a:rPr>
-                  <a:t>规模对土地生产率的影响机制分析</a:t>
-                </a:r>
-              </a:p>
-            </p:txBody>
-          </p:sp>
-          <p:sp>
-            <p:nvSpPr>
-              <p:cNvPr id="27" name="矩形 26"/>
-              <p:cNvSpPr/>
-              <p:nvPr/>
-            </p:nvSpPr>
-            <p:spPr>
-              <a:xfrm>
-                <a:off x="534838" y="629728"/>
-                <a:ext cx="1079500" cy="287655"/>
-              </a:xfrm>
-              <a:prstGeom prst="rect">
-                <a:avLst/>
-              </a:prstGeom>
-              <a:noFill/>
-              <a:ln w="12700">
-                <a:solidFill>
-                  <a:schemeClr val="tx1"/>
-                </a:solidFill>
-              </a:ln>
-            </p:spPr>
-            <p:style>
-              <a:lnRef idx="2">
-                <a:schemeClr val="accent6"/>
-              </a:lnRef>
-              <a:fillRef idx="1">
-                <a:schemeClr val="lt1"/>
-              </a:fillRef>
-              <a:effectRef idx="0">
-                <a:schemeClr val="accent6"/>
-              </a:effectRef>
-              <a:fontRef idx="minor">
-                <a:schemeClr val="dk1"/>
-              </a:fontRef>
-            </p:style>
-            <p:txBody>
-              <a:bodyPr rot="0" spcFirstLastPara="0" vert="horz" wrap="square" lIns="91440" tIns="45720" rIns="91440" bIns="45720" numCol="1" spcCol="0" rtlCol="0" fromWordArt="0" anchor="ctr" anchorCtr="0" forceAA="0" compatLnSpc="1">
-                <a:prstTxWarp prst="textNoShape">
-                  <a:avLst/>
-                </a:prstTxWarp>
-                <a:noAutofit/>
-              </a:bodyPr>
-              <a:lstStyle/>
-              <a:p>
                 <a:pPr algn="ctr">
                   <a:lnSpc>
                     <a:spcPct val="107000"/>
@@ -5699,82 +5668,12 @@
                   </a:spcAft>
                 </a:pPr>
                 <a:r>
-                  <a:rPr lang="zh-CN" sz="1800" b="1" dirty="0">
+                  <a:rPr lang="zh-CN" altLang="en-US" sz="1800" dirty="0" smtClean="0">
                     <a:effectLst/>
                     <a:ea typeface="宋体" panose="02010600030101010101" pitchFamily="2" charset="-122"/>
                     <a:cs typeface="Times New Roman" panose="02020603050405020304" pitchFamily="18" charset="0"/>
                   </a:rPr>
-                  <a:t>规模效应</a:t>
-                </a:r>
-              </a:p>
-            </p:txBody>
-          </p:sp>
-          <p:sp>
-            <p:nvSpPr>
-              <p:cNvPr id="29" name="矩形 28"/>
-              <p:cNvSpPr/>
-              <p:nvPr/>
-            </p:nvSpPr>
-            <p:spPr>
-              <a:xfrm>
-                <a:off x="1907367" y="621101"/>
-                <a:ext cx="1079500" cy="287655"/>
-              </a:xfrm>
-              <a:prstGeom prst="rect">
-                <a:avLst/>
-              </a:prstGeom>
-              <a:noFill/>
-              <a:ln w="12700">
-                <a:solidFill>
-                  <a:schemeClr val="tx1"/>
-                </a:solidFill>
-              </a:ln>
-            </p:spPr>
-            <p:style>
-              <a:lnRef idx="2">
-                <a:schemeClr val="accent6"/>
-              </a:lnRef>
-              <a:fillRef idx="1">
-                <a:schemeClr val="lt1"/>
-              </a:fillRef>
-              <a:effectRef idx="0">
-                <a:schemeClr val="accent6"/>
-              </a:effectRef>
-              <a:fontRef idx="minor">
-                <a:schemeClr val="dk1"/>
-              </a:fontRef>
-            </p:style>
-            <p:txBody>
-              <a:bodyPr rot="0" spcFirstLastPara="0" vert="horz" wrap="square" lIns="91440" tIns="45720" rIns="91440" bIns="45720" numCol="1" spcCol="0" rtlCol="0" fromWordArt="0" anchor="ctr" anchorCtr="0" forceAA="0" compatLnSpc="1">
-                <a:prstTxWarp prst="textNoShape">
-                  <a:avLst/>
-                </a:prstTxWarp>
-                <a:noAutofit/>
-              </a:bodyPr>
-              <a:lstStyle/>
-              <a:p>
-                <a:pPr algn="ctr">
-                  <a:lnSpc>
-                    <a:spcPct val="107000"/>
-                  </a:lnSpc>
-                  <a:spcAft>
-                    <a:spcPts val="0"/>
-                  </a:spcAft>
-                </a:pPr>
-                <a:r>
-                  <a:rPr lang="zh-CN" altLang="en-US" sz="1800" dirty="0">
-                    <a:ea typeface="宋体" panose="02010600030101010101" pitchFamily="2" charset="-122"/>
-                    <a:cs typeface="Times New Roman" panose="02020603050405020304" pitchFamily="18" charset="0"/>
-                  </a:rPr>
-                  <a:t>要素</a:t>
-                </a:r>
-                <a:r>
-                  <a:rPr lang="zh-CN" sz="1800" dirty="0" smtClean="0">
-                    <a:effectLst/>
-                    <a:ea typeface="宋体" panose="02010600030101010101" pitchFamily="2" charset="-122"/>
-                    <a:cs typeface="Times New Roman" panose="02020603050405020304" pitchFamily="18" charset="0"/>
-                  </a:rPr>
-                  <a:t>效应</a:t>
+                  <a:t>各规模农户生产的基本特征</a:t>
                 </a:r>
                 <a:endParaRPr lang="zh-CN" sz="1800" dirty="0">
                   <a:effectLst/>
@@ -5784,288 +5683,76 @@
               </a:p>
             </p:txBody>
           </p:sp>
-          <p:grpSp>
-            <p:nvGrpSpPr>
-              <p:cNvPr id="30" name="组合 29"/>
-              <p:cNvGrpSpPr/>
+          <p:cxnSp>
+            <p:nvCxnSpPr>
+              <p:cNvPr id="36" name="直接箭头连接符 35"/>
+              <p:cNvCxnSpPr>
+                <a:endCxn id="136" idx="0"/>
+              </p:cNvCxnSpPr>
               <p:nvPr/>
-            </p:nvGrpSpPr>
-            <p:grpSpPr>
-              <a:xfrm>
-                <a:off x="1096400" y="293298"/>
-                <a:ext cx="1350717" cy="336430"/>
-                <a:chOff x="544309" y="0"/>
-                <a:chExt cx="1350717" cy="336430"/>
+            </p:nvCxnSpPr>
+            <p:spPr>
+              <a:xfrm flipH="1">
+                <a:off x="1865634" y="293298"/>
+                <a:ext cx="6298" cy="279728"/>
               </a:xfrm>
-            </p:grpSpPr>
-            <p:cxnSp>
-              <p:nvCxnSpPr>
-                <p:cNvPr id="36" name="直接箭头连接符 35"/>
-                <p:cNvCxnSpPr/>
-                <p:nvPr/>
-              </p:nvCxnSpPr>
-              <p:spPr>
-                <a:xfrm>
-                  <a:off x="1319841" y="0"/>
-                  <a:ext cx="0" cy="120770"/>
-                </a:xfrm>
-                <a:prstGeom prst="straightConnector1">
-                  <a:avLst/>
-                </a:prstGeom>
-                <a:ln>
-                  <a:tailEnd type="triangle"/>
-                </a:ln>
-              </p:spPr>
-              <p:style>
-                <a:lnRef idx="1">
-                  <a:schemeClr val="dk1"/>
-                </a:lnRef>
-                <a:fillRef idx="0">
-                  <a:schemeClr val="dk1"/>
-                </a:fillRef>
-                <a:effectRef idx="0">
-                  <a:schemeClr val="dk1"/>
-                </a:effectRef>
-                <a:fontRef idx="minor">
-                  <a:schemeClr val="tx1"/>
-                </a:fontRef>
-              </p:style>
-            </p:cxnSp>
-            <p:cxnSp>
-              <p:nvCxnSpPr>
-                <p:cNvPr id="37" name="直接连接符 36"/>
-                <p:cNvCxnSpPr/>
-                <p:nvPr/>
-              </p:nvCxnSpPr>
-              <p:spPr>
-                <a:xfrm>
-                  <a:off x="544309" y="120770"/>
-                  <a:ext cx="1348826" cy="0"/>
-                </a:xfrm>
-                <a:prstGeom prst="line">
-                  <a:avLst/>
-                </a:prstGeom>
-              </p:spPr>
-              <p:style>
-                <a:lnRef idx="1">
-                  <a:schemeClr val="dk1"/>
-                </a:lnRef>
-                <a:fillRef idx="0">
-                  <a:schemeClr val="dk1"/>
-                </a:fillRef>
-                <a:effectRef idx="0">
-                  <a:schemeClr val="dk1"/>
-                </a:effectRef>
-                <a:fontRef idx="minor">
-                  <a:schemeClr val="tx1"/>
-                </a:fontRef>
-              </p:style>
-            </p:cxnSp>
-            <p:cxnSp>
-              <p:nvCxnSpPr>
-                <p:cNvPr id="38" name="直接箭头连接符 37"/>
-                <p:cNvCxnSpPr/>
-                <p:nvPr/>
-              </p:nvCxnSpPr>
-              <p:spPr>
-                <a:xfrm>
-                  <a:off x="544309" y="120770"/>
-                  <a:ext cx="0" cy="215265"/>
-                </a:xfrm>
-                <a:prstGeom prst="straightConnector1">
-                  <a:avLst/>
-                </a:prstGeom>
-                <a:ln>
-                  <a:tailEnd type="triangle"/>
-                </a:ln>
-              </p:spPr>
-              <p:style>
-                <a:lnRef idx="1">
-                  <a:schemeClr val="dk1"/>
-                </a:lnRef>
-                <a:fillRef idx="0">
-                  <a:schemeClr val="dk1"/>
-                </a:fillRef>
-                <a:effectRef idx="0">
-                  <a:schemeClr val="dk1"/>
-                </a:effectRef>
-                <a:fontRef idx="minor">
-                  <a:schemeClr val="tx1"/>
-                </a:fontRef>
-              </p:style>
-            </p:cxnSp>
-            <p:cxnSp>
-              <p:nvCxnSpPr>
-                <p:cNvPr id="39" name="直接箭头连接符 38"/>
-                <p:cNvCxnSpPr/>
-                <p:nvPr/>
-              </p:nvCxnSpPr>
-              <p:spPr>
-                <a:xfrm>
-                  <a:off x="1895026" y="120770"/>
-                  <a:ext cx="0" cy="215660"/>
-                </a:xfrm>
-                <a:prstGeom prst="straightConnector1">
-                  <a:avLst/>
-                </a:prstGeom>
-                <a:ln>
-                  <a:tailEnd type="triangle"/>
-                </a:ln>
-              </p:spPr>
-              <p:style>
-                <a:lnRef idx="1">
-                  <a:schemeClr val="dk1"/>
-                </a:lnRef>
-                <a:fillRef idx="0">
-                  <a:schemeClr val="dk1"/>
-                </a:fillRef>
-                <a:effectRef idx="0">
-                  <a:schemeClr val="dk1"/>
-                </a:effectRef>
-                <a:fontRef idx="minor">
-                  <a:schemeClr val="tx1"/>
-                </a:fontRef>
-              </p:style>
-            </p:cxnSp>
-          </p:grpSp>
-          <p:grpSp>
-            <p:nvGrpSpPr>
-              <p:cNvPr id="31" name="组合 30"/>
-              <p:cNvGrpSpPr/>
+              <a:prstGeom prst="straightConnector1">
+                <a:avLst/>
+              </a:prstGeom>
+              <a:ln>
+                <a:tailEnd type="triangle"/>
+              </a:ln>
+            </p:spPr>
+            <p:style>
+              <a:lnRef idx="1">
+                <a:schemeClr val="dk1"/>
+              </a:lnRef>
+              <a:fillRef idx="0">
+                <a:schemeClr val="dk1"/>
+              </a:fillRef>
+              <a:effectRef idx="0">
+                <a:schemeClr val="dk1"/>
+              </a:effectRef>
+              <a:fontRef idx="minor">
+                <a:schemeClr val="tx1"/>
+              </a:fontRef>
+            </p:style>
+          </p:cxnSp>
+          <p:cxnSp>
+            <p:nvCxnSpPr>
+              <p:cNvPr id="32" name="直接箭头连接符 31"/>
+              <p:cNvCxnSpPr>
+                <a:stCxn id="136" idx="2"/>
+              </p:cNvCxnSpPr>
               <p:nvPr/>
-            </p:nvGrpSpPr>
-            <p:grpSpPr>
-              <a:xfrm>
-                <a:off x="1136811" y="914400"/>
-                <a:ext cx="1310307" cy="324820"/>
-                <a:chOff x="593347" y="8627"/>
-                <a:chExt cx="1310307" cy="324820"/>
+            </p:nvCxnSpPr>
+            <p:spPr>
+              <a:xfrm flipH="1">
+                <a:off x="1863305" y="861026"/>
+                <a:ext cx="2329" cy="378194"/>
               </a:xfrm>
-            </p:grpSpPr>
-            <p:cxnSp>
-              <p:nvCxnSpPr>
-                <p:cNvPr id="32" name="直接箭头连接符 31"/>
-                <p:cNvCxnSpPr/>
-                <p:nvPr/>
-              </p:nvCxnSpPr>
-              <p:spPr>
-                <a:xfrm>
-                  <a:off x="1319841" y="129397"/>
-                  <a:ext cx="0" cy="204050"/>
-                </a:xfrm>
-                <a:prstGeom prst="straightConnector1">
-                  <a:avLst/>
-                </a:prstGeom>
-                <a:ln>
-                  <a:tailEnd type="triangle"/>
-                </a:ln>
-              </p:spPr>
-              <p:style>
-                <a:lnRef idx="1">
-                  <a:schemeClr val="dk1"/>
-                </a:lnRef>
-                <a:fillRef idx="0">
-                  <a:schemeClr val="dk1"/>
-                </a:fillRef>
-                <a:effectRef idx="0">
-                  <a:schemeClr val="dk1"/>
-                </a:effectRef>
-                <a:fontRef idx="minor">
-                  <a:schemeClr val="tx1"/>
-                </a:fontRef>
-              </p:style>
-            </p:cxnSp>
-            <p:cxnSp>
-              <p:nvCxnSpPr>
-                <p:cNvPr id="33" name="直接连接符 32"/>
-                <p:cNvCxnSpPr/>
-                <p:nvPr/>
-              </p:nvCxnSpPr>
-              <p:spPr>
-                <a:xfrm>
-                  <a:off x="593347" y="129397"/>
-                  <a:ext cx="1310307" cy="0"/>
-                </a:xfrm>
-                <a:prstGeom prst="line">
-                  <a:avLst/>
-                </a:prstGeom>
-              </p:spPr>
-              <p:style>
-                <a:lnRef idx="1">
-                  <a:schemeClr val="dk1"/>
-                </a:lnRef>
-                <a:fillRef idx="0">
-                  <a:schemeClr val="dk1"/>
-                </a:fillRef>
-                <a:effectRef idx="0">
-                  <a:schemeClr val="dk1"/>
-                </a:effectRef>
-                <a:fontRef idx="minor">
-                  <a:schemeClr val="tx1"/>
-                </a:fontRef>
-              </p:style>
-            </p:cxnSp>
-            <p:cxnSp>
-              <p:nvCxnSpPr>
-                <p:cNvPr id="34" name="直接连接符 33"/>
-                <p:cNvCxnSpPr/>
-                <p:nvPr/>
-              </p:nvCxnSpPr>
-              <p:spPr>
-                <a:xfrm>
-                  <a:off x="593347" y="8627"/>
-                  <a:ext cx="0" cy="117787"/>
-                </a:xfrm>
-                <a:prstGeom prst="line">
-                  <a:avLst/>
-                </a:prstGeom>
-              </p:spPr>
-              <p:style>
-                <a:lnRef idx="1">
-                  <a:schemeClr val="dk1"/>
-                </a:lnRef>
-                <a:fillRef idx="0">
-                  <a:schemeClr val="dk1"/>
-                </a:fillRef>
-                <a:effectRef idx="0">
-                  <a:schemeClr val="dk1"/>
-                </a:effectRef>
-                <a:fontRef idx="minor">
-                  <a:schemeClr val="tx1"/>
-                </a:fontRef>
-              </p:style>
-            </p:cxnSp>
-            <p:cxnSp>
-              <p:nvCxnSpPr>
-                <p:cNvPr id="35" name="直接连接符 34"/>
-                <p:cNvCxnSpPr/>
-                <p:nvPr/>
-              </p:nvCxnSpPr>
-              <p:spPr>
-                <a:xfrm>
-                  <a:off x="1903654" y="8627"/>
-                  <a:ext cx="0" cy="119452"/>
-                </a:xfrm>
-                <a:prstGeom prst="line">
-                  <a:avLst/>
-                </a:prstGeom>
-              </p:spPr>
-              <p:style>
-                <a:lnRef idx="1">
-                  <a:schemeClr val="dk1"/>
-                </a:lnRef>
-                <a:fillRef idx="0">
-                  <a:schemeClr val="dk1"/>
-                </a:fillRef>
-                <a:effectRef idx="0">
-                  <a:schemeClr val="dk1"/>
-                </a:effectRef>
-                <a:fontRef idx="minor">
-                  <a:schemeClr val="tx1"/>
-                </a:fontRef>
-              </p:style>
-            </p:cxnSp>
-          </p:grpSp>
+              <a:prstGeom prst="straightConnector1">
+                <a:avLst/>
+              </a:prstGeom>
+              <a:ln>
+                <a:tailEnd type="triangle"/>
+              </a:ln>
+            </p:spPr>
+            <p:style>
+              <a:lnRef idx="1">
+                <a:schemeClr val="dk1"/>
+              </a:lnRef>
+              <a:fillRef idx="0">
+                <a:schemeClr val="dk1"/>
+              </a:fillRef>
+              <a:effectRef idx="0">
+                <a:schemeClr val="dk1"/>
+              </a:effectRef>
+              <a:fontRef idx="minor">
+                <a:schemeClr val="tx1"/>
+              </a:fontRef>
+            </p:style>
+          </p:cxnSp>
         </p:grpSp>
         <p:grpSp>
           <p:nvGrpSpPr>
@@ -6075,10 +5762,10 @@
           </p:nvGrpSpPr>
           <p:grpSpPr>
             <a:xfrm>
-              <a:off x="-460451" y="2226124"/>
-              <a:ext cx="5969627" cy="1046271"/>
-              <a:chOff x="-460451" y="35014"/>
-              <a:chExt cx="5969627" cy="1046271"/>
+              <a:off x="-469205" y="2260729"/>
+              <a:ext cx="5966721" cy="1011666"/>
+              <a:chOff x="-469205" y="69619"/>
+              <a:chExt cx="5966721" cy="1011666"/>
             </a:xfrm>
           </p:grpSpPr>
           <p:grpSp>
@@ -6200,10 +5887,10 @@
             </p:nvGrpSpPr>
             <p:grpSpPr>
               <a:xfrm>
-                <a:off x="-460451" y="48426"/>
-                <a:ext cx="4083568" cy="821251"/>
-                <a:chOff x="-348324" y="48489"/>
-                <a:chExt cx="4083760" cy="822345"/>
+                <a:off x="-469205" y="92346"/>
+                <a:ext cx="4092322" cy="672728"/>
+                <a:chOff x="-357078" y="92467"/>
+                <a:chExt cx="4092514" cy="673624"/>
               </a:xfrm>
             </p:grpSpPr>
             <p:sp>
@@ -6277,7 +5964,7 @@
               </p:nvSpPr>
               <p:spPr>
                 <a:xfrm>
-                  <a:off x="-348324" y="48489"/>
+                  <a:off x="-348324" y="92467"/>
                   <a:ext cx="978509" cy="287655"/>
                 </a:xfrm>
                 <a:prstGeom prst="rect">
@@ -6338,7 +6025,7 @@
               </p:nvSpPr>
               <p:spPr>
                 <a:xfrm>
-                  <a:off x="-348322" y="583179"/>
+                  <a:off x="-357078" y="478436"/>
                   <a:ext cx="987263" cy="287655"/>
                 </a:xfrm>
                 <a:prstGeom prst="rect">
@@ -6399,8 +6086,8 @@
               </p:nvSpPr>
               <p:spPr>
                 <a:xfrm>
-                  <a:off x="507774" y="178541"/>
-                  <a:ext cx="180000" cy="540000"/>
+                  <a:off x="507774" y="206133"/>
+                  <a:ext cx="180000" cy="414745"/>
                 </a:xfrm>
                 <a:prstGeom prst="rightBrace">
                   <a:avLst/>
@@ -6442,10 +6129,10 @@
             </p:nvGrpSpPr>
             <p:grpSpPr>
               <a:xfrm>
-                <a:off x="3660921" y="35014"/>
-                <a:ext cx="1848255" cy="819139"/>
-                <a:chOff x="115464" y="35014"/>
-                <a:chExt cx="1848255" cy="819139"/>
+                <a:off x="3660921" y="69619"/>
+                <a:ext cx="1836595" cy="695455"/>
+                <a:chOff x="115464" y="69619"/>
+                <a:chExt cx="1836595" cy="695455"/>
               </a:xfrm>
             </p:grpSpPr>
             <p:sp>
@@ -6456,8 +6143,8 @@
               </p:nvSpPr>
               <p:spPr>
                 <a:xfrm>
-                  <a:off x="115464" y="178524"/>
-                  <a:ext cx="180000" cy="540000"/>
+                  <a:off x="115464" y="199484"/>
+                  <a:ext cx="180000" cy="414193"/>
                 </a:xfrm>
                 <a:prstGeom prst="leftBrace">
                   <a:avLst/>
@@ -6498,7 +6185,7 @@
               </p:nvSpPr>
               <p:spPr>
                 <a:xfrm>
-                  <a:off x="246474" y="566712"/>
+                  <a:off x="246474" y="477633"/>
                   <a:ext cx="1429218" cy="287441"/>
                 </a:xfrm>
                 <a:prstGeom prst="rect">
@@ -6567,7 +6254,7 @@
               </p:nvSpPr>
               <p:spPr>
                 <a:xfrm>
-                  <a:off x="240314" y="35014"/>
+                  <a:off x="228654" y="69619"/>
                   <a:ext cx="1723405" cy="287020"/>
                 </a:xfrm>
                 <a:prstGeom prst="rect">
@@ -6640,7 +6327,7 @@
           <a:p>
             <a:r>
               <a:rPr lang="en-US" altLang="zh-CN" dirty="0" smtClean="0"/>
-              <a:t>6/21</a:t>
+              <a:t>6/22</a:t>
             </a:r>
             <a:endParaRPr lang="zh-CN" altLang="en-US" dirty="0"/>
           </a:p>
@@ -7092,6 +6779,241 @@
           <a:p>
             <a:pPr algn="ctr"/>
             <a:endParaRPr lang="zh-CN" altLang="en-US"/>
+          </a:p>
+        </p:txBody>
+      </p:sp>
+      <p:sp>
+        <p:nvSpPr>
+          <p:cNvPr id="136" name="矩形 135"/>
+          <p:cNvSpPr/>
+          <p:nvPr/>
+        </p:nvSpPr>
+        <p:spPr>
+          <a:xfrm>
+            <a:off x="2459865" y="4053349"/>
+            <a:ext cx="3619375" cy="375477"/>
+          </a:xfrm>
+          <a:prstGeom prst="rect">
+            <a:avLst/>
+          </a:prstGeom>
+          <a:noFill/>
+          <a:ln w="12700">
+            <a:solidFill>
+              <a:schemeClr val="tx1"/>
+            </a:solidFill>
+          </a:ln>
+        </p:spPr>
+        <p:style>
+          <a:lnRef idx="2">
+            <a:schemeClr val="accent6"/>
+          </a:lnRef>
+          <a:fillRef idx="1">
+            <a:schemeClr val="lt1"/>
+          </a:fillRef>
+          <a:effectRef idx="0">
+            <a:schemeClr val="accent6"/>
+          </a:effectRef>
+          <a:fontRef idx="minor">
+            <a:schemeClr val="dk1"/>
+          </a:fontRef>
+        </p:style>
+        <p:txBody>
+          <a:bodyPr rot="0" spcFirstLastPara="0" vert="horz" wrap="square" lIns="91440" tIns="45720" rIns="91440" bIns="45720" numCol="1" spcCol="0" rtlCol="0" fromWordArt="0" anchor="ctr" anchorCtr="0" forceAA="0" compatLnSpc="1">
+            <a:prstTxWarp prst="textNoShape">
+              <a:avLst/>
+            </a:prstTxWarp>
+            <a:noAutofit/>
+          </a:bodyPr>
+          <a:lstStyle/>
+          <a:p>
+            <a:pPr algn="just">
+              <a:lnSpc>
+                <a:spcPct val="107000"/>
+              </a:lnSpc>
+              <a:spcAft>
+                <a:spcPts val="0"/>
+              </a:spcAft>
+            </a:pPr>
+            <a:r>
+              <a:rPr lang="zh-CN" sz="1800" dirty="0">
+                <a:effectLst/>
+                <a:ea typeface="宋体" panose="02010600030101010101" pitchFamily="2" charset="-122"/>
+                <a:cs typeface="Times New Roman" panose="02020603050405020304" pitchFamily="18" charset="0"/>
+              </a:rPr>
+              <a:t>规模对土地生产率的影响机制分析</a:t>
+            </a:r>
+          </a:p>
+        </p:txBody>
+      </p:sp>
+      <p:sp>
+        <p:nvSpPr>
+          <p:cNvPr id="140" name="左大括号 139"/>
+          <p:cNvSpPr/>
+          <p:nvPr/>
+        </p:nvSpPr>
+        <p:spPr>
+          <a:xfrm>
+            <a:off x="6122396" y="3957910"/>
+            <a:ext cx="234671" cy="540000"/>
+          </a:xfrm>
+          <a:prstGeom prst="leftBrace">
+            <a:avLst/>
+          </a:prstGeom>
+        </p:spPr>
+        <p:style>
+          <a:lnRef idx="1">
+            <a:schemeClr val="dk1"/>
+          </a:lnRef>
+          <a:fillRef idx="0">
+            <a:schemeClr val="dk1"/>
+          </a:fillRef>
+          <a:effectRef idx="0">
+            <a:schemeClr val="dk1"/>
+          </a:effectRef>
+          <a:fontRef idx="minor">
+            <a:schemeClr val="tx1"/>
+          </a:fontRef>
+        </p:style>
+        <p:txBody>
+          <a:bodyPr rot="0" spcFirstLastPara="0" vert="horz" wrap="square" lIns="91440" tIns="45720" rIns="91440" bIns="45720" numCol="1" spcCol="0" rtlCol="0" fromWordArt="0" anchor="ctr" anchorCtr="0" forceAA="0" compatLnSpc="1">
+            <a:prstTxWarp prst="textNoShape">
+              <a:avLst/>
+            </a:prstTxWarp>
+            <a:noAutofit/>
+          </a:bodyPr>
+          <a:lstStyle/>
+          <a:p>
+            <a:endParaRPr lang="zh-CN" altLang="en-US" sz="1800"/>
+          </a:p>
+        </p:txBody>
+      </p:sp>
+      <p:sp>
+        <p:nvSpPr>
+          <p:cNvPr id="141" name="矩形 140"/>
+          <p:cNvSpPr/>
+          <p:nvPr/>
+        </p:nvSpPr>
+        <p:spPr>
+          <a:xfrm>
+            <a:off x="6295972" y="4322784"/>
+            <a:ext cx="1863312" cy="374749"/>
+          </a:xfrm>
+          <a:prstGeom prst="rect">
+            <a:avLst/>
+          </a:prstGeom>
+          <a:noFill/>
+          <a:ln w="12700">
+            <a:noFill/>
+          </a:ln>
+        </p:spPr>
+        <p:style>
+          <a:lnRef idx="2">
+            <a:schemeClr val="accent6"/>
+          </a:lnRef>
+          <a:fillRef idx="1">
+            <a:schemeClr val="lt1"/>
+          </a:fillRef>
+          <a:effectRef idx="0">
+            <a:schemeClr val="accent6"/>
+          </a:effectRef>
+          <a:fontRef idx="minor">
+            <a:schemeClr val="dk1"/>
+          </a:fontRef>
+        </p:style>
+        <p:txBody>
+          <a:bodyPr rot="0" spcFirstLastPara="0" vert="horz" wrap="square" lIns="91440" tIns="45720" rIns="91440" bIns="45720" numCol="1" spcCol="0" rtlCol="0" fromWordArt="0" anchor="ctr" anchorCtr="0" forceAA="0" compatLnSpc="1">
+            <a:prstTxWarp prst="textNoShape">
+              <a:avLst/>
+            </a:prstTxWarp>
+            <a:noAutofit/>
+          </a:bodyPr>
+          <a:lstStyle/>
+          <a:p>
+            <a:pPr>
+              <a:lnSpc>
+                <a:spcPct val="107000"/>
+              </a:lnSpc>
+              <a:spcAft>
+                <a:spcPts val="0"/>
+              </a:spcAft>
+            </a:pPr>
+            <a:r>
+              <a:rPr lang="zh-CN" altLang="en-US" sz="1800" dirty="0" smtClean="0">
+                <a:ea typeface="宋体" panose="02010600030101010101" pitchFamily="2" charset="-122"/>
+                <a:cs typeface="Times New Roman" panose="02020603050405020304" pitchFamily="18" charset="0"/>
+              </a:rPr>
+              <a:t>要素效应</a:t>
+            </a:r>
+            <a:endParaRPr lang="zh-CN" sz="1800" dirty="0">
+              <a:effectLst/>
+              <a:ea typeface="宋体" panose="02010600030101010101" pitchFamily="2" charset="-122"/>
+              <a:cs typeface="Times New Roman" panose="02020603050405020304" pitchFamily="18" charset="0"/>
+            </a:endParaRPr>
+          </a:p>
+        </p:txBody>
+      </p:sp>
+      <p:sp>
+        <p:nvSpPr>
+          <p:cNvPr id="142" name="矩形 141"/>
+          <p:cNvSpPr/>
+          <p:nvPr/>
+        </p:nvSpPr>
+        <p:spPr>
+          <a:xfrm>
+            <a:off x="6295972" y="3748961"/>
+            <a:ext cx="2246852" cy="374200"/>
+          </a:xfrm>
+          <a:prstGeom prst="rect">
+            <a:avLst/>
+          </a:prstGeom>
+          <a:noFill/>
+          <a:ln w="12700">
+            <a:noFill/>
+          </a:ln>
+        </p:spPr>
+        <p:style>
+          <a:lnRef idx="2">
+            <a:schemeClr val="accent6"/>
+          </a:lnRef>
+          <a:fillRef idx="1">
+            <a:schemeClr val="lt1"/>
+          </a:fillRef>
+          <a:effectRef idx="0">
+            <a:schemeClr val="accent6"/>
+          </a:effectRef>
+          <a:fontRef idx="minor">
+            <a:schemeClr val="dk1"/>
+          </a:fontRef>
+        </p:style>
+        <p:txBody>
+          <a:bodyPr rot="0" spcFirstLastPara="0" vert="horz" wrap="square" lIns="91440" tIns="45720" rIns="91440" bIns="45720" numCol="1" spcCol="0" rtlCol="0" fromWordArt="0" anchor="ctr" anchorCtr="0" forceAA="0" compatLnSpc="1">
+            <a:prstTxWarp prst="textNoShape">
+              <a:avLst/>
+            </a:prstTxWarp>
+            <a:noAutofit/>
+          </a:bodyPr>
+          <a:lstStyle/>
+          <a:p>
+            <a:pPr>
+              <a:lnSpc>
+                <a:spcPct val="107000"/>
+              </a:lnSpc>
+              <a:spcAft>
+                <a:spcPts val="0"/>
+              </a:spcAft>
+            </a:pPr>
+            <a:r>
+              <a:rPr lang="zh-CN" altLang="en-US" sz="1800" b="1" dirty="0" smtClean="0">
+                <a:ea typeface="宋体" panose="02010600030101010101" pitchFamily="2" charset="-122"/>
+                <a:cs typeface="Times New Roman" panose="02020603050405020304" pitchFamily="18" charset="0"/>
+              </a:rPr>
+              <a:t>规模效应</a:t>
+            </a:r>
+            <a:endParaRPr lang="zh-CN" sz="1800" b="1" dirty="0">
+              <a:effectLst/>
+              <a:ea typeface="宋体" panose="02010600030101010101" pitchFamily="2" charset="-122"/>
+              <a:cs typeface="Times New Roman" panose="02020603050405020304" pitchFamily="18" charset="0"/>
+            </a:endParaRPr>
           </a:p>
         </p:txBody>
       </p:sp>
@@ -8270,7 +8192,7 @@
           <a:p>
             <a:r>
               <a:rPr lang="en-US" altLang="zh-CN" dirty="0" smtClean="0"/>
-              <a:t>7/21</a:t>
+              <a:t>7/22</a:t>
             </a:r>
             <a:endParaRPr lang="zh-CN" altLang="en-US" dirty="0"/>
           </a:p>
@@ -10487,7 +10409,7 @@
           <a:p>
             <a:r>
               <a:rPr lang="en-US" altLang="zh-CN" dirty="0" smtClean="0"/>
-              <a:t>8/21</a:t>
+              <a:t>8/22</a:t>
             </a:r>
             <a:endParaRPr lang="zh-CN" altLang="en-US" dirty="0"/>
           </a:p>
@@ -13926,13 +13848,7 @@
               <a:rPr lang="zh-CN" altLang="zh-CN" sz="2000" b="1" dirty="0" smtClean="0">
                 <a:latin typeface="+mn-ea"/>
               </a:rPr>
-              <a:t>种植</a:t>
-            </a:r>
-            <a:r>
-              <a:rPr lang="zh-CN" altLang="zh-CN" sz="2000" b="1" dirty="0" smtClean="0">
-                <a:latin typeface="+mn-ea"/>
-              </a:rPr>
-              <a:t>结构</a:t>
+              <a:t>种植结构</a:t>
             </a:r>
             <a:endParaRPr lang="zh-CN" altLang="en-US" sz="2000" b="1" dirty="0" smtClean="0">
               <a:latin typeface="+mn-ea"/>
@@ -15957,7 +15873,7 @@
         <p:spPr>
           <a:xfrm>
             <a:off x="92596" y="1048409"/>
-            <a:ext cx="9051403" cy="4478149"/>
+            <a:ext cx="9051403" cy="4785926"/>
           </a:xfrm>
           <a:prstGeom prst="rect">
             <a:avLst/>
@@ -16009,11 +15925,315 @@
               </a:tabLst>
             </a:pPr>
             <a:r>
+              <a:rPr lang="zh-CN" altLang="zh-CN" sz="2000" b="1" dirty="0" smtClean="0">
+                <a:latin typeface="华文楷体" panose="02010600040101010101" pitchFamily="2" charset="-122"/>
+                <a:ea typeface="华文楷体" panose="02010600040101010101" pitchFamily="2" charset="-122"/>
+                <a:cs typeface="Times New Roman" panose="02020603050405020304" pitchFamily="18" charset="0"/>
+              </a:rPr>
+              <a:t>（</a:t>
+            </a:r>
+            <a:r>
+              <a:rPr lang="en-US" altLang="zh-CN" sz="2000" b="1" dirty="0" smtClean="0">
+                <a:latin typeface="华文楷体" panose="02010600040101010101" pitchFamily="2" charset="-122"/>
+                <a:ea typeface="华文楷体" panose="02010600040101010101" pitchFamily="2" charset="-122"/>
+                <a:cs typeface="Times New Roman" panose="02020603050405020304" pitchFamily="18" charset="0"/>
+              </a:rPr>
+              <a:t>1</a:t>
+            </a:r>
+            <a:r>
+              <a:rPr lang="zh-CN" altLang="zh-CN" sz="2000" b="1" dirty="0" smtClean="0">
+                <a:latin typeface="华文楷体" panose="02010600040101010101" pitchFamily="2" charset="-122"/>
+                <a:ea typeface="华文楷体" panose="02010600040101010101" pitchFamily="2" charset="-122"/>
+                <a:cs typeface="Times New Roman" panose="02020603050405020304" pitchFamily="18" charset="0"/>
+              </a:rPr>
+              <a:t>）</a:t>
+            </a:r>
+            <a:r>
+              <a:rPr lang="zh-CN" altLang="zh-CN" sz="2000" b="1" dirty="0">
+                <a:latin typeface="华文楷体" panose="02010600040101010101" pitchFamily="2" charset="-122"/>
+                <a:ea typeface="华文楷体" panose="02010600040101010101" pitchFamily="2" charset="-122"/>
+                <a:cs typeface="Times New Roman" panose="02020603050405020304" pitchFamily="18" charset="0"/>
+              </a:rPr>
+              <a:t>大中小农户单产</a:t>
+            </a:r>
+            <a:r>
+              <a:rPr lang="zh-CN" altLang="en-US" sz="2000" b="1" dirty="0">
+                <a:latin typeface="华文楷体" panose="02010600040101010101" pitchFamily="2" charset="-122"/>
+                <a:ea typeface="华文楷体" panose="02010600040101010101" pitchFamily="2" charset="-122"/>
+                <a:cs typeface="Times New Roman" panose="02020603050405020304" pitchFamily="18" charset="0"/>
+              </a:rPr>
+              <a:t>变化</a:t>
+            </a:r>
+            <a:r>
+              <a:rPr lang="zh-CN" altLang="zh-CN" sz="2000" b="1" dirty="0">
+                <a:latin typeface="华文楷体" panose="02010600040101010101" pitchFamily="2" charset="-122"/>
+                <a:ea typeface="华文楷体" panose="02010600040101010101" pitchFamily="2" charset="-122"/>
+                <a:cs typeface="Times New Roman" panose="02020603050405020304" pitchFamily="18" charset="0"/>
+              </a:rPr>
+              <a:t>显著不同。</a:t>
+            </a:r>
+            <a:r>
+              <a:rPr lang="zh-CN" altLang="zh-CN" sz="2000" dirty="0">
+                <a:latin typeface="华文楷体" panose="02010600040101010101" pitchFamily="2" charset="-122"/>
+                <a:ea typeface="华文楷体" panose="02010600040101010101" pitchFamily="2" charset="-122"/>
+                <a:cs typeface="Times New Roman" panose="02020603050405020304" pitchFamily="18" charset="0"/>
+              </a:rPr>
+              <a:t>从农户数据上看，</a:t>
+            </a:r>
+            <a:r>
+              <a:rPr lang="zh-CN" altLang="en-US" sz="2000" dirty="0">
+                <a:latin typeface="华文楷体" panose="02010600040101010101" pitchFamily="2" charset="-122"/>
+                <a:ea typeface="华文楷体" panose="02010600040101010101" pitchFamily="2" charset="-122"/>
+                <a:cs typeface="Times New Roman" panose="02020603050405020304" pitchFamily="18" charset="0"/>
+              </a:rPr>
+              <a:t>一熟区春玉米</a:t>
+            </a:r>
+            <a:r>
+              <a:rPr lang="zh-CN" altLang="zh-CN" sz="2000" dirty="0">
+                <a:latin typeface="华文楷体" panose="02010600040101010101" pitchFamily="2" charset="-122"/>
+                <a:ea typeface="华文楷体" panose="02010600040101010101" pitchFamily="2" charset="-122"/>
+                <a:cs typeface="Times New Roman" panose="02020603050405020304" pitchFamily="18" charset="0"/>
+              </a:rPr>
+              <a:t>单产与规模呈“倒</a:t>
+            </a:r>
+            <a:r>
+              <a:rPr lang="en-US" altLang="zh-CN" sz="2000" dirty="0">
+                <a:latin typeface="华文楷体" panose="02010600040101010101" pitchFamily="2" charset="-122"/>
+                <a:ea typeface="华文楷体" panose="02010600040101010101" pitchFamily="2" charset="-122"/>
+                <a:cs typeface="Times New Roman" panose="02020603050405020304" pitchFamily="18" charset="0"/>
+              </a:rPr>
+              <a:t>U</a:t>
+            </a:r>
+            <a:r>
+              <a:rPr lang="zh-CN" altLang="zh-CN" sz="2000" dirty="0">
+                <a:latin typeface="华文楷体" panose="02010600040101010101" pitchFamily="2" charset="-122"/>
+                <a:ea typeface="华文楷体" panose="02010600040101010101" pitchFamily="2" charset="-122"/>
+                <a:cs typeface="Times New Roman" panose="02020603050405020304" pitchFamily="18" charset="0"/>
+              </a:rPr>
+              <a:t>型”关系，</a:t>
+            </a:r>
+            <a:r>
+              <a:rPr lang="zh-CN" altLang="en-US" sz="2000" dirty="0">
+                <a:latin typeface="华文楷体" panose="02010600040101010101" pitchFamily="2" charset="-122"/>
+                <a:ea typeface="华文楷体" panose="02010600040101010101" pitchFamily="2" charset="-122"/>
+                <a:cs typeface="Times New Roman" panose="02020603050405020304" pitchFamily="18" charset="0"/>
+              </a:rPr>
+              <a:t>两熟区夏玉米</a:t>
+            </a:r>
+            <a:r>
+              <a:rPr lang="zh-CN" altLang="zh-CN" sz="2000" dirty="0">
+                <a:latin typeface="华文楷体" panose="02010600040101010101" pitchFamily="2" charset="-122"/>
+                <a:ea typeface="华文楷体" panose="02010600040101010101" pitchFamily="2" charset="-122"/>
+                <a:cs typeface="Times New Roman" panose="02020603050405020304" pitchFamily="18" charset="0"/>
+              </a:rPr>
+              <a:t>和小麦的单产与规模大规模农户太少，但中型规模农户的单产水平均高于小农户。水稻单产与规模</a:t>
+            </a:r>
+            <a:r>
+              <a:rPr lang="zh-CN" altLang="en-US" sz="2000" dirty="0">
+                <a:latin typeface="华文楷体" panose="02010600040101010101" pitchFamily="2" charset="-122"/>
+                <a:ea typeface="华文楷体" panose="02010600040101010101" pitchFamily="2" charset="-122"/>
+                <a:cs typeface="Times New Roman" panose="02020603050405020304" pitchFamily="18" charset="0"/>
+              </a:rPr>
+              <a:t>呈</a:t>
+            </a:r>
+            <a:r>
+              <a:rPr lang="zh-CN" altLang="zh-CN" sz="2000" dirty="0">
+                <a:latin typeface="华文楷体" panose="02010600040101010101" pitchFamily="2" charset="-122"/>
+                <a:ea typeface="华文楷体" panose="02010600040101010101" pitchFamily="2" charset="-122"/>
+                <a:cs typeface="Times New Roman" panose="02020603050405020304" pitchFamily="18" charset="0"/>
+              </a:rPr>
+              <a:t>“</a:t>
+            </a:r>
+            <a:r>
+              <a:rPr lang="en-US" altLang="zh-CN" sz="2000" dirty="0">
+                <a:latin typeface="华文楷体" panose="02010600040101010101" pitchFamily="2" charset="-122"/>
+                <a:ea typeface="华文楷体" panose="02010600040101010101" pitchFamily="2" charset="-122"/>
+                <a:cs typeface="Times New Roman" panose="02020603050405020304" pitchFamily="18" charset="0"/>
+              </a:rPr>
+              <a:t>U</a:t>
+            </a:r>
+            <a:r>
+              <a:rPr lang="zh-CN" altLang="zh-CN" sz="2000" dirty="0">
+                <a:latin typeface="华文楷体" panose="02010600040101010101" pitchFamily="2" charset="-122"/>
+                <a:ea typeface="华文楷体" panose="02010600040101010101" pitchFamily="2" charset="-122"/>
+                <a:cs typeface="Times New Roman" panose="02020603050405020304" pitchFamily="18" charset="0"/>
+              </a:rPr>
+              <a:t>型”关系。</a:t>
+            </a:r>
+            <a:endParaRPr lang="en-US" altLang="zh-CN" sz="2000" dirty="0">
+              <a:latin typeface="华文楷体" panose="02010600040101010101" pitchFamily="2" charset="-122"/>
+              <a:ea typeface="华文楷体" panose="02010600040101010101" pitchFamily="2" charset="-122"/>
+              <a:cs typeface="Times New Roman" panose="02020603050405020304" pitchFamily="18" charset="0"/>
+            </a:endParaRPr>
+          </a:p>
+          <a:p>
+            <a:pPr indent="457200" algn="just" latinLnBrk="1">
+              <a:spcBef>
+                <a:spcPts val="600"/>
+              </a:spcBef>
+              <a:spcAft>
+                <a:spcPts val="600"/>
+              </a:spcAft>
+              <a:tabLst>
+                <a:tab pos="0" algn="l"/>
+                <a:tab pos="4320000" algn="ctr"/>
+                <a:tab pos="8640000" algn="r"/>
+              </a:tabLst>
+            </a:pPr>
+            <a:r>
+              <a:rPr lang="zh-CN" altLang="zh-CN" sz="2000" b="1" dirty="0" smtClean="0">
+                <a:latin typeface="华文楷体" panose="02010600040101010101" pitchFamily="2" charset="-122"/>
+                <a:ea typeface="华文楷体" panose="02010600040101010101" pitchFamily="2" charset="-122"/>
+                <a:cs typeface="Times New Roman" panose="02020603050405020304" pitchFamily="18" charset="0"/>
+              </a:rPr>
+              <a:t>（</a:t>
+            </a:r>
+            <a:r>
+              <a:rPr lang="en-US" altLang="zh-CN" sz="2000" b="1" dirty="0" smtClean="0">
+                <a:latin typeface="华文楷体" panose="02010600040101010101" pitchFamily="2" charset="-122"/>
+                <a:ea typeface="华文楷体" panose="02010600040101010101" pitchFamily="2" charset="-122"/>
+                <a:cs typeface="Times New Roman" panose="02020603050405020304" pitchFamily="18" charset="0"/>
+              </a:rPr>
+              <a:t>2</a:t>
+            </a:r>
+            <a:r>
+              <a:rPr lang="zh-CN" altLang="zh-CN" sz="2000" b="1" dirty="0" smtClean="0">
+                <a:latin typeface="华文楷体" panose="02010600040101010101" pitchFamily="2" charset="-122"/>
+                <a:ea typeface="华文楷体" panose="02010600040101010101" pitchFamily="2" charset="-122"/>
+                <a:cs typeface="Times New Roman" panose="02020603050405020304" pitchFamily="18" charset="0"/>
+              </a:rPr>
+              <a:t>）</a:t>
+            </a:r>
+            <a:r>
+              <a:rPr lang="zh-CN" altLang="en-US" sz="2000" b="1" dirty="0">
+                <a:latin typeface="华文楷体" panose="02010600040101010101" pitchFamily="2" charset="-122"/>
+                <a:ea typeface="华文楷体" panose="02010600040101010101" pitchFamily="2" charset="-122"/>
+                <a:cs typeface="Times New Roman" panose="02020603050405020304" pitchFamily="18" charset="0"/>
+              </a:rPr>
+              <a:t>不同规模</a:t>
+            </a:r>
+            <a:r>
+              <a:rPr lang="zh-CN" altLang="zh-CN" sz="2000" b="1" dirty="0">
+                <a:latin typeface="华文楷体" panose="02010600040101010101" pitchFamily="2" charset="-122"/>
+                <a:ea typeface="华文楷体" panose="02010600040101010101" pitchFamily="2" charset="-122"/>
+                <a:cs typeface="Times New Roman" panose="02020603050405020304" pitchFamily="18" charset="0"/>
+              </a:rPr>
+              <a:t>劳动、肥料、机械及其他农资投入</a:t>
+            </a:r>
+            <a:r>
+              <a:rPr lang="zh-CN" altLang="en-US" sz="2000" b="1" dirty="0">
+                <a:latin typeface="华文楷体" panose="02010600040101010101" pitchFamily="2" charset="-122"/>
+                <a:ea typeface="华文楷体" panose="02010600040101010101" pitchFamily="2" charset="-122"/>
+                <a:cs typeface="Times New Roman" panose="02020603050405020304" pitchFamily="18" charset="0"/>
+              </a:rPr>
+              <a:t>存在</a:t>
+            </a:r>
+            <a:r>
+              <a:rPr lang="zh-CN" altLang="zh-CN" sz="2000" b="1" dirty="0">
+                <a:latin typeface="华文楷体" panose="02010600040101010101" pitchFamily="2" charset="-122"/>
+                <a:ea typeface="华文楷体" panose="02010600040101010101" pitchFamily="2" charset="-122"/>
+                <a:cs typeface="Times New Roman" panose="02020603050405020304" pitchFamily="18" charset="0"/>
+              </a:rPr>
+              <a:t>差异。</a:t>
+            </a:r>
+            <a:r>
+              <a:rPr lang="zh-CN" altLang="zh-CN" sz="2000" dirty="0">
+                <a:latin typeface="华文楷体" panose="02010600040101010101" pitchFamily="2" charset="-122"/>
+                <a:ea typeface="华文楷体" panose="02010600040101010101" pitchFamily="2" charset="-122"/>
+                <a:cs typeface="Times New Roman" panose="02020603050405020304" pitchFamily="18" charset="0"/>
+              </a:rPr>
+              <a:t>整体规律为</a:t>
+            </a:r>
+            <a:r>
+              <a:rPr lang="zh-CN" altLang="en-US" sz="2000" dirty="0">
+                <a:latin typeface="华文楷体" panose="02010600040101010101" pitchFamily="2" charset="-122"/>
+                <a:ea typeface="华文楷体" panose="02010600040101010101" pitchFamily="2" charset="-122"/>
+                <a:cs typeface="Times New Roman" panose="02020603050405020304" pitchFamily="18" charset="0"/>
+              </a:rPr>
+              <a:t>亩均</a:t>
+            </a:r>
+            <a:r>
+              <a:rPr lang="zh-CN" altLang="zh-CN" sz="2000" dirty="0">
+                <a:latin typeface="华文楷体" panose="02010600040101010101" pitchFamily="2" charset="-122"/>
+                <a:ea typeface="华文楷体" panose="02010600040101010101" pitchFamily="2" charset="-122"/>
+                <a:cs typeface="Times New Roman" panose="02020603050405020304" pitchFamily="18" charset="0"/>
+              </a:rPr>
+              <a:t>劳动力随着规模的扩大显著下降。</a:t>
+            </a:r>
+            <a:r>
+              <a:rPr lang="zh-CN" altLang="en-US" sz="2000" dirty="0">
+                <a:latin typeface="华文楷体" panose="02010600040101010101" pitchFamily="2" charset="-122"/>
+                <a:ea typeface="华文楷体" panose="02010600040101010101" pitchFamily="2" charset="-122"/>
+                <a:cs typeface="Times New Roman" panose="02020603050405020304" pitchFamily="18" charset="0"/>
+              </a:rPr>
+              <a:t>亩均</a:t>
+            </a:r>
+            <a:r>
+              <a:rPr lang="zh-CN" altLang="zh-CN" sz="2000" dirty="0">
+                <a:latin typeface="华文楷体" panose="02010600040101010101" pitchFamily="2" charset="-122"/>
+                <a:ea typeface="华文楷体" panose="02010600040101010101" pitchFamily="2" charset="-122"/>
+                <a:cs typeface="Times New Roman" panose="02020603050405020304" pitchFamily="18" charset="0"/>
+              </a:rPr>
+              <a:t>肥料</a:t>
+            </a:r>
+            <a:r>
+              <a:rPr lang="zh-CN" altLang="en-US" sz="2000" dirty="0">
+                <a:latin typeface="华文楷体" panose="02010600040101010101" pitchFamily="2" charset="-122"/>
+                <a:ea typeface="华文楷体" panose="02010600040101010101" pitchFamily="2" charset="-122"/>
+                <a:cs typeface="Times New Roman" panose="02020603050405020304" pitchFamily="18" charset="0"/>
+              </a:rPr>
+              <a:t>和</a:t>
+            </a:r>
+            <a:r>
+              <a:rPr lang="zh-CN" altLang="zh-CN" sz="2000" dirty="0">
+                <a:latin typeface="华文楷体" panose="02010600040101010101" pitchFamily="2" charset="-122"/>
+                <a:ea typeface="华文楷体" panose="02010600040101010101" pitchFamily="2" charset="-122"/>
+                <a:cs typeface="Times New Roman" panose="02020603050405020304" pitchFamily="18" charset="0"/>
+              </a:rPr>
+              <a:t>机械也随着规模的扩大而降低，但降低的速度远远小于劳动力缩减的速度</a:t>
+            </a:r>
+            <a:r>
               <a:rPr lang="zh-CN" altLang="zh-CN" sz="2000" dirty="0" smtClean="0">
                 <a:latin typeface="华文楷体" panose="02010600040101010101" pitchFamily="2" charset="-122"/>
                 <a:ea typeface="华文楷体" panose="02010600040101010101" pitchFamily="2" charset="-122"/>
                 <a:cs typeface="Times New Roman" panose="02020603050405020304" pitchFamily="18" charset="0"/>
               </a:rPr>
+              <a:t>。</a:t>
+            </a:r>
+            <a:r>
+              <a:rPr lang="zh-CN" altLang="en-US" sz="2000" dirty="0" smtClean="0">
+                <a:latin typeface="华文楷体" panose="02010600040101010101" pitchFamily="2" charset="-122"/>
+                <a:ea typeface="华文楷体" panose="02010600040101010101" pitchFamily="2" charset="-122"/>
+                <a:cs typeface="Times New Roman" panose="02020603050405020304" pitchFamily="18" charset="0"/>
+              </a:rPr>
+              <a:t>玉米每亩的机械投入远低于小麦和玉米的机械投入水平。</a:t>
+            </a:r>
+            <a:endParaRPr lang="zh-CN" altLang="zh-CN" sz="2000" dirty="0">
+              <a:latin typeface="华文楷体" panose="02010600040101010101" pitchFamily="2" charset="-122"/>
+              <a:ea typeface="华文楷体" panose="02010600040101010101" pitchFamily="2" charset="-122"/>
+              <a:cs typeface="Times New Roman" panose="02020603050405020304" pitchFamily="18" charset="0"/>
+            </a:endParaRPr>
+          </a:p>
+          <a:p>
+            <a:pPr indent="457200" algn="just" latinLnBrk="1">
+              <a:spcBef>
+                <a:spcPts val="600"/>
+              </a:spcBef>
+              <a:spcAft>
+                <a:spcPts val="600"/>
+              </a:spcAft>
+              <a:tabLst>
+                <a:tab pos="0" algn="l"/>
+                <a:tab pos="4320000" algn="ctr"/>
+                <a:tab pos="8640000" algn="r"/>
+              </a:tabLst>
+            </a:pPr>
+            <a:r>
+              <a:rPr lang="zh-CN" altLang="zh-CN" sz="2000" dirty="0" smtClean="0">
+                <a:latin typeface="华文楷体" panose="02010600040101010101" pitchFamily="2" charset="-122"/>
+                <a:ea typeface="华文楷体" panose="02010600040101010101" pitchFamily="2" charset="-122"/>
+                <a:cs typeface="Times New Roman" panose="02020603050405020304" pitchFamily="18" charset="0"/>
+              </a:rPr>
               <a:t>（</a:t>
             </a:r>
             <a:r>
@@ -16022,7 +16242,7 @@
                 <a:ea typeface="华文楷体" panose="02010600040101010101" pitchFamily="2" charset="-122"/>
                 <a:cs typeface="Times New Roman" panose="02020603050405020304" pitchFamily="18" charset="0"/>
               </a:rPr>
-              <a:t>1</a:t>
+              <a:t>3</a:t>
             </a:r>
             <a:r>
               <a:rPr lang="zh-CN" altLang="zh-CN" sz="2000" dirty="0" smtClean="0">
@@ -16054,7 +16274,15 @@
                 <a:ea typeface="华文楷体" panose="02010600040101010101" pitchFamily="2" charset="-122"/>
                 <a:cs typeface="Times New Roman" panose="02020603050405020304" pitchFamily="18" charset="0"/>
               </a:rPr>
-              <a:t>兼业水平和外部环境指标农业</a:t>
+              <a:t>兼业水平</a:t>
+            </a:r>
+            <a:r>
+              <a:rPr lang="zh-CN" altLang="zh-CN" sz="2000" dirty="0" smtClean="0">
+                <a:latin typeface="华文楷体" panose="02010600040101010101" pitchFamily="2" charset="-122"/>
+                <a:ea typeface="华文楷体" panose="02010600040101010101" pitchFamily="2" charset="-122"/>
+                <a:cs typeface="Times New Roman" panose="02020603050405020304" pitchFamily="18" charset="0"/>
+              </a:rPr>
+              <a:t>和农业</a:t>
             </a:r>
             <a:r>
               <a:rPr lang="zh-CN" altLang="zh-CN" sz="2000" dirty="0" smtClean="0">
@@ -16178,7 +16406,7 @@
                 <a:ea typeface="华文楷体" panose="02010600040101010101" pitchFamily="2" charset="-122"/>
                 <a:cs typeface="Times New Roman" panose="02020603050405020304" pitchFamily="18" charset="0"/>
               </a:rPr>
-              <a:t>2</a:t>
+              <a:t>4</a:t>
             </a:r>
             <a:r>
               <a:rPr lang="zh-CN" altLang="en-US" sz="2000" dirty="0" smtClean="0">
@@ -16202,335 +16430,17 @@
                 <a:ea typeface="华文楷体" panose="02010600040101010101" pitchFamily="2" charset="-122"/>
                 <a:cs typeface="Times New Roman" panose="02020603050405020304" pitchFamily="18" charset="0"/>
               </a:rPr>
-              <a:t>规模间农户的年龄、性别、文化水平、家庭人口结构和农业技术培训情况较为相似。</a:t>
-            </a:r>
-          </a:p>
-          <a:p>
-            <a:pPr indent="457200" algn="just" latinLnBrk="1">
-              <a:spcBef>
-                <a:spcPts val="600"/>
-              </a:spcBef>
-              <a:spcAft>
-                <a:spcPts val="600"/>
-              </a:spcAft>
-              <a:tabLst>
-                <a:tab pos="0" algn="l"/>
-                <a:tab pos="4320000" algn="ctr"/>
-                <a:tab pos="8640000" algn="r"/>
-              </a:tabLst>
-            </a:pPr>
+              <a:t>规模间农户的年龄、性别、文化水平、家庭人口结构和农业技术培训情况较为相似</a:t>
+            </a:r>
             <a:r>
               <a:rPr lang="zh-CN" altLang="zh-CN" sz="2000" dirty="0" smtClean="0">
                 <a:latin typeface="华文楷体" panose="02010600040101010101" pitchFamily="2" charset="-122"/>
                 <a:ea typeface="华文楷体" panose="02010600040101010101" pitchFamily="2" charset="-122"/>
                 <a:cs typeface="Times New Roman" panose="02020603050405020304" pitchFamily="18" charset="0"/>
               </a:rPr>
-              <a:t>（</a:t>
-            </a:r>
-            <a:r>
-              <a:rPr lang="en-US" altLang="zh-CN" sz="2000" dirty="0" smtClean="0">
-                <a:latin typeface="华文楷体" panose="02010600040101010101" pitchFamily="2" charset="-122"/>
-                <a:ea typeface="华文楷体" panose="02010600040101010101" pitchFamily="2" charset="-122"/>
-                <a:cs typeface="Times New Roman" panose="02020603050405020304" pitchFamily="18" charset="0"/>
-              </a:rPr>
-              <a:t>3</a:t>
-            </a:r>
-            <a:r>
-              <a:rPr lang="zh-CN" altLang="zh-CN" sz="2000" dirty="0" smtClean="0">
-                <a:latin typeface="华文楷体" panose="02010600040101010101" pitchFamily="2" charset="-122"/>
-                <a:ea typeface="华文楷体" panose="02010600040101010101" pitchFamily="2" charset="-122"/>
-                <a:cs typeface="Times New Roman" panose="02020603050405020304" pitchFamily="18" charset="0"/>
-              </a:rPr>
-              <a:t>）</a:t>
-            </a:r>
-            <a:r>
-              <a:rPr lang="zh-CN" altLang="en-US" sz="2000" dirty="0" smtClean="0">
-                <a:latin typeface="华文楷体" panose="02010600040101010101" pitchFamily="2" charset="-122"/>
-                <a:ea typeface="华文楷体" panose="02010600040101010101" pitchFamily="2" charset="-122"/>
-                <a:cs typeface="Times New Roman" panose="02020603050405020304" pitchFamily="18" charset="0"/>
-              </a:rPr>
-              <a:t>不同规模</a:t>
-            </a:r>
-            <a:r>
-              <a:rPr lang="zh-CN" altLang="zh-CN" sz="2000" dirty="0" smtClean="0">
-                <a:latin typeface="华文楷体" panose="02010600040101010101" pitchFamily="2" charset="-122"/>
-                <a:ea typeface="华文楷体" panose="02010600040101010101" pitchFamily="2" charset="-122"/>
-                <a:cs typeface="Times New Roman" panose="02020603050405020304" pitchFamily="18" charset="0"/>
-              </a:rPr>
-              <a:t>劳动</a:t>
-            </a:r>
-            <a:r>
-              <a:rPr lang="zh-CN" altLang="zh-CN" sz="2000" dirty="0">
-                <a:latin typeface="华文楷体" panose="02010600040101010101" pitchFamily="2" charset="-122"/>
-                <a:ea typeface="华文楷体" panose="02010600040101010101" pitchFamily="2" charset="-122"/>
-                <a:cs typeface="Times New Roman" panose="02020603050405020304" pitchFamily="18" charset="0"/>
-              </a:rPr>
-              <a:t>、肥料、机械及其他农资</a:t>
-            </a:r>
-            <a:r>
-              <a:rPr lang="zh-CN" altLang="zh-CN" sz="2000" dirty="0" smtClean="0">
-                <a:latin typeface="华文楷体" panose="02010600040101010101" pitchFamily="2" charset="-122"/>
-                <a:ea typeface="华文楷体" panose="02010600040101010101" pitchFamily="2" charset="-122"/>
-                <a:cs typeface="Times New Roman" panose="02020603050405020304" pitchFamily="18" charset="0"/>
-              </a:rPr>
-              <a:t>投入</a:t>
-            </a:r>
-            <a:r>
-              <a:rPr lang="zh-CN" altLang="en-US" sz="2000" dirty="0" smtClean="0">
-                <a:latin typeface="华文楷体" panose="02010600040101010101" pitchFamily="2" charset="-122"/>
-                <a:ea typeface="华文楷体" panose="02010600040101010101" pitchFamily="2" charset="-122"/>
-                <a:cs typeface="Times New Roman" panose="02020603050405020304" pitchFamily="18" charset="0"/>
-              </a:rPr>
-              <a:t>存在</a:t>
-            </a:r>
-            <a:r>
-              <a:rPr lang="zh-CN" altLang="zh-CN" sz="2000" dirty="0" smtClean="0">
-                <a:latin typeface="华文楷体" panose="02010600040101010101" pitchFamily="2" charset="-122"/>
-                <a:ea typeface="华文楷体" panose="02010600040101010101" pitchFamily="2" charset="-122"/>
-                <a:cs typeface="Times New Roman" panose="02020603050405020304" pitchFamily="18" charset="0"/>
-              </a:rPr>
-              <a:t>差异</a:t>
-            </a:r>
-            <a:r>
-              <a:rPr lang="zh-CN" altLang="zh-CN" sz="2000" dirty="0">
-                <a:latin typeface="华文楷体" panose="02010600040101010101" pitchFamily="2" charset="-122"/>
-                <a:ea typeface="华文楷体" panose="02010600040101010101" pitchFamily="2" charset="-122"/>
-                <a:cs typeface="Times New Roman" panose="02020603050405020304" pitchFamily="18" charset="0"/>
-              </a:rPr>
-              <a:t>。整体规律为劳动力随着规模的扩大显著</a:t>
-            </a:r>
-            <a:r>
-              <a:rPr lang="zh-CN" altLang="zh-CN" sz="2000" dirty="0" smtClean="0">
-                <a:latin typeface="华文楷体" panose="02010600040101010101" pitchFamily="2" charset="-122"/>
-                <a:ea typeface="华文楷体" panose="02010600040101010101" pitchFamily="2" charset="-122"/>
-                <a:cs typeface="Times New Roman" panose="02020603050405020304" pitchFamily="18" charset="0"/>
-              </a:rPr>
-              <a:t>下降。肥料</a:t>
-            </a:r>
-            <a:r>
-              <a:rPr lang="zh-CN" altLang="en-US" sz="2000" dirty="0" smtClean="0">
-                <a:latin typeface="华文楷体" panose="02010600040101010101" pitchFamily="2" charset="-122"/>
-                <a:ea typeface="华文楷体" panose="02010600040101010101" pitchFamily="2" charset="-122"/>
-                <a:cs typeface="Times New Roman" panose="02020603050405020304" pitchFamily="18" charset="0"/>
-              </a:rPr>
-              <a:t>和</a:t>
-            </a:r>
-            <a:r>
-              <a:rPr lang="zh-CN" altLang="zh-CN" sz="2000" dirty="0" smtClean="0">
-                <a:latin typeface="华文楷体" panose="02010600040101010101" pitchFamily="2" charset="-122"/>
-                <a:ea typeface="华文楷体" panose="02010600040101010101" pitchFamily="2" charset="-122"/>
-                <a:cs typeface="Times New Roman" panose="02020603050405020304" pitchFamily="18" charset="0"/>
-              </a:rPr>
-              <a:t>机械也</a:t>
-            </a:r>
-            <a:r>
-              <a:rPr lang="zh-CN" altLang="zh-CN" sz="2000" dirty="0">
-                <a:latin typeface="华文楷体" panose="02010600040101010101" pitchFamily="2" charset="-122"/>
-                <a:ea typeface="华文楷体" panose="02010600040101010101" pitchFamily="2" charset="-122"/>
-                <a:cs typeface="Times New Roman" panose="02020603050405020304" pitchFamily="18" charset="0"/>
-              </a:rPr>
-              <a:t>随着规模的扩大而降低，但降低的速度远远小于劳动力缩减的速度。</a:t>
-            </a:r>
-          </a:p>
-          <a:p>
-            <a:pPr indent="457200" algn="just" latinLnBrk="1">
-              <a:spcBef>
-                <a:spcPts val="600"/>
-              </a:spcBef>
-              <a:spcAft>
-                <a:spcPts val="600"/>
-              </a:spcAft>
-              <a:tabLst>
-                <a:tab pos="0" algn="l"/>
-                <a:tab pos="4320000" algn="ctr"/>
-                <a:tab pos="8640000" algn="r"/>
-              </a:tabLst>
-            </a:pPr>
-            <a:r>
-              <a:rPr lang="zh-CN" altLang="zh-CN" sz="2000" dirty="0" smtClean="0">
-                <a:latin typeface="华文楷体" panose="02010600040101010101" pitchFamily="2" charset="-122"/>
-                <a:ea typeface="华文楷体" panose="02010600040101010101" pitchFamily="2" charset="-122"/>
-                <a:cs typeface="Times New Roman" panose="02020603050405020304" pitchFamily="18" charset="0"/>
-              </a:rPr>
-              <a:t>（</a:t>
-            </a:r>
-            <a:r>
-              <a:rPr lang="en-US" altLang="zh-CN" sz="2000" dirty="0" smtClean="0">
-                <a:latin typeface="华文楷体" panose="02010600040101010101" pitchFamily="2" charset="-122"/>
-                <a:ea typeface="华文楷体" panose="02010600040101010101" pitchFamily="2" charset="-122"/>
-                <a:cs typeface="Times New Roman" panose="02020603050405020304" pitchFamily="18" charset="0"/>
-              </a:rPr>
-              <a:t>4</a:t>
-            </a:r>
-            <a:r>
-              <a:rPr lang="zh-CN" altLang="zh-CN" sz="2000" dirty="0" smtClean="0">
-                <a:latin typeface="华文楷体" panose="02010600040101010101" pitchFamily="2" charset="-122"/>
-                <a:ea typeface="华文楷体" panose="02010600040101010101" pitchFamily="2" charset="-122"/>
-                <a:cs typeface="Times New Roman" panose="02020603050405020304" pitchFamily="18" charset="0"/>
-              </a:rPr>
-              <a:t>）</a:t>
-            </a:r>
-            <a:r>
-              <a:rPr lang="zh-CN" altLang="zh-CN" sz="2000" dirty="0">
-                <a:latin typeface="华文楷体" panose="02010600040101010101" pitchFamily="2" charset="-122"/>
-                <a:ea typeface="华文楷体" panose="02010600040101010101" pitchFamily="2" charset="-122"/>
-                <a:cs typeface="Times New Roman" panose="02020603050405020304" pitchFamily="18" charset="0"/>
-              </a:rPr>
-              <a:t>大中小</a:t>
-            </a:r>
-            <a:r>
-              <a:rPr lang="zh-CN" altLang="zh-CN" sz="2000" dirty="0" smtClean="0">
-                <a:latin typeface="华文楷体" panose="02010600040101010101" pitchFamily="2" charset="-122"/>
-                <a:ea typeface="华文楷体" panose="02010600040101010101" pitchFamily="2" charset="-122"/>
-                <a:cs typeface="Times New Roman" panose="02020603050405020304" pitchFamily="18" charset="0"/>
-              </a:rPr>
-              <a:t>农户单产</a:t>
-            </a:r>
-            <a:r>
-              <a:rPr lang="zh-CN" altLang="en-US" sz="2000" dirty="0" smtClean="0">
-                <a:latin typeface="华文楷体" panose="02010600040101010101" pitchFamily="2" charset="-122"/>
-                <a:ea typeface="华文楷体" panose="02010600040101010101" pitchFamily="2" charset="-122"/>
-                <a:cs typeface="Times New Roman" panose="02020603050405020304" pitchFamily="18" charset="0"/>
-              </a:rPr>
-              <a:t>变化</a:t>
-            </a:r>
-            <a:r>
-              <a:rPr lang="zh-CN" altLang="zh-CN" sz="2000" dirty="0" smtClean="0">
-                <a:latin typeface="华文楷体" panose="02010600040101010101" pitchFamily="2" charset="-122"/>
-                <a:ea typeface="华文楷体" panose="02010600040101010101" pitchFamily="2" charset="-122"/>
-                <a:cs typeface="Times New Roman" panose="02020603050405020304" pitchFamily="18" charset="0"/>
-              </a:rPr>
-              <a:t>显著</a:t>
-            </a:r>
-            <a:r>
-              <a:rPr lang="zh-CN" altLang="zh-CN" sz="2000" dirty="0">
-                <a:latin typeface="华文楷体" panose="02010600040101010101" pitchFamily="2" charset="-122"/>
-                <a:ea typeface="华文楷体" panose="02010600040101010101" pitchFamily="2" charset="-122"/>
-                <a:cs typeface="Times New Roman" panose="02020603050405020304" pitchFamily="18" charset="0"/>
-              </a:rPr>
-              <a:t>不同。从农户数据上看</a:t>
-            </a:r>
-            <a:r>
-              <a:rPr lang="zh-CN" altLang="zh-CN" sz="2000" dirty="0" smtClean="0">
-                <a:latin typeface="华文楷体" panose="02010600040101010101" pitchFamily="2" charset="-122"/>
-                <a:ea typeface="华文楷体" panose="02010600040101010101" pitchFamily="2" charset="-122"/>
-                <a:cs typeface="Times New Roman" panose="02020603050405020304" pitchFamily="18" charset="0"/>
-              </a:rPr>
-              <a:t>，</a:t>
-            </a:r>
-            <a:r>
-              <a:rPr lang="zh-CN" altLang="en-US" sz="2000" dirty="0" smtClean="0">
-                <a:latin typeface="华文楷体" panose="02010600040101010101" pitchFamily="2" charset="-122"/>
-                <a:ea typeface="华文楷体" panose="02010600040101010101" pitchFamily="2" charset="-122"/>
-                <a:cs typeface="Times New Roman" panose="02020603050405020304" pitchFamily="18" charset="0"/>
-              </a:rPr>
-              <a:t>一熟区春玉米</a:t>
-            </a:r>
-            <a:r>
-              <a:rPr lang="zh-CN" altLang="zh-CN" sz="2000" dirty="0" smtClean="0">
-                <a:latin typeface="华文楷体" panose="02010600040101010101" pitchFamily="2" charset="-122"/>
-                <a:ea typeface="华文楷体" panose="02010600040101010101" pitchFamily="2" charset="-122"/>
-                <a:cs typeface="Times New Roman" panose="02020603050405020304" pitchFamily="18" charset="0"/>
-              </a:rPr>
-              <a:t>单产</a:t>
-            </a:r>
-            <a:r>
-              <a:rPr lang="zh-CN" altLang="zh-CN" sz="2000" dirty="0">
-                <a:latin typeface="华文楷体" panose="02010600040101010101" pitchFamily="2" charset="-122"/>
-                <a:ea typeface="华文楷体" panose="02010600040101010101" pitchFamily="2" charset="-122"/>
-                <a:cs typeface="Times New Roman" panose="02020603050405020304" pitchFamily="18" charset="0"/>
-              </a:rPr>
-              <a:t>与规模呈“倒</a:t>
-            </a:r>
-            <a:r>
-              <a:rPr lang="en-US" altLang="zh-CN" sz="2000" dirty="0">
-                <a:latin typeface="华文楷体" panose="02010600040101010101" pitchFamily="2" charset="-122"/>
-                <a:ea typeface="华文楷体" panose="02010600040101010101" pitchFamily="2" charset="-122"/>
-                <a:cs typeface="Times New Roman" panose="02020603050405020304" pitchFamily="18" charset="0"/>
-              </a:rPr>
-              <a:t>U</a:t>
-            </a:r>
-            <a:r>
-              <a:rPr lang="zh-CN" altLang="zh-CN" sz="2000" dirty="0">
-                <a:latin typeface="华文楷体" panose="02010600040101010101" pitchFamily="2" charset="-122"/>
-                <a:ea typeface="华文楷体" panose="02010600040101010101" pitchFamily="2" charset="-122"/>
-                <a:cs typeface="Times New Roman" panose="02020603050405020304" pitchFamily="18" charset="0"/>
-              </a:rPr>
-              <a:t>型”关系</a:t>
-            </a:r>
-            <a:r>
-              <a:rPr lang="zh-CN" altLang="zh-CN" sz="2000" dirty="0" smtClean="0">
-                <a:latin typeface="华文楷体" panose="02010600040101010101" pitchFamily="2" charset="-122"/>
-                <a:ea typeface="华文楷体" panose="02010600040101010101" pitchFamily="2" charset="-122"/>
-                <a:cs typeface="Times New Roman" panose="02020603050405020304" pitchFamily="18" charset="0"/>
-              </a:rPr>
-              <a:t>，</a:t>
-            </a:r>
-            <a:r>
-              <a:rPr lang="zh-CN" altLang="en-US" sz="2000" dirty="0" smtClean="0">
-                <a:latin typeface="华文楷体" panose="02010600040101010101" pitchFamily="2" charset="-122"/>
-                <a:ea typeface="华文楷体" panose="02010600040101010101" pitchFamily="2" charset="-122"/>
-                <a:cs typeface="Times New Roman" panose="02020603050405020304" pitchFamily="18" charset="0"/>
-              </a:rPr>
-              <a:t>两熟区夏玉米</a:t>
-            </a:r>
-            <a:r>
-              <a:rPr lang="zh-CN" altLang="zh-CN" sz="2000" dirty="0" smtClean="0">
-                <a:latin typeface="华文楷体" panose="02010600040101010101" pitchFamily="2" charset="-122"/>
-                <a:ea typeface="华文楷体" panose="02010600040101010101" pitchFamily="2" charset="-122"/>
-                <a:cs typeface="Times New Roman" panose="02020603050405020304" pitchFamily="18" charset="0"/>
-              </a:rPr>
-              <a:t>和</a:t>
-            </a:r>
-            <a:r>
-              <a:rPr lang="zh-CN" altLang="zh-CN" sz="2000" dirty="0">
-                <a:latin typeface="华文楷体" panose="02010600040101010101" pitchFamily="2" charset="-122"/>
-                <a:ea typeface="华文楷体" panose="02010600040101010101" pitchFamily="2" charset="-122"/>
-                <a:cs typeface="Times New Roman" panose="02020603050405020304" pitchFamily="18" charset="0"/>
-              </a:rPr>
-              <a:t>小麦的单产与规模大规模农户太少，但中型规模农户的单产水平均高于小农户。水稻单产与</a:t>
-            </a:r>
-            <a:r>
-              <a:rPr lang="zh-CN" altLang="zh-CN" sz="2000" dirty="0" smtClean="0">
-                <a:latin typeface="华文楷体" panose="02010600040101010101" pitchFamily="2" charset="-122"/>
-                <a:ea typeface="华文楷体" panose="02010600040101010101" pitchFamily="2" charset="-122"/>
-                <a:cs typeface="Times New Roman" panose="02020603050405020304" pitchFamily="18" charset="0"/>
-              </a:rPr>
-              <a:t>规模</a:t>
-            </a:r>
-            <a:r>
-              <a:rPr lang="zh-CN" altLang="en-US" sz="2000" dirty="0" smtClean="0">
-                <a:latin typeface="华文楷体" panose="02010600040101010101" pitchFamily="2" charset="-122"/>
-                <a:ea typeface="华文楷体" panose="02010600040101010101" pitchFamily="2" charset="-122"/>
-                <a:cs typeface="Times New Roman" panose="02020603050405020304" pitchFamily="18" charset="0"/>
-              </a:rPr>
-              <a:t>呈</a:t>
-            </a:r>
-            <a:r>
-              <a:rPr lang="zh-CN" altLang="zh-CN" sz="2000" dirty="0" smtClean="0">
-                <a:latin typeface="华文楷体" panose="02010600040101010101" pitchFamily="2" charset="-122"/>
-                <a:ea typeface="华文楷体" panose="02010600040101010101" pitchFamily="2" charset="-122"/>
-                <a:cs typeface="Times New Roman" panose="02020603050405020304" pitchFamily="18" charset="0"/>
-              </a:rPr>
-              <a:t>“</a:t>
-            </a:r>
-            <a:r>
-              <a:rPr lang="en-US" altLang="zh-CN" sz="2000" dirty="0">
-                <a:latin typeface="华文楷体" panose="02010600040101010101" pitchFamily="2" charset="-122"/>
-                <a:ea typeface="华文楷体" panose="02010600040101010101" pitchFamily="2" charset="-122"/>
-                <a:cs typeface="Times New Roman" panose="02020603050405020304" pitchFamily="18" charset="0"/>
-              </a:rPr>
-              <a:t>U</a:t>
-            </a:r>
-            <a:r>
-              <a:rPr lang="zh-CN" altLang="zh-CN" sz="2000" dirty="0">
-                <a:latin typeface="华文楷体" panose="02010600040101010101" pitchFamily="2" charset="-122"/>
-                <a:ea typeface="华文楷体" panose="02010600040101010101" pitchFamily="2" charset="-122"/>
-                <a:cs typeface="Times New Roman" panose="02020603050405020304" pitchFamily="18" charset="0"/>
-              </a:rPr>
-              <a:t>型”关系。</a:t>
-            </a:r>
-            <a:endParaRPr lang="en-US" altLang="zh-CN" sz="2000" dirty="0">
+              <a:t>。</a:t>
+            </a:r>
+            <a:endParaRPr lang="zh-CN" altLang="zh-CN" sz="2000" dirty="0">
               <a:latin typeface="华文楷体" panose="02010600040101010101" pitchFamily="2" charset="-122"/>
               <a:ea typeface="华文楷体" panose="02010600040101010101" pitchFamily="2" charset="-122"/>
               <a:cs typeface="Times New Roman" panose="02020603050405020304" pitchFamily="18" charset="0"/>
@@ -16555,7 +16465,7 @@
           <a:p>
             <a:r>
               <a:rPr lang="en-US" altLang="zh-CN" dirty="0" smtClean="0"/>
-              <a:t>9/21</a:t>
+              <a:t>9/22</a:t>
             </a:r>
             <a:endParaRPr lang="zh-CN" altLang="en-US" dirty="0"/>
           </a:p>
@@ -18171,8 +18081,8 @@
           </p:nvSpPr>
           <p:spPr>
             <a:xfrm>
-              <a:off x="3326586" y="3969677"/>
-              <a:ext cx="1415773" cy="529701"/>
+              <a:off x="3531772" y="3969677"/>
+              <a:ext cx="1005403" cy="529701"/>
             </a:xfrm>
             <a:prstGeom prst="rect">
               <a:avLst/>
@@ -18196,14 +18106,7 @@
                   <a:latin typeface="华文楷体" panose="02010600040101010101" pitchFamily="2" charset="-122"/>
                   <a:ea typeface="华文楷体" panose="02010600040101010101" pitchFamily="2" charset="-122"/>
                 </a:rPr>
-                <a:t>亩</a:t>
-              </a:r>
-              <a:r>
-                <a:rPr lang="zh-CN" altLang="en-US" sz="1600" dirty="0" smtClean="0">
-                  <a:latin typeface="华文楷体" panose="02010600040101010101" pitchFamily="2" charset="-122"/>
-                  <a:ea typeface="华文楷体" panose="02010600040101010101" pitchFamily="2" charset="-122"/>
-                </a:rPr>
-                <a:t>均要素投入</a:t>
+                <a:t>要素效应</a:t>
               </a:r>
               <a:endParaRPr lang="zh-CN" altLang="en-US" sz="1600" dirty="0" smtClean="0">
                 <a:latin typeface="华文楷体" panose="02010600040101010101" pitchFamily="2" charset="-122"/>
@@ -18284,10 +18187,6 @@
                 </a:rPr>
                 <a:t>规模效应</a:t>
               </a:r>
-              <a:endParaRPr lang="zh-CN" altLang="en-US" sz="1600" b="1" dirty="0" smtClean="0">
-                <a:latin typeface="华文楷体" panose="02010600040101010101" pitchFamily="2" charset="-122"/>
-                <a:ea typeface="华文楷体" panose="02010600040101010101" pitchFamily="2" charset="-122"/>
-              </a:endParaRPr>
             </a:p>
           </p:txBody>
         </p:sp>
@@ -18303,7 +18202,7 @@
           <p:spPr>
             <a:xfrm flipV="1">
               <a:off x="2479900" y="4234528"/>
-              <a:ext cx="846686" cy="522284"/>
+              <a:ext cx="1051872" cy="522284"/>
             </a:xfrm>
             <a:prstGeom prst="straightConnector1">
               <a:avLst/>
@@ -18373,8 +18272,8 @@
           </p:nvCxnSpPr>
           <p:spPr>
             <a:xfrm>
-              <a:off x="4742359" y="4234528"/>
-              <a:ext cx="538911" cy="353615"/>
+              <a:off x="4537175" y="4234528"/>
+              <a:ext cx="744095" cy="353615"/>
             </a:xfrm>
             <a:prstGeom prst="straightConnector1">
               <a:avLst/>
@@ -18451,7 +18350,7 @@
           <a:p>
             <a:r>
               <a:rPr lang="en-US" altLang="zh-CN" dirty="0" smtClean="0"/>
-              <a:t>10/21</a:t>
+              <a:t>10/22</a:t>
             </a:r>
             <a:endParaRPr lang="zh-CN" altLang="en-US" dirty="0"/>
           </a:p>
@@ -20753,7 +20652,7 @@
                 <a:ea typeface="华文楷体" panose="02010600040101010101" pitchFamily="2" charset="-122"/>
                 <a:cs typeface="Times New Roman" panose="02020603050405020304" pitchFamily="18" charset="0"/>
               </a:rPr>
-              <a:t>）</a:t>
+              <a:t>）生产要素亩均投入与规模的</a:t>
             </a:r>
             <a:r>
               <a:rPr lang="zh-CN" altLang="en-US" sz="2000" b="1" dirty="0" smtClean="0">
@@ -20761,7 +20660,7 @@
                 <a:ea typeface="华文楷体" panose="02010600040101010101" pitchFamily="2" charset="-122"/>
                 <a:cs typeface="Times New Roman" panose="02020603050405020304" pitchFamily="18" charset="0"/>
               </a:rPr>
-              <a:t>规模与生产要素亩均投入的回归分析</a:t>
+              <a:t>回归分析</a:t>
             </a:r>
             <a:endParaRPr lang="en-US" altLang="zh-CN" sz="2000" b="1" dirty="0" smtClean="0">
               <a:latin typeface="华文楷体" panose="02010600040101010101" pitchFamily="2" charset="-122"/>
@@ -20916,15 +20815,7 @@
                 <a:ea typeface="华文楷体" panose="02010600040101010101" pitchFamily="2" charset="-122"/>
                 <a:cs typeface="Times New Roman" panose="02020603050405020304" pitchFamily="18" charset="0"/>
               </a:rPr>
-              <a:t>不同</a:t>
-            </a:r>
-            <a:r>
-              <a:rPr lang="zh-CN" altLang="en-US" sz="1800" b="1" dirty="0" smtClean="0">
-                <a:latin typeface="Times New Roman" panose="02020603050405020304" pitchFamily="18" charset="0"/>
-                <a:ea typeface="华文楷体" panose="02010600040101010101" pitchFamily="2" charset="-122"/>
-                <a:cs typeface="Times New Roman" panose="02020603050405020304" pitchFamily="18" charset="0"/>
-              </a:rPr>
-              <a:t>种植制度粮食</a:t>
+              <a:t>不同种植制度粮食</a:t>
             </a:r>
             <a:r>
               <a:rPr lang="zh-CN" altLang="en-US" sz="1800" b="1" dirty="0" smtClean="0">
@@ -20966,6 +20857,10 @@
             <a:r>
               <a:rPr lang="en-US" altLang="zh-CN" dirty="0" smtClean="0"/>
               <a:t>11</a:t>
+            </a:r>
+            <a:r>
+              <a:rPr lang="en-US" altLang="zh-CN" dirty="0" smtClean="0"/>
+              <a:t>/22</a:t>
             </a:r>
             <a:endParaRPr lang="zh-CN" altLang="en-US" dirty="0"/>
           </a:p>
@@ -21467,120 +21362,6 @@
       </p:grpSpPr>
       <p:sp>
         <p:nvSpPr>
-          <p:cNvPr id="96" name="矩形 95"/>
-          <p:cNvSpPr/>
-          <p:nvPr/>
-        </p:nvSpPr>
-        <p:spPr>
-          <a:xfrm>
-            <a:off x="92596" y="1048409"/>
-            <a:ext cx="9051403" cy="938719"/>
-          </a:xfrm>
-          <a:prstGeom prst="rect">
-            <a:avLst/>
-          </a:prstGeom>
-        </p:spPr>
-        <p:txBody>
-          <a:bodyPr wrap="square">
-            <a:spAutoFit/>
-          </a:bodyPr>
-          <a:lstStyle/>
-          <a:p>
-            <a:pPr>
-              <a:spcBef>
-                <a:spcPts val="1200"/>
-              </a:spcBef>
-              <a:spcAft>
-                <a:spcPts val="1200"/>
-              </a:spcAft>
-              <a:buClr>
-                <a:srgbClr val="071F65"/>
-              </a:buClr>
-            </a:pPr>
-            <a:r>
-              <a:rPr lang="zh-CN" altLang="en-US" sz="2000" b="1" dirty="0">
-                <a:latin typeface="微软雅黑" panose="020B0503020204020204" pitchFamily="34" charset="-122"/>
-                <a:ea typeface="微软雅黑" panose="020B0503020204020204" pitchFamily="34" charset="-122"/>
-                <a:cs typeface="Times New Roman" panose="02020603050405020304" pitchFamily="18" charset="0"/>
-              </a:rPr>
-              <a:t>（三）水稻</a:t>
-            </a:r>
-            <a:r>
-              <a:rPr lang="zh-CN" altLang="en-US" sz="2000" b="1" dirty="0" smtClean="0">
-                <a:latin typeface="微软雅黑" panose="020B0503020204020204" pitchFamily="34" charset="-122"/>
-                <a:ea typeface="微软雅黑" panose="020B0503020204020204" pitchFamily="34" charset="-122"/>
-                <a:cs typeface="Times New Roman" panose="02020603050405020304" pitchFamily="18" charset="0"/>
-              </a:rPr>
-              <a:t>、两熟区冬小麦、两熟区夏玉米和</a:t>
-            </a:r>
-            <a:r>
-              <a:rPr lang="zh-CN" altLang="en-US" sz="2000" b="1" dirty="0">
-                <a:latin typeface="微软雅黑" panose="020B0503020204020204" pitchFamily="34" charset="-122"/>
-                <a:ea typeface="微软雅黑" panose="020B0503020204020204" pitchFamily="34" charset="-122"/>
-                <a:cs typeface="Times New Roman" panose="02020603050405020304" pitchFamily="18" charset="0"/>
-              </a:rPr>
-              <a:t>单一玉米的实证分析</a:t>
-            </a:r>
-            <a:endParaRPr lang="en-US" altLang="zh-CN" sz="2000" b="1" dirty="0">
-              <a:latin typeface="微软雅黑" panose="020B0503020204020204" pitchFamily="34" charset="-122"/>
-              <a:ea typeface="微软雅黑" panose="020B0503020204020204" pitchFamily="34" charset="-122"/>
-              <a:cs typeface="Times New Roman" panose="02020603050405020304" pitchFamily="18" charset="0"/>
-            </a:endParaRPr>
-          </a:p>
-          <a:p>
-            <a:pPr>
-              <a:spcBef>
-                <a:spcPts val="600"/>
-              </a:spcBef>
-              <a:spcAft>
-                <a:spcPts val="600"/>
-              </a:spcAft>
-              <a:buClr>
-                <a:srgbClr val="071F65"/>
-              </a:buClr>
-            </a:pPr>
-            <a:r>
-              <a:rPr lang="zh-CN" altLang="en-US" sz="2000" b="1" dirty="0" smtClean="0">
-                <a:latin typeface="华文楷体" panose="02010600040101010101" pitchFamily="2" charset="-122"/>
-                <a:ea typeface="华文楷体" panose="02010600040101010101" pitchFamily="2" charset="-122"/>
-                <a:cs typeface="Times New Roman" panose="02020603050405020304" pitchFamily="18" charset="0"/>
-              </a:rPr>
-              <a:t>（</a:t>
-            </a:r>
-            <a:r>
-              <a:rPr lang="en-US" altLang="zh-CN" sz="2000" b="1" dirty="0" smtClean="0">
-                <a:latin typeface="华文楷体" panose="02010600040101010101" pitchFamily="2" charset="-122"/>
-                <a:ea typeface="华文楷体" panose="02010600040101010101" pitchFamily="2" charset="-122"/>
-                <a:cs typeface="Times New Roman" panose="02020603050405020304" pitchFamily="18" charset="0"/>
-              </a:rPr>
-              <a:t>4</a:t>
-            </a:r>
-            <a:r>
-              <a:rPr lang="zh-CN" altLang="en-US" sz="2000" b="1" dirty="0" smtClean="0">
-                <a:latin typeface="华文楷体" panose="02010600040101010101" pitchFamily="2" charset="-122"/>
-                <a:ea typeface="华文楷体" panose="02010600040101010101" pitchFamily="2" charset="-122"/>
-                <a:cs typeface="Times New Roman" panose="02020603050405020304" pitchFamily="18" charset="0"/>
-              </a:rPr>
-              <a:t>）</a:t>
-            </a:r>
-            <a:r>
-              <a:rPr lang="zh-CN" altLang="en-US" sz="2000" b="1" dirty="0" smtClean="0">
-                <a:latin typeface="华文楷体" panose="02010600040101010101" pitchFamily="2" charset="-122"/>
-                <a:ea typeface="华文楷体" panose="02010600040101010101" pitchFamily="2" charset="-122"/>
-                <a:cs typeface="Times New Roman" panose="02020603050405020304" pitchFamily="18" charset="0"/>
-              </a:rPr>
-              <a:t>规模与生产要素亩均投入的回归分析</a:t>
-            </a:r>
-            <a:endParaRPr lang="en-US" altLang="zh-CN" sz="2000" b="1" dirty="0" smtClean="0">
-              <a:latin typeface="华文楷体" panose="02010600040101010101" pitchFamily="2" charset="-122"/>
-              <a:ea typeface="华文楷体" panose="02010600040101010101" pitchFamily="2" charset="-122"/>
-              <a:cs typeface="Times New Roman" panose="02020603050405020304" pitchFamily="18" charset="0"/>
-            </a:endParaRPr>
-          </a:p>
-        </p:txBody>
-      </p:sp>
-      <p:sp>
-        <p:nvSpPr>
           <p:cNvPr id="14" name="文本框 13"/>
           <p:cNvSpPr txBox="1"/>
           <p:nvPr/>
@@ -21755,7 +21536,7 @@
           <a:p>
             <a:r>
               <a:rPr lang="en-US" altLang="zh-CN" dirty="0" smtClean="0"/>
-              <a:t>15/21</a:t>
+              <a:t>12/22</a:t>
             </a:r>
             <a:endParaRPr lang="zh-CN" altLang="en-US" dirty="0"/>
           </a:p>
@@ -22210,6 +21991,120 @@
           </a:p>
         </p:txBody>
       </p:sp>
+      <p:sp>
+        <p:nvSpPr>
+          <p:cNvPr id="20" name="矩形 19"/>
+          <p:cNvSpPr/>
+          <p:nvPr/>
+        </p:nvSpPr>
+        <p:spPr>
+          <a:xfrm>
+            <a:off x="92596" y="1048409"/>
+            <a:ext cx="9051403" cy="938719"/>
+          </a:xfrm>
+          <a:prstGeom prst="rect">
+            <a:avLst/>
+          </a:prstGeom>
+        </p:spPr>
+        <p:txBody>
+          <a:bodyPr wrap="square">
+            <a:spAutoFit/>
+          </a:bodyPr>
+          <a:lstStyle/>
+          <a:p>
+            <a:pPr>
+              <a:spcBef>
+                <a:spcPts val="1200"/>
+              </a:spcBef>
+              <a:spcAft>
+                <a:spcPts val="1200"/>
+              </a:spcAft>
+              <a:buClr>
+                <a:srgbClr val="071F65"/>
+              </a:buClr>
+            </a:pPr>
+            <a:r>
+              <a:rPr lang="zh-CN" altLang="en-US" sz="2000" b="1" dirty="0">
+                <a:latin typeface="微软雅黑" panose="020B0503020204020204" pitchFamily="34" charset="-122"/>
+                <a:ea typeface="微软雅黑" panose="020B0503020204020204" pitchFamily="34" charset="-122"/>
+                <a:cs typeface="Times New Roman" panose="02020603050405020304" pitchFamily="18" charset="0"/>
+              </a:rPr>
+              <a:t>（三）水稻</a:t>
+            </a:r>
+            <a:r>
+              <a:rPr lang="zh-CN" altLang="en-US" sz="2000" b="1" dirty="0" smtClean="0">
+                <a:latin typeface="微软雅黑" panose="020B0503020204020204" pitchFamily="34" charset="-122"/>
+                <a:ea typeface="微软雅黑" panose="020B0503020204020204" pitchFamily="34" charset="-122"/>
+                <a:cs typeface="Times New Roman" panose="02020603050405020304" pitchFamily="18" charset="0"/>
+              </a:rPr>
+              <a:t>、两熟区冬小麦、两熟区夏玉米和</a:t>
+            </a:r>
+            <a:r>
+              <a:rPr lang="zh-CN" altLang="en-US" sz="2000" b="1" dirty="0">
+                <a:latin typeface="微软雅黑" panose="020B0503020204020204" pitchFamily="34" charset="-122"/>
+                <a:ea typeface="微软雅黑" panose="020B0503020204020204" pitchFamily="34" charset="-122"/>
+                <a:cs typeface="Times New Roman" panose="02020603050405020304" pitchFamily="18" charset="0"/>
+              </a:rPr>
+              <a:t>单一玉米的实证分析</a:t>
+            </a:r>
+            <a:endParaRPr lang="en-US" altLang="zh-CN" sz="2000" b="1" dirty="0">
+              <a:latin typeface="微软雅黑" panose="020B0503020204020204" pitchFamily="34" charset="-122"/>
+              <a:ea typeface="微软雅黑" panose="020B0503020204020204" pitchFamily="34" charset="-122"/>
+              <a:cs typeface="Times New Roman" panose="02020603050405020304" pitchFamily="18" charset="0"/>
+            </a:endParaRPr>
+          </a:p>
+          <a:p>
+            <a:pPr>
+              <a:spcBef>
+                <a:spcPts val="600"/>
+              </a:spcBef>
+              <a:spcAft>
+                <a:spcPts val="600"/>
+              </a:spcAft>
+              <a:buClr>
+                <a:srgbClr val="071F65"/>
+              </a:buClr>
+            </a:pPr>
+            <a:r>
+              <a:rPr lang="zh-CN" altLang="en-US" sz="2000" b="1" dirty="0" smtClean="0">
+                <a:latin typeface="华文楷体" panose="02010600040101010101" pitchFamily="2" charset="-122"/>
+                <a:ea typeface="华文楷体" panose="02010600040101010101" pitchFamily="2" charset="-122"/>
+                <a:cs typeface="Times New Roman" panose="02020603050405020304" pitchFamily="18" charset="0"/>
+              </a:rPr>
+              <a:t>（</a:t>
+            </a:r>
+            <a:r>
+              <a:rPr lang="en-US" altLang="zh-CN" sz="2000" b="1" dirty="0" smtClean="0">
+                <a:latin typeface="华文楷体" panose="02010600040101010101" pitchFamily="2" charset="-122"/>
+                <a:ea typeface="华文楷体" panose="02010600040101010101" pitchFamily="2" charset="-122"/>
+                <a:cs typeface="Times New Roman" panose="02020603050405020304" pitchFamily="18" charset="0"/>
+              </a:rPr>
+              <a:t>4</a:t>
+            </a:r>
+            <a:r>
+              <a:rPr lang="zh-CN" altLang="en-US" sz="2000" b="1" dirty="0" smtClean="0">
+                <a:latin typeface="华文楷体" panose="02010600040101010101" pitchFamily="2" charset="-122"/>
+                <a:ea typeface="华文楷体" panose="02010600040101010101" pitchFamily="2" charset="-122"/>
+                <a:cs typeface="Times New Roman" panose="02020603050405020304" pitchFamily="18" charset="0"/>
+              </a:rPr>
+              <a:t>）生产要素亩均投入与规模的</a:t>
+            </a:r>
+            <a:r>
+              <a:rPr lang="zh-CN" altLang="en-US" sz="2000" b="1" dirty="0" smtClean="0">
+                <a:latin typeface="华文楷体" panose="02010600040101010101" pitchFamily="2" charset="-122"/>
+                <a:ea typeface="华文楷体" panose="02010600040101010101" pitchFamily="2" charset="-122"/>
+                <a:cs typeface="Times New Roman" panose="02020603050405020304" pitchFamily="18" charset="0"/>
+              </a:rPr>
+              <a:t>回归分析</a:t>
+            </a:r>
+            <a:endParaRPr lang="en-US" altLang="zh-CN" sz="2000" b="1" dirty="0" smtClean="0">
+              <a:latin typeface="华文楷体" panose="02010600040101010101" pitchFamily="2" charset="-122"/>
+              <a:ea typeface="华文楷体" panose="02010600040101010101" pitchFamily="2" charset="-122"/>
+              <a:cs typeface="Times New Roman" panose="02020603050405020304" pitchFamily="18" charset="0"/>
+            </a:endParaRPr>
+          </a:p>
+        </p:txBody>
+      </p:sp>
     </p:spTree>
     <p:extLst>
       <p:ext uri="{BB962C8B-B14F-4D97-AF65-F5344CB8AC3E}">
@@ -22255,120 +22150,6 @@
           <a:chExt cx="0" cy="0"/>
         </a:xfrm>
       </p:grpSpPr>
-      <p:sp>
-        <p:nvSpPr>
-          <p:cNvPr id="96" name="矩形 95"/>
-          <p:cNvSpPr/>
-          <p:nvPr/>
-        </p:nvSpPr>
-        <p:spPr>
-          <a:xfrm>
-            <a:off x="92596" y="1048409"/>
-            <a:ext cx="9051403" cy="938719"/>
-          </a:xfrm>
-          <a:prstGeom prst="rect">
-            <a:avLst/>
-          </a:prstGeom>
-        </p:spPr>
-        <p:txBody>
-          <a:bodyPr wrap="square">
-            <a:spAutoFit/>
-          </a:bodyPr>
-          <a:lstStyle/>
-          <a:p>
-            <a:pPr>
-              <a:spcBef>
-                <a:spcPts val="1200"/>
-              </a:spcBef>
-              <a:spcAft>
-                <a:spcPts val="1200"/>
-              </a:spcAft>
-              <a:buClr>
-                <a:srgbClr val="071F65"/>
-              </a:buClr>
-            </a:pPr>
-            <a:r>
-              <a:rPr lang="zh-CN" altLang="en-US" sz="2000" b="1" dirty="0">
-                <a:latin typeface="微软雅黑" panose="020B0503020204020204" pitchFamily="34" charset="-122"/>
-                <a:ea typeface="微软雅黑" panose="020B0503020204020204" pitchFamily="34" charset="-122"/>
-                <a:cs typeface="Times New Roman" panose="02020603050405020304" pitchFamily="18" charset="0"/>
-              </a:rPr>
-              <a:t>（三）水稻</a:t>
-            </a:r>
-            <a:r>
-              <a:rPr lang="zh-CN" altLang="en-US" sz="2000" b="1" dirty="0" smtClean="0">
-                <a:latin typeface="微软雅黑" panose="020B0503020204020204" pitchFamily="34" charset="-122"/>
-                <a:ea typeface="微软雅黑" panose="020B0503020204020204" pitchFamily="34" charset="-122"/>
-                <a:cs typeface="Times New Roman" panose="02020603050405020304" pitchFamily="18" charset="0"/>
-              </a:rPr>
-              <a:t>、两熟区冬小麦、两熟区夏玉米和</a:t>
-            </a:r>
-            <a:r>
-              <a:rPr lang="zh-CN" altLang="en-US" sz="2000" b="1" dirty="0">
-                <a:latin typeface="微软雅黑" panose="020B0503020204020204" pitchFamily="34" charset="-122"/>
-                <a:ea typeface="微软雅黑" panose="020B0503020204020204" pitchFamily="34" charset="-122"/>
-                <a:cs typeface="Times New Roman" panose="02020603050405020304" pitchFamily="18" charset="0"/>
-              </a:rPr>
-              <a:t>单一玉米的实证分析</a:t>
-            </a:r>
-            <a:endParaRPr lang="en-US" altLang="zh-CN" sz="2000" b="1" dirty="0">
-              <a:latin typeface="微软雅黑" panose="020B0503020204020204" pitchFamily="34" charset="-122"/>
-              <a:ea typeface="微软雅黑" panose="020B0503020204020204" pitchFamily="34" charset="-122"/>
-              <a:cs typeface="Times New Roman" panose="02020603050405020304" pitchFamily="18" charset="0"/>
-            </a:endParaRPr>
-          </a:p>
-          <a:p>
-            <a:pPr>
-              <a:spcBef>
-                <a:spcPts val="600"/>
-              </a:spcBef>
-              <a:spcAft>
-                <a:spcPts val="600"/>
-              </a:spcAft>
-              <a:buClr>
-                <a:srgbClr val="071F65"/>
-              </a:buClr>
-            </a:pPr>
-            <a:r>
-              <a:rPr lang="zh-CN" altLang="en-US" sz="2000" b="1" dirty="0" smtClean="0">
-                <a:latin typeface="华文楷体" panose="02010600040101010101" pitchFamily="2" charset="-122"/>
-                <a:ea typeface="华文楷体" panose="02010600040101010101" pitchFamily="2" charset="-122"/>
-                <a:cs typeface="Times New Roman" panose="02020603050405020304" pitchFamily="18" charset="0"/>
-              </a:rPr>
-              <a:t>（</a:t>
-            </a:r>
-            <a:r>
-              <a:rPr lang="en-US" altLang="zh-CN" sz="2000" b="1" dirty="0" smtClean="0">
-                <a:latin typeface="华文楷体" panose="02010600040101010101" pitchFamily="2" charset="-122"/>
-                <a:ea typeface="华文楷体" panose="02010600040101010101" pitchFamily="2" charset="-122"/>
-                <a:cs typeface="Times New Roman" panose="02020603050405020304" pitchFamily="18" charset="0"/>
-              </a:rPr>
-              <a:t>4</a:t>
-            </a:r>
-            <a:r>
-              <a:rPr lang="zh-CN" altLang="en-US" sz="2000" b="1" dirty="0" smtClean="0">
-                <a:latin typeface="华文楷体" panose="02010600040101010101" pitchFamily="2" charset="-122"/>
-                <a:ea typeface="华文楷体" panose="02010600040101010101" pitchFamily="2" charset="-122"/>
-                <a:cs typeface="Times New Roman" panose="02020603050405020304" pitchFamily="18" charset="0"/>
-              </a:rPr>
-              <a:t>）</a:t>
-            </a:r>
-            <a:r>
-              <a:rPr lang="zh-CN" altLang="en-US" sz="2000" b="1" dirty="0" smtClean="0">
-                <a:latin typeface="华文楷体" panose="02010600040101010101" pitchFamily="2" charset="-122"/>
-                <a:ea typeface="华文楷体" panose="02010600040101010101" pitchFamily="2" charset="-122"/>
-                <a:cs typeface="Times New Roman" panose="02020603050405020304" pitchFamily="18" charset="0"/>
-              </a:rPr>
-              <a:t>规模与生产要素亩均投入的回归分析</a:t>
-            </a:r>
-            <a:endParaRPr lang="en-US" altLang="zh-CN" sz="2000" b="1" dirty="0" smtClean="0">
-              <a:latin typeface="华文楷体" panose="02010600040101010101" pitchFamily="2" charset="-122"/>
-              <a:ea typeface="华文楷体" panose="02010600040101010101" pitchFamily="2" charset="-122"/>
-              <a:cs typeface="Times New Roman" panose="02020603050405020304" pitchFamily="18" charset="0"/>
-            </a:endParaRPr>
-          </a:p>
-        </p:txBody>
-      </p:sp>
       <p:sp>
         <p:nvSpPr>
           <p:cNvPr id="14" name="文本框 13"/>
@@ -22545,7 +22326,7 @@
           <a:p>
             <a:r>
               <a:rPr lang="en-US" altLang="zh-CN" dirty="0" smtClean="0"/>
-              <a:t>16/21</a:t>
+              <a:t>13/22</a:t>
             </a:r>
             <a:endParaRPr lang="zh-CN" altLang="en-US" dirty="0"/>
           </a:p>
@@ -23000,6 +22781,120 @@
           </a:p>
         </p:txBody>
       </p:sp>
+      <p:sp>
+        <p:nvSpPr>
+          <p:cNvPr id="18" name="矩形 17"/>
+          <p:cNvSpPr/>
+          <p:nvPr/>
+        </p:nvSpPr>
+        <p:spPr>
+          <a:xfrm>
+            <a:off x="92596" y="1048409"/>
+            <a:ext cx="9051403" cy="938719"/>
+          </a:xfrm>
+          <a:prstGeom prst="rect">
+            <a:avLst/>
+          </a:prstGeom>
+        </p:spPr>
+        <p:txBody>
+          <a:bodyPr wrap="square">
+            <a:spAutoFit/>
+          </a:bodyPr>
+          <a:lstStyle/>
+          <a:p>
+            <a:pPr>
+              <a:spcBef>
+                <a:spcPts val="1200"/>
+              </a:spcBef>
+              <a:spcAft>
+                <a:spcPts val="1200"/>
+              </a:spcAft>
+              <a:buClr>
+                <a:srgbClr val="071F65"/>
+              </a:buClr>
+            </a:pPr>
+            <a:r>
+              <a:rPr lang="zh-CN" altLang="en-US" sz="2000" b="1" dirty="0">
+                <a:latin typeface="微软雅黑" panose="020B0503020204020204" pitchFamily="34" charset="-122"/>
+                <a:ea typeface="微软雅黑" panose="020B0503020204020204" pitchFamily="34" charset="-122"/>
+                <a:cs typeface="Times New Roman" panose="02020603050405020304" pitchFamily="18" charset="0"/>
+              </a:rPr>
+              <a:t>（三）水稻</a:t>
+            </a:r>
+            <a:r>
+              <a:rPr lang="zh-CN" altLang="en-US" sz="2000" b="1" dirty="0" smtClean="0">
+                <a:latin typeface="微软雅黑" panose="020B0503020204020204" pitchFamily="34" charset="-122"/>
+                <a:ea typeface="微软雅黑" panose="020B0503020204020204" pitchFamily="34" charset="-122"/>
+                <a:cs typeface="Times New Roman" panose="02020603050405020304" pitchFamily="18" charset="0"/>
+              </a:rPr>
+              <a:t>、两熟区冬小麦、两熟区夏玉米和</a:t>
+            </a:r>
+            <a:r>
+              <a:rPr lang="zh-CN" altLang="en-US" sz="2000" b="1" dirty="0">
+                <a:latin typeface="微软雅黑" panose="020B0503020204020204" pitchFamily="34" charset="-122"/>
+                <a:ea typeface="微软雅黑" panose="020B0503020204020204" pitchFamily="34" charset="-122"/>
+                <a:cs typeface="Times New Roman" panose="02020603050405020304" pitchFamily="18" charset="0"/>
+              </a:rPr>
+              <a:t>单一玉米的实证分析</a:t>
+            </a:r>
+            <a:endParaRPr lang="en-US" altLang="zh-CN" sz="2000" b="1" dirty="0">
+              <a:latin typeface="微软雅黑" panose="020B0503020204020204" pitchFamily="34" charset="-122"/>
+              <a:ea typeface="微软雅黑" panose="020B0503020204020204" pitchFamily="34" charset="-122"/>
+              <a:cs typeface="Times New Roman" panose="02020603050405020304" pitchFamily="18" charset="0"/>
+            </a:endParaRPr>
+          </a:p>
+          <a:p>
+            <a:pPr>
+              <a:spcBef>
+                <a:spcPts val="600"/>
+              </a:spcBef>
+              <a:spcAft>
+                <a:spcPts val="600"/>
+              </a:spcAft>
+              <a:buClr>
+                <a:srgbClr val="071F65"/>
+              </a:buClr>
+            </a:pPr>
+            <a:r>
+              <a:rPr lang="zh-CN" altLang="en-US" sz="2000" b="1" dirty="0" smtClean="0">
+                <a:latin typeface="华文楷体" panose="02010600040101010101" pitchFamily="2" charset="-122"/>
+                <a:ea typeface="华文楷体" panose="02010600040101010101" pitchFamily="2" charset="-122"/>
+                <a:cs typeface="Times New Roman" panose="02020603050405020304" pitchFamily="18" charset="0"/>
+              </a:rPr>
+              <a:t>（</a:t>
+            </a:r>
+            <a:r>
+              <a:rPr lang="en-US" altLang="zh-CN" sz="2000" b="1" dirty="0" smtClean="0">
+                <a:latin typeface="华文楷体" panose="02010600040101010101" pitchFamily="2" charset="-122"/>
+                <a:ea typeface="华文楷体" panose="02010600040101010101" pitchFamily="2" charset="-122"/>
+                <a:cs typeface="Times New Roman" panose="02020603050405020304" pitchFamily="18" charset="0"/>
+              </a:rPr>
+              <a:t>4</a:t>
+            </a:r>
+            <a:r>
+              <a:rPr lang="zh-CN" altLang="en-US" sz="2000" b="1" dirty="0" smtClean="0">
+                <a:latin typeface="华文楷体" panose="02010600040101010101" pitchFamily="2" charset="-122"/>
+                <a:ea typeface="华文楷体" panose="02010600040101010101" pitchFamily="2" charset="-122"/>
+                <a:cs typeface="Times New Roman" panose="02020603050405020304" pitchFamily="18" charset="0"/>
+              </a:rPr>
+              <a:t>）生产要素亩均投入与规模的</a:t>
+            </a:r>
+            <a:r>
+              <a:rPr lang="zh-CN" altLang="en-US" sz="2000" b="1" dirty="0" smtClean="0">
+                <a:latin typeface="华文楷体" panose="02010600040101010101" pitchFamily="2" charset="-122"/>
+                <a:ea typeface="华文楷体" panose="02010600040101010101" pitchFamily="2" charset="-122"/>
+                <a:cs typeface="Times New Roman" panose="02020603050405020304" pitchFamily="18" charset="0"/>
+              </a:rPr>
+              <a:t>回归分析</a:t>
+            </a:r>
+            <a:endParaRPr lang="en-US" altLang="zh-CN" sz="2000" b="1" dirty="0" smtClean="0">
+              <a:latin typeface="华文楷体" panose="02010600040101010101" pitchFamily="2" charset="-122"/>
+              <a:ea typeface="华文楷体" panose="02010600040101010101" pitchFamily="2" charset="-122"/>
+              <a:cs typeface="Times New Roman" panose="02020603050405020304" pitchFamily="18" charset="0"/>
+            </a:endParaRPr>
+          </a:p>
+        </p:txBody>
+      </p:sp>
     </p:spTree>
     <p:extLst>
       <p:ext uri="{BB962C8B-B14F-4D97-AF65-F5344CB8AC3E}">
@@ -23204,7 +23099,7 @@
           <p:nvPr>
             <p:extLst>
               <p:ext uri="{D42A27DB-BD31-4B8C-83A1-F6EECF244321}">
-                <p14:modId xmlns:p14="http://schemas.microsoft.com/office/powerpoint/2010/main" val="1711318145"/>
+                <p14:modId xmlns:p14="http://schemas.microsoft.com/office/powerpoint/2010/main" val="1880514799"/>
               </p:ext>
             </p:extLst>
           </p:nvPr>
@@ -23705,9 +23600,9 @@
                     <a:p>
                       <a:pPr algn="r" fontAlgn="ctr"/>
                       <a:r>
-                        <a:rPr lang="en-US" sz="1600" b="0" i="0" u="none" strike="noStrike">
+                        <a:rPr lang="en-US" sz="1600" b="0" i="0" u="none" strike="noStrike" dirty="0">
                           <a:solidFill>
-                            <a:srgbClr val="000000"/>
+                            <a:srgbClr val="FF0000"/>
                           </a:solidFill>
                           <a:effectLst/>
                           <a:latin typeface="Times New Roman" panose="02020603050405020304" pitchFamily="18" charset="0"/>
@@ -23716,9 +23611,118 @@
                         </a:rPr>
                         <a:t>-0.029***</a:t>
                       </a:r>
-                      <a:endParaRPr lang="zh-CN" sz="1600" b="0" i="0" u="none" strike="noStrike">
+                      <a:endParaRPr lang="zh-CN" sz="1600" b="0" i="0" u="none" strike="noStrike" dirty="0">
                         <a:solidFill>
-                          <a:srgbClr val="000000"/>
+                          <a:srgbClr val="FF0000"/>
+                        </a:solidFill>
+                        <a:effectLst/>
+                        <a:latin typeface="Times New Roman" panose="02020603050405020304" pitchFamily="18" charset="0"/>
+                        <a:ea typeface="华文楷体" panose="02010600040101010101" pitchFamily="2" charset="-122"/>
+                        <a:cs typeface="Times New Roman" panose="02020603050405020304" pitchFamily="18" charset="0"/>
+                      </a:endParaRPr>
+                    </a:p>
+                  </a:txBody>
+                  <a:tcPr marL="9525" marR="9525" marT="9525" marB="0" anchor="ctr">
+                    <a:lnL w="12700" cmpd="sng">
+                      <a:noFill/>
+                    </a:lnL>
+                    <a:lnR w="12700" cmpd="sng">
+                      <a:noFill/>
+                    </a:lnR>
+                    <a:lnT w="12700" cap="flat" cmpd="sng" algn="ctr">
+                      <a:solidFill>
+                        <a:schemeClr val="tx1"/>
+                      </a:solidFill>
+                      <a:prstDash val="solid"/>
+                      <a:round/>
+                      <a:headEnd type="none" w="med" len="med"/>
+                      <a:tailEnd type="none" w="med" len="med"/>
+                    </a:lnT>
+                    <a:lnB w="12700" cmpd="sng">
+                      <a:noFill/>
+                    </a:lnB>
+                    <a:lnTlToBr w="12700" cmpd="sng">
+                      <a:noFill/>
+                      <a:prstDash val="solid"/>
+                    </a:lnTlToBr>
+                    <a:lnBlToTr w="12700" cmpd="sng">
+                      <a:noFill/>
+                      <a:prstDash val="solid"/>
+                    </a:lnBlToTr>
+                    <a:noFill/>
+                  </a:tcPr>
+                </a:tc>
+                <a:tc>
+                  <a:txBody>
+                    <a:bodyPr/>
+                    <a:lstStyle/>
+                    <a:p>
+                      <a:pPr algn="l" fontAlgn="b"/>
+                      <a:r>
+                        <a:rPr lang="zh-CN" sz="1600" b="0" i="0" u="none" strike="noStrike" dirty="0">
+                          <a:solidFill>
+                            <a:srgbClr val="FF0000"/>
+                          </a:solidFill>
+                          <a:effectLst/>
+                          <a:latin typeface="Times New Roman" panose="02020603050405020304" pitchFamily="18" charset="0"/>
+                          <a:ea typeface="华文楷体" panose="02010600040101010101" pitchFamily="2" charset="-122"/>
+                          <a:cs typeface="Times New Roman" panose="02020603050405020304" pitchFamily="18" charset="0"/>
+                        </a:rPr>
+                        <a:t>(0.009)</a:t>
+                      </a:r>
+                    </a:p>
+                  </a:txBody>
+                  <a:tcPr marL="9525" marR="9525" marT="9525" marB="0" anchor="ctr">
+                    <a:lnL w="12700" cmpd="sng">
+                      <a:noFill/>
+                    </a:lnL>
+                    <a:lnR w="12700" cmpd="sng">
+                      <a:noFill/>
+                    </a:lnR>
+                    <a:lnT w="12700" cap="flat" cmpd="sng" algn="ctr">
+                      <a:solidFill>
+                        <a:schemeClr val="tx1"/>
+                      </a:solidFill>
+                      <a:prstDash val="solid"/>
+                      <a:round/>
+                      <a:headEnd type="none" w="med" len="med"/>
+                      <a:tailEnd type="none" w="med" len="med"/>
+                    </a:lnT>
+                    <a:lnB w="12700" cmpd="sng">
+                      <a:noFill/>
+                    </a:lnB>
+                    <a:lnTlToBr w="12700" cmpd="sng">
+                      <a:noFill/>
+                      <a:prstDash val="solid"/>
+                    </a:lnTlToBr>
+                    <a:lnBlToTr w="12700" cmpd="sng">
+                      <a:noFill/>
+                      <a:prstDash val="solid"/>
+                    </a:lnBlToTr>
+                    <a:noFill/>
+                  </a:tcPr>
+                </a:tc>
+                <a:tc>
+                  <a:txBody>
+                    <a:bodyPr/>
+                    <a:lstStyle/>
+                    <a:p>
+                      <a:pPr algn="r" fontAlgn="ctr"/>
+                      <a:r>
+                        <a:rPr lang="en-US" sz="1600" b="0" i="0" u="none" strike="noStrike" dirty="0">
+                          <a:solidFill>
+                            <a:srgbClr val="FF0000"/>
+                          </a:solidFill>
+                          <a:effectLst/>
+                          <a:latin typeface="Times New Roman" panose="02020603050405020304" pitchFamily="18" charset="0"/>
+                          <a:ea typeface="华文楷体" panose="02010600040101010101" pitchFamily="2" charset="-122"/>
+                          <a:cs typeface="Times New Roman" panose="02020603050405020304" pitchFamily="18" charset="0"/>
+                        </a:rPr>
+                        <a:t>-0.034***</a:t>
+                      </a:r>
+                      <a:endParaRPr lang="zh-CN" sz="1600" b="0" i="0" u="none" strike="noStrike" dirty="0">
+                        <a:solidFill>
+                          <a:srgbClr val="FF0000"/>
                         </a:solidFill>
                         <a:effectLst/>
                         <a:latin typeface="Times New Roman" panose="02020603050405020304" pitchFamily="18" charset="0"/>
@@ -23766,116 +23770,7 @@
                       <a:r>
                         <a:rPr lang="zh-CN" sz="1600" b="0" i="0" u="none" strike="noStrike">
                           <a:solidFill>
-                            <a:srgbClr val="000000"/>
-                          </a:solidFill>
-                          <a:effectLst/>
-                          <a:latin typeface="Times New Roman" panose="02020603050405020304" pitchFamily="18" charset="0"/>
-                          <a:ea typeface="华文楷体" panose="02010600040101010101" pitchFamily="2" charset="-122"/>
-                          <a:cs typeface="Times New Roman" panose="02020603050405020304" pitchFamily="18" charset="0"/>
-                        </a:rPr>
-                        <a:t>(0.009)</a:t>
-                      </a:r>
-                    </a:p>
-                  </a:txBody>
-                  <a:tcPr marL="9525" marR="9525" marT="9525" marB="0" anchor="ctr">
-                    <a:lnL w="12700" cmpd="sng">
-                      <a:noFill/>
-                    </a:lnL>
-                    <a:lnR w="12700" cmpd="sng">
-                      <a:noFill/>
-                    </a:lnR>
-                    <a:lnT w="12700" cap="flat" cmpd="sng" algn="ctr">
-                      <a:solidFill>
-                        <a:schemeClr val="tx1"/>
-                      </a:solidFill>
-                      <a:prstDash val="solid"/>
-                      <a:round/>
-                      <a:headEnd type="none" w="med" len="med"/>
-                      <a:tailEnd type="none" w="med" len="med"/>
-                    </a:lnT>
-                    <a:lnB w="12700" cmpd="sng">
-                      <a:noFill/>
-                    </a:lnB>
-                    <a:lnTlToBr w="12700" cmpd="sng">
-                      <a:noFill/>
-                      <a:prstDash val="solid"/>
-                    </a:lnTlToBr>
-                    <a:lnBlToTr w="12700" cmpd="sng">
-                      <a:noFill/>
-                      <a:prstDash val="solid"/>
-                    </a:lnBlToTr>
-                    <a:noFill/>
-                  </a:tcPr>
-                </a:tc>
-                <a:tc>
-                  <a:txBody>
-                    <a:bodyPr/>
-                    <a:lstStyle/>
-                    <a:p>
-                      <a:pPr algn="r" fontAlgn="ctr"/>
-                      <a:r>
-                        <a:rPr lang="en-US" sz="1600" b="0" i="0" u="none" strike="noStrike" dirty="0">
-                          <a:solidFill>
-                            <a:srgbClr val="000000"/>
-                          </a:solidFill>
-                          <a:effectLst/>
-                          <a:latin typeface="Times New Roman" panose="02020603050405020304" pitchFamily="18" charset="0"/>
-                          <a:ea typeface="华文楷体" panose="02010600040101010101" pitchFamily="2" charset="-122"/>
-                          <a:cs typeface="Times New Roman" panose="02020603050405020304" pitchFamily="18" charset="0"/>
-                        </a:rPr>
-                        <a:t>-0.034***</a:t>
-                      </a:r>
-                      <a:endParaRPr lang="zh-CN" sz="1600" b="0" i="0" u="none" strike="noStrike" dirty="0">
-                        <a:solidFill>
-                          <a:srgbClr val="000000"/>
-                        </a:solidFill>
-                        <a:effectLst/>
-                        <a:latin typeface="Times New Roman" panose="02020603050405020304" pitchFamily="18" charset="0"/>
-                        <a:ea typeface="华文楷体" panose="02010600040101010101" pitchFamily="2" charset="-122"/>
-                        <a:cs typeface="Times New Roman" panose="02020603050405020304" pitchFamily="18" charset="0"/>
-                      </a:endParaRPr>
-                    </a:p>
-                  </a:txBody>
-                  <a:tcPr marL="9525" marR="9525" marT="9525" marB="0" anchor="ctr">
-                    <a:lnL w="12700" cmpd="sng">
-                      <a:noFill/>
-                    </a:lnL>
-                    <a:lnR w="12700" cmpd="sng">
-                      <a:noFill/>
-                    </a:lnR>
-                    <a:lnT w="12700" cap="flat" cmpd="sng" algn="ctr">
-                      <a:solidFill>
-                        <a:schemeClr val="tx1"/>
-                      </a:solidFill>
-                      <a:prstDash val="solid"/>
-                      <a:round/>
-                      <a:headEnd type="none" w="med" len="med"/>
-                      <a:tailEnd type="none" w="med" len="med"/>
-                    </a:lnT>
-                    <a:lnB w="12700" cmpd="sng">
-                      <a:noFill/>
-                    </a:lnB>
-                    <a:lnTlToBr w="12700" cmpd="sng">
-                      <a:noFill/>
-                      <a:prstDash val="solid"/>
-                    </a:lnTlToBr>
-                    <a:lnBlToTr w="12700" cmpd="sng">
-                      <a:noFill/>
-                      <a:prstDash val="solid"/>
-                    </a:lnBlToTr>
-                    <a:noFill/>
-                  </a:tcPr>
-                </a:tc>
-                <a:tc>
-                  <a:txBody>
-                    <a:bodyPr/>
-                    <a:lstStyle/>
-                    <a:p>
-                      <a:pPr algn="l" fontAlgn="b"/>
-                      <a:r>
-                        <a:rPr lang="zh-CN" sz="1600" b="0" i="0" u="none" strike="noStrike">
-                          <a:solidFill>
-                            <a:srgbClr val="000000"/>
+                            <a:srgbClr val="FF0000"/>
                           </a:solidFill>
                           <a:effectLst/>
                           <a:latin typeface="Times New Roman" panose="02020603050405020304" pitchFamily="18" charset="0"/>
@@ -23925,7 +23820,7 @@
                       <a:r>
                         <a:rPr lang="en-US" sz="1600" b="0" i="0" u="none" strike="noStrike">
                           <a:solidFill>
-                            <a:srgbClr val="000000"/>
+                            <a:srgbClr val="FF0000"/>
                           </a:solidFill>
                           <a:effectLst/>
                           <a:latin typeface="Times New Roman" panose="02020603050405020304" pitchFamily="18" charset="0"/>
@@ -23936,7 +23831,7 @@
                       </a:r>
                       <a:endParaRPr lang="zh-CN" sz="1600" b="0" i="0" u="none" strike="noStrike">
                         <a:solidFill>
-                          <a:srgbClr val="000000"/>
+                          <a:srgbClr val="FF0000"/>
                         </a:solidFill>
                         <a:effectLst/>
                         <a:latin typeface="Times New Roman" panose="02020603050405020304" pitchFamily="18" charset="0"/>
@@ -23982,9 +23877,9 @@
                     <a:p>
                       <a:pPr algn="l" fontAlgn="b"/>
                       <a:r>
-                        <a:rPr lang="zh-CN" sz="1600" b="0" i="0" u="none" strike="noStrike">
+                        <a:rPr lang="zh-CN" sz="1600" b="0" i="0" u="none" strike="noStrike" dirty="0">
                           <a:solidFill>
-                            <a:srgbClr val="000000"/>
+                            <a:srgbClr val="FF0000"/>
                           </a:solidFill>
                           <a:effectLst/>
                           <a:latin typeface="Times New Roman" panose="02020603050405020304" pitchFamily="18" charset="0"/>
@@ -24298,7 +24193,7 @@
                     <a:p>
                       <a:pPr algn="r" fontAlgn="ctr"/>
                       <a:r>
-                        <a:rPr lang="en-US" sz="1600" b="0" i="0" u="none" strike="noStrike">
+                        <a:rPr lang="en-US" sz="1600" b="0" i="0" u="none" strike="noStrike" dirty="0">
                           <a:solidFill>
                             <a:srgbClr val="000000"/>
                           </a:solidFill>
@@ -24309,7 +24204,7 @@
                         </a:rPr>
                         <a:t>-0.001</a:t>
                       </a:r>
-                      <a:endParaRPr lang="zh-CN" sz="1600" b="0" i="0" u="none" strike="noStrike">
+                      <a:endParaRPr lang="zh-CN" sz="1600" b="0" i="0" u="none" strike="noStrike" dirty="0">
                         <a:solidFill>
                           <a:srgbClr val="000000"/>
                         </a:solidFill>
@@ -24395,7 +24290,7 @@
                     <a:p>
                       <a:pPr algn="r" fontAlgn="ctr"/>
                       <a:r>
-                        <a:rPr lang="en-US" sz="1600" b="0" i="0" u="none" strike="noStrike">
+                        <a:rPr lang="en-US" sz="1600" b="0" i="0" u="none" strike="noStrike" dirty="0">
                           <a:solidFill>
                             <a:srgbClr val="000000"/>
                           </a:solidFill>
@@ -24406,7 +24301,7 @@
                         </a:rPr>
                         <a:t>0.001</a:t>
                       </a:r>
-                      <a:endParaRPr lang="zh-CN" sz="1600" b="0" i="0" u="none" strike="noStrike">
+                      <a:endParaRPr lang="zh-CN" sz="1600" b="0" i="0" u="none" strike="noStrike" dirty="0">
                         <a:solidFill>
                           <a:srgbClr val="000000"/>
                         </a:solidFill>
@@ -24448,7 +24343,7 @@
                     <a:p>
                       <a:pPr algn="l" fontAlgn="b"/>
                       <a:r>
-                        <a:rPr lang="zh-CN" sz="1600" b="0" i="0" u="none" strike="noStrike">
+                        <a:rPr lang="zh-CN" sz="1600" b="0" i="0" u="none" strike="noStrike" dirty="0">
                           <a:solidFill>
                             <a:srgbClr val="000000"/>
                           </a:solidFill>
@@ -27755,7 +27650,7 @@
           <a:p>
             <a:r>
               <a:rPr lang="en-US" altLang="zh-CN" dirty="0" smtClean="0"/>
-              <a:t>11/21</a:t>
+              <a:t>14/22</a:t>
             </a:r>
             <a:endParaRPr lang="zh-CN" altLang="en-US" dirty="0"/>
           </a:p>
@@ -28570,7 +28465,7 @@
           <a:p>
             <a:r>
               <a:rPr lang="en-US" altLang="zh-CN" dirty="0" smtClean="0"/>
-              <a:t>12/21</a:t>
+              <a:t>15/22</a:t>
             </a:r>
             <a:endParaRPr lang="zh-CN" altLang="en-US" dirty="0"/>
           </a:p>
@@ -28712,12 +28607,36 @@
               <a:t>6</a:t>
             </a:r>
             <a:r>
+              <a:rPr lang="zh-CN" altLang="en-US" sz="2000" b="1" dirty="0">
+                <a:latin typeface="华文楷体" panose="02010600040101010101" pitchFamily="2" charset="-122"/>
+                <a:ea typeface="华文楷体" panose="02010600040101010101" pitchFamily="2" charset="-122"/>
+                <a:cs typeface="Times New Roman" panose="02020603050405020304" pitchFamily="18" charset="0"/>
+              </a:rPr>
+              <a:t>）不同</a:t>
+            </a:r>
+            <a:r>
               <a:rPr lang="zh-CN" altLang="en-US" sz="2000" b="1" dirty="0" smtClean="0">
                 <a:latin typeface="华文楷体" panose="02010600040101010101" pitchFamily="2" charset="-122"/>
                 <a:ea typeface="华文楷体" panose="02010600040101010101" pitchFamily="2" charset="-122"/>
                 <a:cs typeface="Times New Roman" panose="02020603050405020304" pitchFamily="18" charset="0"/>
               </a:rPr>
-              <a:t>）生产要素不同规模产出弹性计算</a:t>
+              <a:t>规模亩均要素</a:t>
+            </a:r>
+            <a:r>
+              <a:rPr lang="zh-CN" altLang="en-US" sz="2000" b="1" dirty="0">
+                <a:latin typeface="华文楷体" panose="02010600040101010101" pitchFamily="2" charset="-122"/>
+                <a:ea typeface="华文楷体" panose="02010600040101010101" pitchFamily="2" charset="-122"/>
+                <a:cs typeface="Times New Roman" panose="02020603050405020304" pitchFamily="18" charset="0"/>
+              </a:rPr>
+              <a:t>产出</a:t>
+            </a:r>
+            <a:r>
+              <a:rPr lang="zh-CN" altLang="en-US" sz="2000" b="1" dirty="0" smtClean="0">
+                <a:latin typeface="华文楷体" panose="02010600040101010101" pitchFamily="2" charset="-122"/>
+                <a:ea typeface="华文楷体" panose="02010600040101010101" pitchFamily="2" charset="-122"/>
+                <a:cs typeface="Times New Roman" panose="02020603050405020304" pitchFamily="18" charset="0"/>
+              </a:rPr>
+              <a:t>弹性计算</a:t>
             </a:r>
             <a:endParaRPr lang="en-US" altLang="zh-CN" sz="2000" b="1" dirty="0" smtClean="0">
               <a:latin typeface="华文楷体" panose="02010600040101010101" pitchFamily="2" charset="-122"/>
@@ -32870,7 +32789,7 @@
           <a:p>
             <a:r>
               <a:rPr lang="en-US" altLang="zh-CN" dirty="0" smtClean="0"/>
-              <a:t>13/21</a:t>
+              <a:t>16/22</a:t>
             </a:r>
             <a:endParaRPr lang="zh-CN" altLang="en-US" dirty="0"/>
           </a:p>
@@ -33372,6 +33291,873 @@
       </p:grpSpPr>
       <p:sp>
         <p:nvSpPr>
+          <p:cNvPr id="8" name="矩形 7"/>
+          <p:cNvSpPr/>
+          <p:nvPr/>
+        </p:nvSpPr>
+        <p:spPr>
+          <a:xfrm>
+            <a:off x="92596" y="1048409"/>
+            <a:ext cx="9051403" cy="5247590"/>
+          </a:xfrm>
+          <a:prstGeom prst="rect">
+            <a:avLst/>
+          </a:prstGeom>
+        </p:spPr>
+        <p:txBody>
+          <a:bodyPr wrap="square">
+            <a:spAutoFit/>
+          </a:bodyPr>
+          <a:lstStyle/>
+          <a:p>
+            <a:pPr algn="just">
+              <a:spcBef>
+                <a:spcPts val="1200"/>
+              </a:spcBef>
+              <a:spcAft>
+                <a:spcPts val="1200"/>
+              </a:spcAft>
+              <a:buClr>
+                <a:srgbClr val="071F65"/>
+              </a:buClr>
+            </a:pPr>
+            <a:r>
+              <a:rPr lang="zh-CN" altLang="en-US" sz="2000" b="1" dirty="0" smtClean="0">
+                <a:latin typeface="微软雅黑" panose="020B0503020204020204" pitchFamily="34" charset="-122"/>
+                <a:ea typeface="微软雅黑" panose="020B0503020204020204" pitchFamily="34" charset="-122"/>
+                <a:cs typeface="Times New Roman" panose="02020603050405020304" pitchFamily="18" charset="0"/>
+              </a:rPr>
+              <a:t>（四）</a:t>
+            </a:r>
+            <a:r>
+              <a:rPr lang="zh-CN" altLang="en-US" sz="2000" b="1" dirty="0" smtClean="0">
+                <a:latin typeface="微软雅黑" panose="020B0503020204020204" pitchFamily="34" charset="-122"/>
+                <a:ea typeface="微软雅黑" panose="020B0503020204020204" pitchFamily="34" charset="-122"/>
+                <a:cs typeface="Times New Roman" panose="02020603050405020304" pitchFamily="18" charset="0"/>
+              </a:rPr>
+              <a:t>对粮食生产率与规模关系的探讨</a:t>
+            </a:r>
+            <a:endParaRPr lang="en-US" altLang="zh-CN" sz="2000" b="1" dirty="0" smtClean="0">
+              <a:latin typeface="微软雅黑" panose="020B0503020204020204" pitchFamily="34" charset="-122"/>
+              <a:ea typeface="微软雅黑" panose="020B0503020204020204" pitchFamily="34" charset="-122"/>
+              <a:cs typeface="Times New Roman" panose="02020603050405020304" pitchFamily="18" charset="0"/>
+            </a:endParaRPr>
+          </a:p>
+          <a:p>
+            <a:pPr algn="just">
+              <a:spcBef>
+                <a:spcPts val="600"/>
+              </a:spcBef>
+              <a:spcAft>
+                <a:spcPts val="600"/>
+              </a:spcAft>
+              <a:buClr>
+                <a:srgbClr val="071F65"/>
+              </a:buClr>
+            </a:pPr>
+            <a:r>
+              <a:rPr lang="zh-CN" altLang="en-US" sz="2000" dirty="0" smtClean="0">
+                <a:latin typeface="华文楷体" panose="02010600040101010101" pitchFamily="2" charset="-122"/>
+                <a:ea typeface="华文楷体" panose="02010600040101010101" pitchFamily="2" charset="-122"/>
+                <a:cs typeface="Times New Roman" panose="02020603050405020304" pitchFamily="18" charset="0"/>
+              </a:rPr>
+              <a:t>（</a:t>
+            </a:r>
+            <a:r>
+              <a:rPr lang="en-US" altLang="zh-CN" sz="2000" dirty="0" smtClean="0">
+                <a:latin typeface="华文楷体" panose="02010600040101010101" pitchFamily="2" charset="-122"/>
+                <a:ea typeface="华文楷体" panose="02010600040101010101" pitchFamily="2" charset="-122"/>
+                <a:cs typeface="Times New Roman" panose="02020603050405020304" pitchFamily="18" charset="0"/>
+              </a:rPr>
+              <a:t>1</a:t>
+            </a:r>
+            <a:r>
+              <a:rPr lang="zh-CN" altLang="en-US" sz="2000" dirty="0" smtClean="0">
+                <a:latin typeface="华文楷体" panose="02010600040101010101" pitchFamily="2" charset="-122"/>
+                <a:ea typeface="华文楷体" panose="02010600040101010101" pitchFamily="2" charset="-122"/>
+                <a:cs typeface="Times New Roman" panose="02020603050405020304" pitchFamily="18" charset="0"/>
+              </a:rPr>
+              <a:t>）</a:t>
+            </a:r>
+            <a:r>
+              <a:rPr lang="zh-CN" altLang="en-US" sz="2000" b="1" dirty="0" smtClean="0">
+                <a:latin typeface="华文楷体" panose="02010600040101010101" pitchFamily="2" charset="-122"/>
+                <a:ea typeface="华文楷体" panose="02010600040101010101" pitchFamily="2" charset="-122"/>
+                <a:cs typeface="Times New Roman" panose="02020603050405020304" pitchFamily="18" charset="0"/>
+              </a:rPr>
+              <a:t>小麦</a:t>
+            </a:r>
+            <a:r>
+              <a:rPr lang="zh-CN" altLang="en-US" sz="2000" b="1" dirty="0">
+                <a:latin typeface="华文楷体" panose="02010600040101010101" pitchFamily="2" charset="-122"/>
+                <a:ea typeface="华文楷体" panose="02010600040101010101" pitchFamily="2" charset="-122"/>
+                <a:cs typeface="Times New Roman" panose="02020603050405020304" pitchFamily="18" charset="0"/>
+              </a:rPr>
+              <a:t>、水稻和玉米的产品特性差异大。</a:t>
+            </a:r>
+            <a:r>
+              <a:rPr lang="zh-CN" altLang="en-US" sz="2000" dirty="0">
+                <a:latin typeface="华文楷体" panose="02010600040101010101" pitchFamily="2" charset="-122"/>
+                <a:ea typeface="华文楷体" panose="02010600040101010101" pitchFamily="2" charset="-122"/>
+                <a:cs typeface="Times New Roman" panose="02020603050405020304" pitchFamily="18" charset="0"/>
+              </a:rPr>
+              <a:t>玉米原产于南美洲，人类栽培的历史大约有七千多年，传入我国却不到</a:t>
+            </a:r>
+            <a:r>
+              <a:rPr lang="en-US" altLang="zh-CN" sz="2000" dirty="0">
+                <a:latin typeface="华文楷体" panose="02010600040101010101" pitchFamily="2" charset="-122"/>
+                <a:ea typeface="华文楷体" panose="02010600040101010101" pitchFamily="2" charset="-122"/>
+                <a:cs typeface="Times New Roman" panose="02020603050405020304" pitchFamily="18" charset="0"/>
+              </a:rPr>
+              <a:t>500</a:t>
+            </a:r>
+            <a:r>
+              <a:rPr lang="zh-CN" altLang="en-US" sz="2000" dirty="0" smtClean="0">
+                <a:latin typeface="华文楷体" panose="02010600040101010101" pitchFamily="2" charset="-122"/>
+                <a:ea typeface="华文楷体" panose="02010600040101010101" pitchFamily="2" charset="-122"/>
+                <a:cs typeface="Times New Roman" panose="02020603050405020304" pitchFamily="18" charset="0"/>
+              </a:rPr>
+              <a:t>年，是</a:t>
+            </a:r>
+            <a:r>
+              <a:rPr lang="zh-CN" altLang="en-US" sz="2000" dirty="0">
+                <a:latin typeface="华文楷体" panose="02010600040101010101" pitchFamily="2" charset="-122"/>
+                <a:ea typeface="华文楷体" panose="02010600040101010101" pitchFamily="2" charset="-122"/>
+                <a:cs typeface="Times New Roman" panose="02020603050405020304" pitchFamily="18" charset="0"/>
+              </a:rPr>
+              <a:t>利用杂种优势时间最早，面积较大的农作物。它适应性强，对土壤要求不十分</a:t>
+            </a:r>
+            <a:r>
+              <a:rPr lang="zh-CN" altLang="en-US" sz="2000" dirty="0" smtClean="0">
+                <a:latin typeface="华文楷体" panose="02010600040101010101" pitchFamily="2" charset="-122"/>
+                <a:ea typeface="华文楷体" panose="02010600040101010101" pitchFamily="2" charset="-122"/>
+                <a:cs typeface="Times New Roman" panose="02020603050405020304" pitchFamily="18" charset="0"/>
+              </a:rPr>
+              <a:t>严格，</a:t>
+            </a:r>
+            <a:r>
+              <a:rPr lang="zh-CN" altLang="en-US" sz="2000" dirty="0">
+                <a:latin typeface="华文楷体" panose="02010600040101010101" pitchFamily="2" charset="-122"/>
+                <a:ea typeface="华文楷体" panose="02010600040101010101" pitchFamily="2" charset="-122"/>
+                <a:cs typeface="Times New Roman" panose="02020603050405020304" pitchFamily="18" charset="0"/>
+              </a:rPr>
+              <a:t>是一种较适合大规模种植的农作物；小麦和水稻则是精耕细作的产物，在中国的发展历史远超</a:t>
+            </a:r>
+            <a:r>
+              <a:rPr lang="en-US" altLang="zh-CN" sz="2000" dirty="0">
+                <a:latin typeface="华文楷体" panose="02010600040101010101" pitchFamily="2" charset="-122"/>
+                <a:ea typeface="华文楷体" panose="02010600040101010101" pitchFamily="2" charset="-122"/>
+                <a:cs typeface="Times New Roman" panose="02020603050405020304" pitchFamily="18" charset="0"/>
+              </a:rPr>
+              <a:t>4000</a:t>
+            </a:r>
+            <a:r>
+              <a:rPr lang="zh-CN" altLang="en-US" sz="2000" dirty="0" smtClean="0">
+                <a:latin typeface="华文楷体" panose="02010600040101010101" pitchFamily="2" charset="-122"/>
+                <a:ea typeface="华文楷体" panose="02010600040101010101" pitchFamily="2" charset="-122"/>
+                <a:cs typeface="Times New Roman" panose="02020603050405020304" pitchFamily="18" charset="0"/>
+              </a:rPr>
+              <a:t>年，对土壤要求严格。</a:t>
+            </a:r>
+            <a:endParaRPr lang="en-US" altLang="zh-CN" sz="2000" dirty="0" smtClean="0">
+              <a:latin typeface="华文楷体" panose="02010600040101010101" pitchFamily="2" charset="-122"/>
+              <a:ea typeface="华文楷体" panose="02010600040101010101" pitchFamily="2" charset="-122"/>
+              <a:cs typeface="Times New Roman" panose="02020603050405020304" pitchFamily="18" charset="0"/>
+            </a:endParaRPr>
+          </a:p>
+          <a:p>
+            <a:pPr algn="just">
+              <a:spcBef>
+                <a:spcPts val="600"/>
+              </a:spcBef>
+              <a:spcAft>
+                <a:spcPts val="600"/>
+              </a:spcAft>
+              <a:buClr>
+                <a:srgbClr val="071F65"/>
+              </a:buClr>
+            </a:pPr>
+            <a:r>
+              <a:rPr lang="zh-CN" altLang="en-US" sz="2000" dirty="0" smtClean="0">
+                <a:latin typeface="华文楷体" panose="02010600040101010101" pitchFamily="2" charset="-122"/>
+                <a:ea typeface="华文楷体" panose="02010600040101010101" pitchFamily="2" charset="-122"/>
+                <a:cs typeface="Times New Roman" panose="02020603050405020304" pitchFamily="18" charset="0"/>
+              </a:rPr>
+              <a:t>（</a:t>
+            </a:r>
+            <a:r>
+              <a:rPr lang="en-US" altLang="zh-CN" sz="2000" dirty="0" smtClean="0">
+                <a:latin typeface="华文楷体" panose="02010600040101010101" pitchFamily="2" charset="-122"/>
+                <a:ea typeface="华文楷体" panose="02010600040101010101" pitchFamily="2" charset="-122"/>
+                <a:cs typeface="Times New Roman" panose="02020603050405020304" pitchFamily="18" charset="0"/>
+              </a:rPr>
+              <a:t>2</a:t>
+            </a:r>
+            <a:r>
+              <a:rPr lang="zh-CN" altLang="en-US" sz="2000" dirty="0" smtClean="0">
+                <a:latin typeface="华文楷体" panose="02010600040101010101" pitchFamily="2" charset="-122"/>
+                <a:ea typeface="华文楷体" panose="02010600040101010101" pitchFamily="2" charset="-122"/>
+                <a:cs typeface="Times New Roman" panose="02020603050405020304" pitchFamily="18" charset="0"/>
+              </a:rPr>
+              <a:t>）</a:t>
+            </a:r>
+            <a:r>
+              <a:rPr lang="zh-CN" altLang="en-US" sz="2000" b="1" dirty="0" smtClean="0">
+                <a:latin typeface="华文楷体" panose="02010600040101010101" pitchFamily="2" charset="-122"/>
+                <a:ea typeface="华文楷体" panose="02010600040101010101" pitchFamily="2" charset="-122"/>
+                <a:cs typeface="Times New Roman" panose="02020603050405020304" pitchFamily="18" charset="0"/>
+              </a:rPr>
+              <a:t>三</a:t>
+            </a:r>
+            <a:r>
+              <a:rPr lang="zh-CN" altLang="en-US" sz="2000" b="1" dirty="0">
+                <a:latin typeface="华文楷体" panose="02010600040101010101" pitchFamily="2" charset="-122"/>
+                <a:ea typeface="华文楷体" panose="02010600040101010101" pitchFamily="2" charset="-122"/>
+                <a:cs typeface="Times New Roman" panose="02020603050405020304" pitchFamily="18" charset="0"/>
+              </a:rPr>
+              <a:t>种粮食作物机械的可分性不同。</a:t>
+            </a:r>
+            <a:r>
+              <a:rPr lang="zh-CN" altLang="en-US" sz="2000" dirty="0">
+                <a:latin typeface="华文楷体" panose="02010600040101010101" pitchFamily="2" charset="-122"/>
+                <a:ea typeface="华文楷体" panose="02010600040101010101" pitchFamily="2" charset="-122"/>
+                <a:cs typeface="Times New Roman" panose="02020603050405020304" pitchFamily="18" charset="0"/>
+              </a:rPr>
+              <a:t>我国农业机械化水平经历了高速增长的阶段，当前农业机械总体水平较高，但仍然存在区域、农作物种类以及农业生产阶段机械化发展不平衡的</a:t>
+            </a:r>
+            <a:r>
+              <a:rPr lang="zh-CN" altLang="en-US" sz="2000" dirty="0" smtClean="0">
+                <a:latin typeface="华文楷体" panose="02010600040101010101" pitchFamily="2" charset="-122"/>
+                <a:ea typeface="华文楷体" panose="02010600040101010101" pitchFamily="2" charset="-122"/>
+                <a:cs typeface="Times New Roman" panose="02020603050405020304" pitchFamily="18" charset="0"/>
+              </a:rPr>
+              <a:t>情况。</a:t>
+            </a:r>
+            <a:r>
+              <a:rPr lang="zh-CN" altLang="en-US" sz="2000" dirty="0">
+                <a:latin typeface="华文楷体" panose="02010600040101010101" pitchFamily="2" charset="-122"/>
+                <a:ea typeface="华文楷体" panose="02010600040101010101" pitchFamily="2" charset="-122"/>
+                <a:cs typeface="Times New Roman" panose="02020603050405020304" pitchFamily="18" charset="0"/>
+              </a:rPr>
+              <a:t>在粮食作物上体现为小麦和水稻生产收获环节的机械化水平高于</a:t>
+            </a:r>
+            <a:r>
+              <a:rPr lang="zh-CN" altLang="en-US" sz="2000" dirty="0" smtClean="0">
+                <a:latin typeface="华文楷体" panose="02010600040101010101" pitchFamily="2" charset="-122"/>
+                <a:ea typeface="华文楷体" panose="02010600040101010101" pitchFamily="2" charset="-122"/>
+                <a:cs typeface="Times New Roman" panose="02020603050405020304" pitchFamily="18" charset="0"/>
+              </a:rPr>
+              <a:t>玉米，</a:t>
+            </a:r>
+            <a:r>
+              <a:rPr lang="zh-CN" altLang="en-US" sz="2000" dirty="0">
+                <a:latin typeface="华文楷体" panose="02010600040101010101" pitchFamily="2" charset="-122"/>
+                <a:ea typeface="华文楷体" panose="02010600040101010101" pitchFamily="2" charset="-122"/>
+                <a:cs typeface="Times New Roman" panose="02020603050405020304" pitchFamily="18" charset="0"/>
+              </a:rPr>
+              <a:t>小麦和水稻种植户农业机械的“可分性”高于玉米种植</a:t>
+            </a:r>
+            <a:r>
+              <a:rPr lang="zh-CN" altLang="en-US" sz="2000" dirty="0" smtClean="0">
+                <a:latin typeface="华文楷体" panose="02010600040101010101" pitchFamily="2" charset="-122"/>
+                <a:ea typeface="华文楷体" panose="02010600040101010101" pitchFamily="2" charset="-122"/>
+                <a:cs typeface="Times New Roman" panose="02020603050405020304" pitchFamily="18" charset="0"/>
+              </a:rPr>
+              <a:t>户。</a:t>
+            </a:r>
+            <a:endParaRPr lang="en-US" altLang="zh-CN" sz="2000" dirty="0" smtClean="0">
+              <a:latin typeface="华文楷体" panose="02010600040101010101" pitchFamily="2" charset="-122"/>
+              <a:ea typeface="华文楷体" panose="02010600040101010101" pitchFamily="2" charset="-122"/>
+              <a:cs typeface="Times New Roman" panose="02020603050405020304" pitchFamily="18" charset="0"/>
+            </a:endParaRPr>
+          </a:p>
+          <a:p>
+            <a:pPr algn="just">
+              <a:spcBef>
+                <a:spcPts val="600"/>
+              </a:spcBef>
+              <a:spcAft>
+                <a:spcPts val="600"/>
+              </a:spcAft>
+              <a:buClr>
+                <a:srgbClr val="071F65"/>
+              </a:buClr>
+            </a:pPr>
+            <a:r>
+              <a:rPr lang="zh-CN" altLang="en-US" sz="2000" dirty="0" smtClean="0">
+                <a:latin typeface="华文楷体" panose="02010600040101010101" pitchFamily="2" charset="-122"/>
+                <a:ea typeface="华文楷体" panose="02010600040101010101" pitchFamily="2" charset="-122"/>
+                <a:cs typeface="Times New Roman" panose="02020603050405020304" pitchFamily="18" charset="0"/>
+              </a:rPr>
+              <a:t>（</a:t>
+            </a:r>
+            <a:r>
+              <a:rPr lang="en-US" altLang="zh-CN" sz="2000" dirty="0" smtClean="0">
+                <a:latin typeface="华文楷体" panose="02010600040101010101" pitchFamily="2" charset="-122"/>
+                <a:ea typeface="华文楷体" panose="02010600040101010101" pitchFamily="2" charset="-122"/>
+                <a:cs typeface="Times New Roman" panose="02020603050405020304" pitchFamily="18" charset="0"/>
+              </a:rPr>
+              <a:t>3</a:t>
+            </a:r>
+            <a:r>
+              <a:rPr lang="zh-CN" altLang="en-US" sz="2000" dirty="0" smtClean="0">
+                <a:latin typeface="华文楷体" panose="02010600040101010101" pitchFamily="2" charset="-122"/>
+                <a:ea typeface="华文楷体" panose="02010600040101010101" pitchFamily="2" charset="-122"/>
+                <a:cs typeface="Times New Roman" panose="02020603050405020304" pitchFamily="18" charset="0"/>
+              </a:rPr>
+              <a:t>）推测</a:t>
+            </a:r>
+            <a:r>
+              <a:rPr lang="zh-CN" altLang="en-US" sz="2000" dirty="0">
+                <a:latin typeface="华文楷体" panose="02010600040101010101" pitchFamily="2" charset="-122"/>
+                <a:ea typeface="华文楷体" panose="02010600040101010101" pitchFamily="2" charset="-122"/>
+                <a:cs typeface="Times New Roman" panose="02020603050405020304" pitchFamily="18" charset="0"/>
+              </a:rPr>
+              <a:t>未来</a:t>
+            </a:r>
+            <a:r>
+              <a:rPr lang="zh-CN" altLang="en-US" sz="2000" dirty="0" smtClean="0">
+                <a:latin typeface="华文楷体" panose="02010600040101010101" pitchFamily="2" charset="-122"/>
+                <a:ea typeface="华文楷体" panose="02010600040101010101" pitchFamily="2" charset="-122"/>
+                <a:cs typeface="Times New Roman" panose="02020603050405020304" pitchFamily="18" charset="0"/>
+              </a:rPr>
+              <a:t>我国玉米单产随着规模的扩大，变化起伏较小。小麦</a:t>
+            </a:r>
+            <a:r>
+              <a:rPr lang="zh-CN" altLang="en-US" sz="2000" dirty="0">
+                <a:latin typeface="华文楷体" panose="02010600040101010101" pitchFamily="2" charset="-122"/>
+                <a:ea typeface="华文楷体" panose="02010600040101010101" pitchFamily="2" charset="-122"/>
+                <a:cs typeface="Times New Roman" panose="02020603050405020304" pitchFamily="18" charset="0"/>
+              </a:rPr>
+              <a:t>和水稻单产随着规模的扩大略微下降，但下降幅度小。但机械化的推进有利于提高粮食总产量，所以未来要不遗余力的坚持农机补贴政策，提高机械化水平，推进农业机械的技术变革。</a:t>
+            </a:r>
+            <a:endParaRPr lang="en-US" altLang="zh-CN" sz="2000" b="1" dirty="0" smtClean="0">
+              <a:latin typeface="微软雅黑" panose="020B0503020204020204" pitchFamily="34" charset="-122"/>
+              <a:ea typeface="微软雅黑" panose="020B0503020204020204" pitchFamily="34" charset="-122"/>
+              <a:cs typeface="Times New Roman" panose="02020603050405020304" pitchFamily="18" charset="0"/>
+            </a:endParaRPr>
+          </a:p>
+        </p:txBody>
+      </p:sp>
+      <p:sp>
+        <p:nvSpPr>
+          <p:cNvPr id="2" name="灯片编号占位符 1"/>
+          <p:cNvSpPr>
+            <a:spLocks noGrp="1"/>
+          </p:cNvSpPr>
+          <p:nvPr>
+            <p:ph type="sldNum" sz="quarter" idx="4"/>
+          </p:nvPr>
+        </p:nvSpPr>
+        <p:spPr/>
+        <p:txBody>
+          <a:bodyPr/>
+          <a:lstStyle/>
+          <a:p>
+            <a:r>
+              <a:rPr lang="en-US" altLang="zh-CN" dirty="0" smtClean="0"/>
+              <a:t>17/22</a:t>
+            </a:r>
+            <a:endParaRPr lang="zh-CN" altLang="en-US" dirty="0"/>
+          </a:p>
+        </p:txBody>
+      </p:sp>
+      <p:sp>
+        <p:nvSpPr>
+          <p:cNvPr id="7" name="矩形 6"/>
+          <p:cNvSpPr/>
+          <p:nvPr/>
+        </p:nvSpPr>
+        <p:spPr>
+          <a:xfrm>
+            <a:off x="0" y="0"/>
+            <a:ext cx="9144000" cy="772347"/>
+          </a:xfrm>
+          <a:prstGeom prst="rect">
+            <a:avLst/>
+          </a:prstGeom>
+          <a:solidFill>
+            <a:srgbClr val="071F65"/>
+          </a:solidFill>
+          <a:ln w="5" cap="flat">
+            <a:solidFill>
+              <a:srgbClr val="24211D"/>
+            </a:solidFill>
+            <a:prstDash val="solid"/>
+            <a:miter lim="800000"/>
+            <a:headEnd/>
+            <a:tailEnd/>
+          </a:ln>
+        </p:spPr>
+        <p:txBody>
+          <a:bodyPr vert="horz" wrap="square" lIns="91440" tIns="45720" rIns="91440" bIns="45720" numCol="1" anchor="t" anchorCtr="0" compatLnSpc="1">
+            <a:prstTxWarp prst="textNoShape">
+              <a:avLst/>
+            </a:prstTxWarp>
+          </a:bodyPr>
+          <a:lstStyle/>
+          <a:p>
+            <a:endParaRPr lang="zh-CN" altLang="en-US">
+              <a:solidFill>
+                <a:schemeClr val="tx1"/>
+              </a:solidFill>
+            </a:endParaRPr>
+          </a:p>
+        </p:txBody>
+      </p:sp>
+      <p:graphicFrame>
+        <p:nvGraphicFramePr>
+          <p:cNvPr id="9" name="表格 8"/>
+          <p:cNvGraphicFramePr>
+            <a:graphicFrameLocks noGrp="1"/>
+          </p:cNvGraphicFramePr>
+          <p:nvPr>
+            <p:extLst>
+              <p:ext uri="{D42A27DB-BD31-4B8C-83A1-F6EECF244321}">
+                <p14:modId xmlns:p14="http://schemas.microsoft.com/office/powerpoint/2010/main" val="2460181749"/>
+              </p:ext>
+            </p:extLst>
+          </p:nvPr>
+        </p:nvGraphicFramePr>
+        <p:xfrm>
+          <a:off x="0" y="199598"/>
+          <a:ext cx="9144000" cy="458243"/>
+        </p:xfrm>
+        <a:graphic>
+          <a:graphicData uri="http://schemas.openxmlformats.org/drawingml/2006/table">
+            <a:tbl>
+              <a:tblPr firstRow="1" bandRow="1">
+                <a:tableStyleId>{5C22544A-7EE6-4342-B048-85BDC9FD1C3A}</a:tableStyleId>
+              </a:tblPr>
+              <a:tblGrid>
+                <a:gridCol w="1331089">
+                  <a:extLst>
+                    <a:ext uri="{9D8B030D-6E8A-4147-A177-3AD203B41FA5}">
+                      <a16:colId xmlns:a16="http://schemas.microsoft.com/office/drawing/2014/main" val="2316111577"/>
+                    </a:ext>
+                  </a:extLst>
+                </a:gridCol>
+                <a:gridCol w="1099595">
+                  <a:extLst>
+                    <a:ext uri="{9D8B030D-6E8A-4147-A177-3AD203B41FA5}">
+                      <a16:colId xmlns:a16="http://schemas.microsoft.com/office/drawing/2014/main" val="204147406"/>
+                    </a:ext>
+                  </a:extLst>
+                </a:gridCol>
+                <a:gridCol w="2152891">
+                  <a:extLst>
+                    <a:ext uri="{9D8B030D-6E8A-4147-A177-3AD203B41FA5}">
+                      <a16:colId xmlns:a16="http://schemas.microsoft.com/office/drawing/2014/main" val="2603586595"/>
+                    </a:ext>
+                  </a:extLst>
+                </a:gridCol>
+                <a:gridCol w="1898248">
+                  <a:extLst>
+                    <a:ext uri="{9D8B030D-6E8A-4147-A177-3AD203B41FA5}">
+                      <a16:colId xmlns:a16="http://schemas.microsoft.com/office/drawing/2014/main" val="2745346112"/>
+                    </a:ext>
+                  </a:extLst>
+                </a:gridCol>
+                <a:gridCol w="1342663">
+                  <a:extLst>
+                    <a:ext uri="{9D8B030D-6E8A-4147-A177-3AD203B41FA5}">
+                      <a16:colId xmlns:a16="http://schemas.microsoft.com/office/drawing/2014/main" val="2906165216"/>
+                    </a:ext>
+                  </a:extLst>
+                </a:gridCol>
+                <a:gridCol w="1319514">
+                  <a:extLst>
+                    <a:ext uri="{9D8B030D-6E8A-4147-A177-3AD203B41FA5}">
+                      <a16:colId xmlns:a16="http://schemas.microsoft.com/office/drawing/2014/main" val="2785191733"/>
+                    </a:ext>
+                  </a:extLst>
+                </a:gridCol>
+              </a:tblGrid>
+              <a:tr h="458243">
+                <a:tc>
+                  <a:txBody>
+                    <a:bodyPr/>
+                    <a:lstStyle/>
+                    <a:p>
+                      <a:pPr algn="ctr"/>
+                      <a:r>
+                        <a:rPr lang="zh-CN" altLang="en-US" sz="1700" dirty="0" smtClean="0">
+                          <a:solidFill>
+                            <a:schemeClr val="bg1">
+                              <a:lumMod val="75000"/>
+                            </a:schemeClr>
+                          </a:solidFill>
+                        </a:rPr>
+                        <a:t>问题的提出</a:t>
+                      </a:r>
+                      <a:endParaRPr lang="zh-CN" altLang="en-US" sz="1700" dirty="0">
+                        <a:solidFill>
+                          <a:schemeClr val="bg1">
+                            <a:lumMod val="75000"/>
+                          </a:schemeClr>
+                        </a:solidFill>
+                      </a:endParaRPr>
+                    </a:p>
+                  </a:txBody>
+                  <a:tcPr anchor="ctr">
+                    <a:lnL w="12700" cmpd="sng">
+                      <a:noFill/>
+                    </a:lnL>
+                    <a:lnR w="12700" cmpd="sng">
+                      <a:noFill/>
+                    </a:lnR>
+                    <a:lnT w="12700" cmpd="sng">
+                      <a:noFill/>
+                    </a:lnT>
+                    <a:lnB w="38100" cmpd="sng">
+                      <a:noFill/>
+                    </a:lnB>
+                    <a:lnTlToBr w="12700" cmpd="sng">
+                      <a:noFill/>
+                      <a:prstDash val="solid"/>
+                    </a:lnTlToBr>
+                    <a:lnBlToTr w="12700" cmpd="sng">
+                      <a:noFill/>
+                      <a:prstDash val="solid"/>
+                    </a:lnBlToTr>
+                  </a:tcPr>
+                </a:tc>
+                <a:tc>
+                  <a:txBody>
+                    <a:bodyPr/>
+                    <a:lstStyle/>
+                    <a:p>
+                      <a:pPr algn="ctr"/>
+                      <a:r>
+                        <a:rPr lang="zh-CN" altLang="en-US" sz="1700" dirty="0" smtClean="0">
+                          <a:solidFill>
+                            <a:schemeClr val="bg1">
+                              <a:lumMod val="75000"/>
+                            </a:schemeClr>
+                          </a:solidFill>
+                        </a:rPr>
+                        <a:t>文献评述</a:t>
+                      </a:r>
+                      <a:endParaRPr lang="zh-CN" altLang="en-US" sz="1700" dirty="0">
+                        <a:solidFill>
+                          <a:schemeClr val="bg1">
+                            <a:lumMod val="75000"/>
+                          </a:schemeClr>
+                        </a:solidFill>
+                      </a:endParaRPr>
+                    </a:p>
+                  </a:txBody>
+                  <a:tcPr anchor="ctr">
+                    <a:lnL w="12700" cmpd="sng">
+                      <a:noFill/>
+                    </a:lnL>
+                    <a:lnR w="12700" cmpd="sng">
+                      <a:noFill/>
+                    </a:lnR>
+                    <a:lnT w="12700" cmpd="sng">
+                      <a:noFill/>
+                    </a:lnT>
+                    <a:lnB w="38100" cmpd="sng">
+                      <a:noFill/>
+                    </a:lnB>
+                    <a:lnTlToBr w="12700" cmpd="sng">
+                      <a:noFill/>
+                      <a:prstDash val="solid"/>
+                    </a:lnTlToBr>
+                    <a:lnBlToTr w="12700" cmpd="sng">
+                      <a:noFill/>
+                      <a:prstDash val="solid"/>
+                    </a:lnBlToTr>
+                  </a:tcPr>
+                </a:tc>
+                <a:tc>
+                  <a:txBody>
+                    <a:bodyPr/>
+                    <a:lstStyle/>
+                    <a:p>
+                      <a:pPr algn="ctr"/>
+                      <a:r>
+                        <a:rPr lang="zh-CN" altLang="en-US" sz="1700" dirty="0" smtClean="0">
+                          <a:solidFill>
+                            <a:schemeClr val="bg1">
+                              <a:lumMod val="75000"/>
+                            </a:schemeClr>
+                          </a:solidFill>
+                        </a:rPr>
+                        <a:t>研究目标与技术路线</a:t>
+                      </a:r>
+                      <a:endParaRPr lang="zh-CN" altLang="en-US" sz="1700" dirty="0">
+                        <a:solidFill>
+                          <a:schemeClr val="bg1">
+                            <a:lumMod val="75000"/>
+                          </a:schemeClr>
+                        </a:solidFill>
+                      </a:endParaRPr>
+                    </a:p>
+                  </a:txBody>
+                  <a:tcPr anchor="ctr">
+                    <a:lnL w="12700" cmpd="sng">
+                      <a:noFill/>
+                    </a:lnL>
+                    <a:lnR w="12700" cmpd="sng">
+                      <a:noFill/>
+                    </a:lnR>
+                    <a:lnT w="12700" cmpd="sng">
+                      <a:noFill/>
+                    </a:lnT>
+                    <a:lnB w="38100" cmpd="sng">
+                      <a:noFill/>
+                    </a:lnB>
+                    <a:lnTlToBr w="12700" cmpd="sng">
+                      <a:noFill/>
+                      <a:prstDash val="solid"/>
+                    </a:lnTlToBr>
+                    <a:lnBlToTr w="12700" cmpd="sng">
+                      <a:noFill/>
+                      <a:prstDash val="solid"/>
+                    </a:lnBlToTr>
+                  </a:tcPr>
+                </a:tc>
+                <a:tc>
+                  <a:txBody>
+                    <a:bodyPr/>
+                    <a:lstStyle/>
+                    <a:p>
+                      <a:pPr algn="ctr"/>
+                      <a:r>
+                        <a:rPr lang="zh-CN" altLang="en-US" sz="1800" dirty="0" smtClean="0">
+                          <a:solidFill>
+                            <a:schemeClr val="bg1"/>
+                          </a:solidFill>
+                        </a:rPr>
+                        <a:t>研究内容与结果</a:t>
+                      </a:r>
+                      <a:endParaRPr lang="zh-CN" altLang="en-US" sz="1800" dirty="0">
+                        <a:solidFill>
+                          <a:schemeClr val="bg1"/>
+                        </a:solidFill>
+                      </a:endParaRPr>
+                    </a:p>
+                  </a:txBody>
+                  <a:tcPr anchor="ctr">
+                    <a:lnL w="12700" cmpd="sng">
+                      <a:noFill/>
+                    </a:lnL>
+                    <a:lnR w="12700" cmpd="sng">
+                      <a:noFill/>
+                    </a:lnR>
+                    <a:lnT w="12700" cmpd="sng">
+                      <a:noFill/>
+                    </a:lnT>
+                    <a:lnB w="38100" cmpd="sng">
+                      <a:noFill/>
+                    </a:lnB>
+                    <a:lnTlToBr w="12700" cmpd="sng">
+                      <a:noFill/>
+                      <a:prstDash val="solid"/>
+                    </a:lnTlToBr>
+                    <a:lnBlToTr w="12700" cmpd="sng">
+                      <a:noFill/>
+                      <a:prstDash val="solid"/>
+                    </a:lnBlToTr>
+                  </a:tcPr>
+                </a:tc>
+                <a:tc>
+                  <a:txBody>
+                    <a:bodyPr/>
+                    <a:lstStyle/>
+                    <a:p>
+                      <a:pPr algn="ctr"/>
+                      <a:r>
+                        <a:rPr lang="zh-CN" altLang="en-US" sz="1700" dirty="0" smtClean="0">
+                          <a:solidFill>
+                            <a:schemeClr val="bg1">
+                              <a:lumMod val="75000"/>
+                            </a:schemeClr>
+                          </a:solidFill>
+                        </a:rPr>
+                        <a:t>结论与建议</a:t>
+                      </a:r>
+                      <a:endParaRPr lang="zh-CN" altLang="en-US" sz="1700" dirty="0">
+                        <a:solidFill>
+                          <a:schemeClr val="bg1">
+                            <a:lumMod val="75000"/>
+                          </a:schemeClr>
+                        </a:solidFill>
+                      </a:endParaRPr>
+                    </a:p>
+                  </a:txBody>
+                  <a:tcPr anchor="ctr">
+                    <a:lnL w="12700" cmpd="sng">
+                      <a:noFill/>
+                    </a:lnL>
+                    <a:lnR w="12700" cmpd="sng">
+                      <a:noFill/>
+                    </a:lnR>
+                    <a:lnT w="12700" cmpd="sng">
+                      <a:noFill/>
+                    </a:lnT>
+                    <a:lnB w="38100" cmpd="sng">
+                      <a:noFill/>
+                    </a:lnB>
+                    <a:lnTlToBr w="12700" cmpd="sng">
+                      <a:noFill/>
+                      <a:prstDash val="solid"/>
+                    </a:lnTlToBr>
+                    <a:lnBlToTr w="12700" cmpd="sng">
+                      <a:noFill/>
+                      <a:prstDash val="solid"/>
+                    </a:lnBlToTr>
+                  </a:tcPr>
+                </a:tc>
+                <a:tc>
+                  <a:txBody>
+                    <a:bodyPr/>
+                    <a:lstStyle/>
+                    <a:p>
+                      <a:pPr algn="ctr"/>
+                      <a:r>
+                        <a:rPr lang="zh-CN" altLang="en-US" sz="1700" dirty="0" smtClean="0">
+                          <a:solidFill>
+                            <a:schemeClr val="bg1">
+                              <a:lumMod val="75000"/>
+                            </a:schemeClr>
+                          </a:solidFill>
+                        </a:rPr>
+                        <a:t>可能的不足</a:t>
+                      </a:r>
+                      <a:endParaRPr lang="zh-CN" altLang="en-US" sz="1700" dirty="0">
+                        <a:solidFill>
+                          <a:schemeClr val="bg1">
+                            <a:lumMod val="75000"/>
+                          </a:schemeClr>
+                        </a:solidFill>
+                      </a:endParaRPr>
+                    </a:p>
+                  </a:txBody>
+                  <a:tcPr anchor="ctr">
+                    <a:lnL w="12700" cmpd="sng">
+                      <a:noFill/>
+                    </a:lnL>
+                    <a:lnR w="12700" cmpd="sng">
+                      <a:noFill/>
+                    </a:lnR>
+                    <a:lnT w="12700" cmpd="sng">
+                      <a:noFill/>
+                    </a:lnT>
+                    <a:lnB w="38100" cmpd="sng">
+                      <a:noFill/>
+                    </a:lnB>
+                    <a:lnTlToBr w="12700" cmpd="sng">
+                      <a:noFill/>
+                      <a:prstDash val="solid"/>
+                    </a:lnTlToBr>
+                    <a:lnBlToTr w="12700" cmpd="sng">
+                      <a:noFill/>
+                      <a:prstDash val="solid"/>
+                    </a:lnBlToTr>
+                  </a:tcPr>
+                </a:tc>
+                <a:extLst>
+                  <a:ext uri="{0D108BD9-81ED-4DB2-BD59-A6C34878D82A}">
+                    <a16:rowId xmlns:a16="http://schemas.microsoft.com/office/drawing/2014/main" val="3362077269"/>
+                  </a:ext>
+                </a:extLst>
+              </a:tr>
+            </a:tbl>
+          </a:graphicData>
+        </a:graphic>
+      </p:graphicFrame>
+      <p:sp>
+        <p:nvSpPr>
+          <p:cNvPr id="12" name="流程图: 合并 11"/>
+          <p:cNvSpPr/>
+          <p:nvPr/>
+        </p:nvSpPr>
+        <p:spPr>
+          <a:xfrm>
+            <a:off x="5294936" y="760772"/>
+            <a:ext cx="380588" cy="176777"/>
+          </a:xfrm>
+          <a:prstGeom prst="flowChartMerge">
+            <a:avLst/>
+          </a:prstGeom>
+          <a:ln>
+            <a:noFill/>
+          </a:ln>
+        </p:spPr>
+        <p:style>
+          <a:lnRef idx="2">
+            <a:schemeClr val="accent1">
+              <a:shade val="50000"/>
+            </a:schemeClr>
+          </a:lnRef>
+          <a:fillRef idx="1">
+            <a:schemeClr val="accent1"/>
+          </a:fillRef>
+          <a:effectRef idx="0">
+            <a:schemeClr val="accent1"/>
+          </a:effectRef>
+          <a:fontRef idx="minor">
+            <a:schemeClr val="lt1"/>
+          </a:fontRef>
+        </p:style>
+        <p:txBody>
+          <a:bodyPr rtlCol="0" anchor="ctr"/>
+          <a:lstStyle/>
+          <a:p>
+            <a:pPr algn="ctr"/>
+            <a:endParaRPr lang="zh-CN" altLang="en-US"/>
+          </a:p>
+        </p:txBody>
+      </p:sp>
+    </p:spTree>
+    <p:extLst>
+      <p:ext uri="{BB962C8B-B14F-4D97-AF65-F5344CB8AC3E}">
+        <p14:creationId xmlns:p14="http://schemas.microsoft.com/office/powerpoint/2010/main" val="4236078585"/>
+      </p:ext>
+    </p:extLst>
+  </p:cSld>
+  <p:clrMapOvr>
+    <a:masterClrMapping/>
+  </p:clrMapOvr>
+  <mc:AlternateContent xmlns:mc="http://schemas.openxmlformats.org/markup-compatibility/2006" xmlns:p14="http://schemas.microsoft.com/office/powerpoint/2010/main">
+    <mc:Choice Requires="p14">
+      <p:transition p14:dur="0"/>
+    </mc:Choice>
+    <mc:Fallback xmlns="">
+      <p:transition/>
+    </mc:Fallback>
+  </mc:AlternateContent>
+  <p:timing>
+    <p:tnLst>
+      <p:par>
+        <p:cTn id="1" dur="indefinite" restart="never" nodeType="tmRoot"/>
+      </p:par>
+    </p:tnLst>
+  </p:timing>
+</p:sld>
+</file>
+
+<file path=ppt/slides/slide27.xml><?xml version="1.0" encoding="utf-8"?>
+<p:sld xmlns:a="http://schemas.openxmlformats.org/drawingml/2006/main" xmlns:r="http://schemas.openxmlformats.org/officeDocument/2006/relationships" xmlns:p="http://schemas.openxmlformats.org/presentationml/2006/main">
+  <p:cSld>
+    <p:spTree>
+      <p:nvGrpSpPr>
+        <p:cNvPr id="1" name=""/>
+        <p:cNvGrpSpPr/>
+        <p:nvPr/>
+      </p:nvGrpSpPr>
+      <p:grpSpPr>
+        <a:xfrm>
+          <a:off x="0" y="0"/>
+          <a:ext cx="0" cy="0"/>
+          <a:chOff x="0" y="0"/>
+          <a:chExt cx="0" cy="0"/>
+        </a:xfrm>
+      </p:grpSpPr>
+      <p:sp>
+        <p:nvSpPr>
           <p:cNvPr id="96" name="矩形 95"/>
           <p:cNvSpPr/>
           <p:nvPr/>
@@ -33379,7 +34165,7 @@
         <p:spPr>
           <a:xfrm>
             <a:off x="92596" y="1048409"/>
-            <a:ext cx="9051403" cy="5093702"/>
+            <a:ext cx="9051403" cy="5709255"/>
           </a:xfrm>
           <a:prstGeom prst="rect">
             <a:avLst/>
@@ -33403,12 +34189,20 @@
               </a:buClr>
             </a:pPr>
             <a:r>
+              <a:rPr lang="zh-CN" altLang="en-US" sz="2000" b="1" dirty="0" smtClean="0">
+                <a:latin typeface="微软雅黑" panose="020B0503020204020204" pitchFamily="34" charset="-122"/>
+                <a:ea typeface="微软雅黑" panose="020B0503020204020204" pitchFamily="34" charset="-122"/>
+                <a:cs typeface="Times New Roman" panose="02020603050405020304" pitchFamily="18" charset="0"/>
+              </a:rPr>
+              <a:t>（五）</a:t>
+            </a:r>
+            <a:r>
               <a:rPr lang="zh-CN" altLang="en-US" sz="2000" b="1" dirty="0">
                 <a:latin typeface="微软雅黑" panose="020B0503020204020204" pitchFamily="34" charset="-122"/>
                 <a:ea typeface="微软雅黑" panose="020B0503020204020204" pitchFamily="34" charset="-122"/>
                 <a:cs typeface="Times New Roman" panose="02020603050405020304" pitchFamily="18" charset="0"/>
               </a:rPr>
-              <a:t>（四）模型结果及含义</a:t>
+              <a:t>模型结果及含义</a:t>
             </a:r>
             <a:endParaRPr lang="en-US" altLang="zh-CN" sz="2000" b="1" dirty="0">
               <a:latin typeface="微软雅黑" panose="020B0503020204020204" pitchFamily="34" charset="-122"/>
@@ -33474,7 +34268,7 @@
                 <a:ea typeface="华文楷体" panose="02010600040101010101" pitchFamily="2" charset="-122"/>
                 <a:cs typeface="Times New Roman" panose="02020603050405020304" pitchFamily="18" charset="0"/>
               </a:rPr>
-              <a:t>水稻土地生产率与规模变量呈显著负向关系，结果符合预期</a:t>
+              <a:t>水稻土地生产率与规模变量呈显著负向</a:t>
             </a:r>
             <a:r>
               <a:rPr lang="zh-CN" altLang="en-US" sz="2000" dirty="0" smtClean="0">
@@ -33482,7 +34276,15 @@
                 <a:ea typeface="华文楷体" panose="02010600040101010101" pitchFamily="2" charset="-122"/>
                 <a:cs typeface="Times New Roman" panose="02020603050405020304" pitchFamily="18" charset="0"/>
               </a:rPr>
-              <a:t>。一熟区春玉米土地生产率</a:t>
+              <a:t>关系。</a:t>
+            </a:r>
+            <a:r>
+              <a:rPr lang="zh-CN" altLang="en-US" sz="2000" dirty="0" smtClean="0">
+                <a:latin typeface="华文楷体" panose="02010600040101010101" pitchFamily="2" charset="-122"/>
+                <a:ea typeface="华文楷体" panose="02010600040101010101" pitchFamily="2" charset="-122"/>
+                <a:cs typeface="Times New Roman" panose="02020603050405020304" pitchFamily="18" charset="0"/>
+              </a:rPr>
+              <a:t>一熟区春玉米土地生产率</a:t>
             </a:r>
             <a:r>
               <a:rPr lang="zh-CN" altLang="en-US" sz="2000" dirty="0">
@@ -33514,7 +34316,15 @@
                 <a:ea typeface="华文楷体" panose="02010600040101010101" pitchFamily="2" charset="-122"/>
                 <a:cs typeface="Times New Roman" panose="02020603050405020304" pitchFamily="18" charset="0"/>
               </a:rPr>
-              <a:t>关系。</a:t>
+              <a:t>关系</a:t>
+            </a:r>
+            <a:r>
+              <a:rPr lang="zh-CN" altLang="en-US" sz="2000" dirty="0">
+                <a:latin typeface="华文楷体" panose="02010600040101010101" pitchFamily="2" charset="-122"/>
+                <a:ea typeface="华文楷体" panose="02010600040101010101" pitchFamily="2" charset="-122"/>
+                <a:cs typeface="Times New Roman" panose="02020603050405020304" pitchFamily="18" charset="0"/>
+              </a:rPr>
+              <a:t>。可能的解释是，玉米区别于小麦和水稻，是一种适合粗放式经营的作物。且玉米机械投入的可分性相对高于小麦和水稻，所以规模扩大时单产呈上升的趋势。</a:t>
             </a:r>
             <a:endParaRPr lang="en-US" altLang="zh-CN" sz="2000" dirty="0" smtClean="0">
               <a:latin typeface="华文楷体" panose="02010600040101010101" pitchFamily="2" charset="-122"/>
@@ -33926,7 +34736,7 @@
           <a:p>
             <a:r>
               <a:rPr lang="en-US" altLang="zh-CN" dirty="0" smtClean="0"/>
-              <a:t>17/21</a:t>
+              <a:t>18/22</a:t>
             </a:r>
             <a:endParaRPr lang="zh-CN" altLang="en-US" dirty="0"/>
           </a:p>
@@ -34409,7 +35219,7 @@
 </p:sld>
 </file>
 
-<file path=ppt/slides/slide27.xml><?xml version="1.0" encoding="utf-8"?>
+<file path=ppt/slides/slide28.xml><?xml version="1.0" encoding="utf-8"?>
 <p:sld xmlns:a="http://schemas.openxmlformats.org/drawingml/2006/main" xmlns:r="http://schemas.openxmlformats.org/officeDocument/2006/relationships" xmlns:p="http://schemas.openxmlformats.org/presentationml/2006/main">
   <p:cSld>
     <p:bg>
@@ -34830,873 +35640,6 @@
 </p:sld>
 </file>
 
-<file path=ppt/slides/slide28.xml><?xml version="1.0" encoding="utf-8"?>
-<p:sld xmlns:a="http://schemas.openxmlformats.org/drawingml/2006/main" xmlns:r="http://schemas.openxmlformats.org/officeDocument/2006/relationships" xmlns:p="http://schemas.openxmlformats.org/presentationml/2006/main">
-  <p:cSld>
-    <p:spTree>
-      <p:nvGrpSpPr>
-        <p:cNvPr id="1" name=""/>
-        <p:cNvGrpSpPr/>
-        <p:nvPr/>
-      </p:nvGrpSpPr>
-      <p:grpSpPr>
-        <a:xfrm>
-          <a:off x="0" y="0"/>
-          <a:ext cx="0" cy="0"/>
-          <a:chOff x="0" y="0"/>
-          <a:chExt cx="0" cy="0"/>
-        </a:xfrm>
-      </p:grpSpPr>
-      <p:sp>
-        <p:nvSpPr>
-          <p:cNvPr id="6" name="矩形 5"/>
-          <p:cNvSpPr/>
-          <p:nvPr/>
-        </p:nvSpPr>
-        <p:spPr>
-          <a:xfrm>
-            <a:off x="0" y="0"/>
-            <a:ext cx="9144000" cy="772347"/>
-          </a:xfrm>
-          <a:prstGeom prst="rect">
-            <a:avLst/>
-          </a:prstGeom>
-          <a:solidFill>
-            <a:srgbClr val="071F65"/>
-          </a:solidFill>
-          <a:ln w="5" cap="flat">
-            <a:solidFill>
-              <a:srgbClr val="24211D"/>
-            </a:solidFill>
-            <a:prstDash val="solid"/>
-            <a:miter lim="800000"/>
-            <a:headEnd/>
-            <a:tailEnd/>
-          </a:ln>
-        </p:spPr>
-        <p:txBody>
-          <a:bodyPr vert="horz" wrap="square" lIns="91440" tIns="45720" rIns="91440" bIns="45720" numCol="1" anchor="t" anchorCtr="0" compatLnSpc="1">
-            <a:prstTxWarp prst="textNoShape">
-              <a:avLst/>
-            </a:prstTxWarp>
-          </a:bodyPr>
-          <a:lstStyle/>
-          <a:p>
-            <a:endParaRPr lang="zh-CN" altLang="en-US">
-              <a:solidFill>
-                <a:schemeClr val="tx1"/>
-              </a:solidFill>
-            </a:endParaRPr>
-          </a:p>
-        </p:txBody>
-      </p:sp>
-      <p:graphicFrame>
-        <p:nvGraphicFramePr>
-          <p:cNvPr id="10" name="表格 9"/>
-          <p:cNvGraphicFramePr>
-            <a:graphicFrameLocks noGrp="1"/>
-          </p:cNvGraphicFramePr>
-          <p:nvPr>
-            <p:extLst>
-              <p:ext uri="{D42A27DB-BD31-4B8C-83A1-F6EECF244321}">
-                <p14:modId xmlns:p14="http://schemas.microsoft.com/office/powerpoint/2010/main" val="3722234368"/>
-              </p:ext>
-            </p:extLst>
-          </p:nvPr>
-        </p:nvGraphicFramePr>
-        <p:xfrm>
-          <a:off x="0" y="199598"/>
-          <a:ext cx="9144000" cy="458243"/>
-        </p:xfrm>
-        <a:graphic>
-          <a:graphicData uri="http://schemas.openxmlformats.org/drawingml/2006/table">
-            <a:tbl>
-              <a:tblPr firstRow="1" bandRow="1">
-                <a:tableStyleId>{5C22544A-7EE6-4342-B048-85BDC9FD1C3A}</a:tableStyleId>
-              </a:tblPr>
-              <a:tblGrid>
-                <a:gridCol w="1331089">
-                  <a:extLst>
-                    <a:ext uri="{9D8B030D-6E8A-4147-A177-3AD203B41FA5}">
-                      <a16:colId xmlns:a16="http://schemas.microsoft.com/office/drawing/2014/main" val="2316111577"/>
-                    </a:ext>
-                  </a:extLst>
-                </a:gridCol>
-                <a:gridCol w="1099595">
-                  <a:extLst>
-                    <a:ext uri="{9D8B030D-6E8A-4147-A177-3AD203B41FA5}">
-                      <a16:colId xmlns:a16="http://schemas.microsoft.com/office/drawing/2014/main" val="204147406"/>
-                    </a:ext>
-                  </a:extLst>
-                </a:gridCol>
-                <a:gridCol w="2152891">
-                  <a:extLst>
-                    <a:ext uri="{9D8B030D-6E8A-4147-A177-3AD203B41FA5}">
-                      <a16:colId xmlns:a16="http://schemas.microsoft.com/office/drawing/2014/main" val="2603586595"/>
-                    </a:ext>
-                  </a:extLst>
-                </a:gridCol>
-                <a:gridCol w="1759974">
-                  <a:extLst>
-                    <a:ext uri="{9D8B030D-6E8A-4147-A177-3AD203B41FA5}">
-                      <a16:colId xmlns:a16="http://schemas.microsoft.com/office/drawing/2014/main" val="2745346112"/>
-                    </a:ext>
-                  </a:extLst>
-                </a:gridCol>
-                <a:gridCol w="1356909">
-                  <a:extLst>
-                    <a:ext uri="{9D8B030D-6E8A-4147-A177-3AD203B41FA5}">
-                      <a16:colId xmlns:a16="http://schemas.microsoft.com/office/drawing/2014/main" val="2906165216"/>
-                    </a:ext>
-                  </a:extLst>
-                </a:gridCol>
-                <a:gridCol w="1443542">
-                  <a:extLst>
-                    <a:ext uri="{9D8B030D-6E8A-4147-A177-3AD203B41FA5}">
-                      <a16:colId xmlns:a16="http://schemas.microsoft.com/office/drawing/2014/main" val="2785191733"/>
-                    </a:ext>
-                  </a:extLst>
-                </a:gridCol>
-              </a:tblGrid>
-              <a:tr h="458243">
-                <a:tc>
-                  <a:txBody>
-                    <a:bodyPr/>
-                    <a:lstStyle/>
-                    <a:p>
-                      <a:pPr algn="ctr"/>
-                      <a:r>
-                        <a:rPr lang="zh-CN" altLang="en-US" sz="1700" dirty="0" smtClean="0">
-                          <a:solidFill>
-                            <a:schemeClr val="bg1">
-                              <a:lumMod val="75000"/>
-                            </a:schemeClr>
-                          </a:solidFill>
-                        </a:rPr>
-                        <a:t>问题的提出</a:t>
-                      </a:r>
-                      <a:endParaRPr lang="zh-CN" altLang="en-US" sz="1700" dirty="0">
-                        <a:solidFill>
-                          <a:schemeClr val="bg1">
-                            <a:lumMod val="75000"/>
-                          </a:schemeClr>
-                        </a:solidFill>
-                      </a:endParaRPr>
-                    </a:p>
-                  </a:txBody>
-                  <a:tcPr anchor="ctr">
-                    <a:lnL w="12700" cmpd="sng">
-                      <a:noFill/>
-                    </a:lnL>
-                    <a:lnR w="12700" cmpd="sng">
-                      <a:noFill/>
-                    </a:lnR>
-                    <a:lnT w="12700" cmpd="sng">
-                      <a:noFill/>
-                    </a:lnT>
-                    <a:lnB w="38100" cmpd="sng">
-                      <a:noFill/>
-                    </a:lnB>
-                    <a:lnTlToBr w="12700" cmpd="sng">
-                      <a:noFill/>
-                      <a:prstDash val="solid"/>
-                    </a:lnTlToBr>
-                    <a:lnBlToTr w="12700" cmpd="sng">
-                      <a:noFill/>
-                      <a:prstDash val="solid"/>
-                    </a:lnBlToTr>
-                  </a:tcPr>
-                </a:tc>
-                <a:tc>
-                  <a:txBody>
-                    <a:bodyPr/>
-                    <a:lstStyle/>
-                    <a:p>
-                      <a:pPr algn="ctr"/>
-                      <a:r>
-                        <a:rPr lang="zh-CN" altLang="en-US" sz="1700" dirty="0" smtClean="0">
-                          <a:solidFill>
-                            <a:schemeClr val="bg1">
-                              <a:lumMod val="75000"/>
-                            </a:schemeClr>
-                          </a:solidFill>
-                        </a:rPr>
-                        <a:t>文献评述</a:t>
-                      </a:r>
-                      <a:endParaRPr lang="zh-CN" altLang="en-US" sz="1700" dirty="0">
-                        <a:solidFill>
-                          <a:schemeClr val="bg1">
-                            <a:lumMod val="75000"/>
-                          </a:schemeClr>
-                        </a:solidFill>
-                      </a:endParaRPr>
-                    </a:p>
-                  </a:txBody>
-                  <a:tcPr anchor="ctr">
-                    <a:lnL w="12700" cmpd="sng">
-                      <a:noFill/>
-                    </a:lnL>
-                    <a:lnR w="12700" cmpd="sng">
-                      <a:noFill/>
-                    </a:lnR>
-                    <a:lnT w="12700" cmpd="sng">
-                      <a:noFill/>
-                    </a:lnT>
-                    <a:lnB w="38100" cmpd="sng">
-                      <a:noFill/>
-                    </a:lnB>
-                    <a:lnTlToBr w="12700" cmpd="sng">
-                      <a:noFill/>
-                      <a:prstDash val="solid"/>
-                    </a:lnTlToBr>
-                    <a:lnBlToTr w="12700" cmpd="sng">
-                      <a:noFill/>
-                      <a:prstDash val="solid"/>
-                    </a:lnBlToTr>
-                  </a:tcPr>
-                </a:tc>
-                <a:tc>
-                  <a:txBody>
-                    <a:bodyPr/>
-                    <a:lstStyle/>
-                    <a:p>
-                      <a:pPr algn="ctr"/>
-                      <a:r>
-                        <a:rPr lang="zh-CN" altLang="en-US" sz="1700" dirty="0" smtClean="0">
-                          <a:solidFill>
-                            <a:schemeClr val="bg1">
-                              <a:lumMod val="75000"/>
-                            </a:schemeClr>
-                          </a:solidFill>
-                        </a:rPr>
-                        <a:t>研究目标与技术路线</a:t>
-                      </a:r>
-                      <a:endParaRPr lang="zh-CN" altLang="en-US" sz="1700" dirty="0">
-                        <a:solidFill>
-                          <a:schemeClr val="bg1">
-                            <a:lumMod val="75000"/>
-                          </a:schemeClr>
-                        </a:solidFill>
-                      </a:endParaRPr>
-                    </a:p>
-                  </a:txBody>
-                  <a:tcPr anchor="ctr">
-                    <a:lnL w="12700" cmpd="sng">
-                      <a:noFill/>
-                    </a:lnL>
-                    <a:lnR w="12700" cmpd="sng">
-                      <a:noFill/>
-                    </a:lnR>
-                    <a:lnT w="12700" cmpd="sng">
-                      <a:noFill/>
-                    </a:lnT>
-                    <a:lnB w="38100" cmpd="sng">
-                      <a:noFill/>
-                    </a:lnB>
-                    <a:lnTlToBr w="12700" cmpd="sng">
-                      <a:noFill/>
-                      <a:prstDash val="solid"/>
-                    </a:lnTlToBr>
-                    <a:lnBlToTr w="12700" cmpd="sng">
-                      <a:noFill/>
-                      <a:prstDash val="solid"/>
-                    </a:lnBlToTr>
-                  </a:tcPr>
-                </a:tc>
-                <a:tc>
-                  <a:txBody>
-                    <a:bodyPr/>
-                    <a:lstStyle/>
-                    <a:p>
-                      <a:pPr algn="ctr"/>
-                      <a:r>
-                        <a:rPr lang="zh-CN" altLang="en-US" sz="1700" dirty="0" smtClean="0">
-                          <a:solidFill>
-                            <a:schemeClr val="bg1">
-                              <a:lumMod val="75000"/>
-                            </a:schemeClr>
-                          </a:solidFill>
-                        </a:rPr>
-                        <a:t>研究内容与结果</a:t>
-                      </a:r>
-                      <a:endParaRPr lang="zh-CN" altLang="en-US" sz="1700" dirty="0">
-                        <a:solidFill>
-                          <a:schemeClr val="bg1">
-                            <a:lumMod val="75000"/>
-                          </a:schemeClr>
-                        </a:solidFill>
-                      </a:endParaRPr>
-                    </a:p>
-                  </a:txBody>
-                  <a:tcPr anchor="ctr">
-                    <a:lnL w="12700" cmpd="sng">
-                      <a:noFill/>
-                    </a:lnL>
-                    <a:lnR w="12700" cmpd="sng">
-                      <a:noFill/>
-                    </a:lnR>
-                    <a:lnT w="12700" cmpd="sng">
-                      <a:noFill/>
-                    </a:lnT>
-                    <a:lnB w="38100" cmpd="sng">
-                      <a:noFill/>
-                    </a:lnB>
-                    <a:lnTlToBr w="12700" cmpd="sng">
-                      <a:noFill/>
-                      <a:prstDash val="solid"/>
-                    </a:lnTlToBr>
-                    <a:lnBlToTr w="12700" cmpd="sng">
-                      <a:noFill/>
-                      <a:prstDash val="solid"/>
-                    </a:lnBlToTr>
-                  </a:tcPr>
-                </a:tc>
-                <a:tc>
-                  <a:txBody>
-                    <a:bodyPr/>
-                    <a:lstStyle/>
-                    <a:p>
-                      <a:pPr algn="ctr"/>
-                      <a:r>
-                        <a:rPr lang="zh-CN" altLang="en-US" sz="1800" dirty="0" smtClean="0">
-                          <a:solidFill>
-                            <a:schemeClr val="bg1"/>
-                          </a:solidFill>
-                        </a:rPr>
-                        <a:t>结论与建议</a:t>
-                      </a:r>
-                      <a:endParaRPr lang="zh-CN" altLang="en-US" sz="1800" dirty="0">
-                        <a:solidFill>
-                          <a:schemeClr val="bg1"/>
-                        </a:solidFill>
-                      </a:endParaRPr>
-                    </a:p>
-                  </a:txBody>
-                  <a:tcPr anchor="ctr">
-                    <a:lnL w="12700" cmpd="sng">
-                      <a:noFill/>
-                    </a:lnL>
-                    <a:lnR w="12700" cmpd="sng">
-                      <a:noFill/>
-                    </a:lnR>
-                    <a:lnT w="12700" cmpd="sng">
-                      <a:noFill/>
-                    </a:lnT>
-                    <a:lnB w="38100" cmpd="sng">
-                      <a:noFill/>
-                    </a:lnB>
-                    <a:lnTlToBr w="12700" cmpd="sng">
-                      <a:noFill/>
-                      <a:prstDash val="solid"/>
-                    </a:lnTlToBr>
-                    <a:lnBlToTr w="12700" cmpd="sng">
-                      <a:noFill/>
-                      <a:prstDash val="solid"/>
-                    </a:lnBlToTr>
-                  </a:tcPr>
-                </a:tc>
-                <a:tc>
-                  <a:txBody>
-                    <a:bodyPr/>
-                    <a:lstStyle/>
-                    <a:p>
-                      <a:pPr algn="ctr"/>
-                      <a:r>
-                        <a:rPr lang="zh-CN" altLang="en-US" sz="1700" dirty="0" smtClean="0">
-                          <a:solidFill>
-                            <a:schemeClr val="bg1">
-                              <a:lumMod val="75000"/>
-                            </a:schemeClr>
-                          </a:solidFill>
-                        </a:rPr>
-                        <a:t>可能的不足</a:t>
-                      </a:r>
-                      <a:endParaRPr lang="zh-CN" altLang="en-US" sz="1700" dirty="0">
-                        <a:solidFill>
-                          <a:schemeClr val="bg1">
-                            <a:lumMod val="75000"/>
-                          </a:schemeClr>
-                        </a:solidFill>
-                      </a:endParaRPr>
-                    </a:p>
-                  </a:txBody>
-                  <a:tcPr anchor="ctr">
-                    <a:lnL w="12700" cmpd="sng">
-                      <a:noFill/>
-                    </a:lnL>
-                    <a:lnR w="12700" cmpd="sng">
-                      <a:noFill/>
-                    </a:lnR>
-                    <a:lnT w="12700" cmpd="sng">
-                      <a:noFill/>
-                    </a:lnT>
-                    <a:lnB w="38100" cmpd="sng">
-                      <a:noFill/>
-                    </a:lnB>
-                    <a:lnTlToBr w="12700" cmpd="sng">
-                      <a:noFill/>
-                      <a:prstDash val="solid"/>
-                    </a:lnTlToBr>
-                    <a:lnBlToTr w="12700" cmpd="sng">
-                      <a:noFill/>
-                      <a:prstDash val="solid"/>
-                    </a:lnBlToTr>
-                  </a:tcPr>
-                </a:tc>
-                <a:extLst>
-                  <a:ext uri="{0D108BD9-81ED-4DB2-BD59-A6C34878D82A}">
-                    <a16:rowId xmlns:a16="http://schemas.microsoft.com/office/drawing/2014/main" val="3362077269"/>
-                  </a:ext>
-                </a:extLst>
-              </a:tr>
-            </a:tbl>
-          </a:graphicData>
-        </a:graphic>
-      </p:graphicFrame>
-      <p:sp>
-        <p:nvSpPr>
-          <p:cNvPr id="11" name="流程图: 合并 10"/>
-          <p:cNvSpPr/>
-          <p:nvPr/>
-        </p:nvSpPr>
-        <p:spPr>
-          <a:xfrm>
-            <a:off x="6869093" y="760772"/>
-            <a:ext cx="380588" cy="176777"/>
-          </a:xfrm>
-          <a:prstGeom prst="flowChartMerge">
-            <a:avLst/>
-          </a:prstGeom>
-          <a:ln>
-            <a:noFill/>
-          </a:ln>
-        </p:spPr>
-        <p:style>
-          <a:lnRef idx="2">
-            <a:schemeClr val="accent1">
-              <a:shade val="50000"/>
-            </a:schemeClr>
-          </a:lnRef>
-          <a:fillRef idx="1">
-            <a:schemeClr val="accent1"/>
-          </a:fillRef>
-          <a:effectRef idx="0">
-            <a:schemeClr val="accent1"/>
-          </a:effectRef>
-          <a:fontRef idx="minor">
-            <a:schemeClr val="lt1"/>
-          </a:fontRef>
-        </p:style>
-        <p:txBody>
-          <a:bodyPr rtlCol="0" anchor="ctr"/>
-          <a:lstStyle/>
-          <a:p>
-            <a:pPr algn="ctr"/>
-            <a:endParaRPr lang="zh-CN" altLang="en-US"/>
-          </a:p>
-        </p:txBody>
-      </p:sp>
-      <p:sp>
-        <p:nvSpPr>
-          <p:cNvPr id="8" name="矩形 7"/>
-          <p:cNvSpPr/>
-          <p:nvPr/>
-        </p:nvSpPr>
-        <p:spPr>
-          <a:xfrm>
-            <a:off x="92596" y="1048409"/>
-            <a:ext cx="9051403" cy="5247590"/>
-          </a:xfrm>
-          <a:prstGeom prst="rect">
-            <a:avLst/>
-          </a:prstGeom>
-        </p:spPr>
-        <p:txBody>
-          <a:bodyPr wrap="square">
-            <a:spAutoFit/>
-          </a:bodyPr>
-          <a:lstStyle/>
-          <a:p>
-            <a:pPr algn="just">
-              <a:spcBef>
-                <a:spcPts val="1200"/>
-              </a:spcBef>
-              <a:spcAft>
-                <a:spcPts val="1200"/>
-              </a:spcAft>
-              <a:buClr>
-                <a:srgbClr val="071F65"/>
-              </a:buClr>
-            </a:pPr>
-            <a:r>
-              <a:rPr lang="zh-CN" altLang="en-US" sz="2000" b="1" dirty="0" smtClean="0">
-                <a:latin typeface="微软雅黑" panose="020B0503020204020204" pitchFamily="34" charset="-122"/>
-                <a:ea typeface="微软雅黑" panose="020B0503020204020204" pitchFamily="34" charset="-122"/>
-                <a:cs typeface="Times New Roman" panose="02020603050405020304" pitchFamily="18" charset="0"/>
-              </a:rPr>
-              <a:t>（一）对粮食生产率与规模关系的探讨</a:t>
-            </a:r>
-            <a:endParaRPr lang="en-US" altLang="zh-CN" sz="2000" b="1" dirty="0" smtClean="0">
-              <a:latin typeface="微软雅黑" panose="020B0503020204020204" pitchFamily="34" charset="-122"/>
-              <a:ea typeface="微软雅黑" panose="020B0503020204020204" pitchFamily="34" charset="-122"/>
-              <a:cs typeface="Times New Roman" panose="02020603050405020304" pitchFamily="18" charset="0"/>
-            </a:endParaRPr>
-          </a:p>
-          <a:p>
-            <a:pPr algn="just">
-              <a:spcBef>
-                <a:spcPts val="600"/>
-              </a:spcBef>
-              <a:spcAft>
-                <a:spcPts val="600"/>
-              </a:spcAft>
-              <a:buClr>
-                <a:srgbClr val="071F65"/>
-              </a:buClr>
-            </a:pPr>
-            <a:r>
-              <a:rPr lang="zh-CN" altLang="en-US" sz="2000" dirty="0" smtClean="0">
-                <a:latin typeface="华文楷体" panose="02010600040101010101" pitchFamily="2" charset="-122"/>
-                <a:ea typeface="华文楷体" panose="02010600040101010101" pitchFamily="2" charset="-122"/>
-                <a:cs typeface="Times New Roman" panose="02020603050405020304" pitchFamily="18" charset="0"/>
-              </a:rPr>
-              <a:t>（</a:t>
-            </a:r>
-            <a:r>
-              <a:rPr lang="en-US" altLang="zh-CN" sz="2000" dirty="0" smtClean="0">
-                <a:latin typeface="华文楷体" panose="02010600040101010101" pitchFamily="2" charset="-122"/>
-                <a:ea typeface="华文楷体" panose="02010600040101010101" pitchFamily="2" charset="-122"/>
-                <a:cs typeface="Times New Roman" panose="02020603050405020304" pitchFamily="18" charset="0"/>
-              </a:rPr>
-              <a:t>1</a:t>
-            </a:r>
-            <a:r>
-              <a:rPr lang="zh-CN" altLang="en-US" sz="2000" dirty="0" smtClean="0">
-                <a:latin typeface="华文楷体" panose="02010600040101010101" pitchFamily="2" charset="-122"/>
-                <a:ea typeface="华文楷体" panose="02010600040101010101" pitchFamily="2" charset="-122"/>
-                <a:cs typeface="Times New Roman" panose="02020603050405020304" pitchFamily="18" charset="0"/>
-              </a:rPr>
-              <a:t>）</a:t>
-            </a:r>
-            <a:r>
-              <a:rPr lang="zh-CN" altLang="en-US" sz="2000" b="1" dirty="0" smtClean="0">
-                <a:latin typeface="华文楷体" panose="02010600040101010101" pitchFamily="2" charset="-122"/>
-                <a:ea typeface="华文楷体" panose="02010600040101010101" pitchFamily="2" charset="-122"/>
-                <a:cs typeface="Times New Roman" panose="02020603050405020304" pitchFamily="18" charset="0"/>
-              </a:rPr>
-              <a:t>小麦</a:t>
-            </a:r>
-            <a:r>
-              <a:rPr lang="zh-CN" altLang="en-US" sz="2000" b="1" dirty="0">
-                <a:latin typeface="华文楷体" panose="02010600040101010101" pitchFamily="2" charset="-122"/>
-                <a:ea typeface="华文楷体" panose="02010600040101010101" pitchFamily="2" charset="-122"/>
-                <a:cs typeface="Times New Roman" panose="02020603050405020304" pitchFamily="18" charset="0"/>
-              </a:rPr>
-              <a:t>、水稻和玉米的产品特性差异大。</a:t>
-            </a:r>
-            <a:r>
-              <a:rPr lang="zh-CN" altLang="en-US" sz="2000" dirty="0">
-                <a:latin typeface="华文楷体" panose="02010600040101010101" pitchFamily="2" charset="-122"/>
-                <a:ea typeface="华文楷体" panose="02010600040101010101" pitchFamily="2" charset="-122"/>
-                <a:cs typeface="Times New Roman" panose="02020603050405020304" pitchFamily="18" charset="0"/>
-              </a:rPr>
-              <a:t>玉米原产于南美洲，人类栽培的历史大约有七千多年，传入我国却不到</a:t>
-            </a:r>
-            <a:r>
-              <a:rPr lang="en-US" altLang="zh-CN" sz="2000" dirty="0">
-                <a:latin typeface="华文楷体" panose="02010600040101010101" pitchFamily="2" charset="-122"/>
-                <a:ea typeface="华文楷体" panose="02010600040101010101" pitchFamily="2" charset="-122"/>
-                <a:cs typeface="Times New Roman" panose="02020603050405020304" pitchFamily="18" charset="0"/>
-              </a:rPr>
-              <a:t>500</a:t>
-            </a:r>
-            <a:r>
-              <a:rPr lang="zh-CN" altLang="en-US" sz="2000" dirty="0" smtClean="0">
-                <a:latin typeface="华文楷体" panose="02010600040101010101" pitchFamily="2" charset="-122"/>
-                <a:ea typeface="华文楷体" panose="02010600040101010101" pitchFamily="2" charset="-122"/>
-                <a:cs typeface="Times New Roman" panose="02020603050405020304" pitchFamily="18" charset="0"/>
-              </a:rPr>
-              <a:t>年，是</a:t>
-            </a:r>
-            <a:r>
-              <a:rPr lang="zh-CN" altLang="en-US" sz="2000" dirty="0">
-                <a:latin typeface="华文楷体" panose="02010600040101010101" pitchFamily="2" charset="-122"/>
-                <a:ea typeface="华文楷体" panose="02010600040101010101" pitchFamily="2" charset="-122"/>
-                <a:cs typeface="Times New Roman" panose="02020603050405020304" pitchFamily="18" charset="0"/>
-              </a:rPr>
-              <a:t>利用杂种优势时间最早，面积较大的农作物。它适应性强，对土壤要求不十分</a:t>
-            </a:r>
-            <a:r>
-              <a:rPr lang="zh-CN" altLang="en-US" sz="2000" dirty="0" smtClean="0">
-                <a:latin typeface="华文楷体" panose="02010600040101010101" pitchFamily="2" charset="-122"/>
-                <a:ea typeface="华文楷体" panose="02010600040101010101" pitchFamily="2" charset="-122"/>
-                <a:cs typeface="Times New Roman" panose="02020603050405020304" pitchFamily="18" charset="0"/>
-              </a:rPr>
-              <a:t>严格，</a:t>
-            </a:r>
-            <a:r>
-              <a:rPr lang="zh-CN" altLang="en-US" sz="2000" dirty="0">
-                <a:latin typeface="华文楷体" panose="02010600040101010101" pitchFamily="2" charset="-122"/>
-                <a:ea typeface="华文楷体" panose="02010600040101010101" pitchFamily="2" charset="-122"/>
-                <a:cs typeface="Times New Roman" panose="02020603050405020304" pitchFamily="18" charset="0"/>
-              </a:rPr>
-              <a:t>是一种较适合大规模种植的农作物；小麦和水稻则是精耕细作的产物，在中国的发展历史远超</a:t>
-            </a:r>
-            <a:r>
-              <a:rPr lang="en-US" altLang="zh-CN" sz="2000" dirty="0">
-                <a:latin typeface="华文楷体" panose="02010600040101010101" pitchFamily="2" charset="-122"/>
-                <a:ea typeface="华文楷体" panose="02010600040101010101" pitchFamily="2" charset="-122"/>
-                <a:cs typeface="Times New Roman" panose="02020603050405020304" pitchFamily="18" charset="0"/>
-              </a:rPr>
-              <a:t>4000</a:t>
-            </a:r>
-            <a:r>
-              <a:rPr lang="zh-CN" altLang="en-US" sz="2000" dirty="0" smtClean="0">
-                <a:latin typeface="华文楷体" panose="02010600040101010101" pitchFamily="2" charset="-122"/>
-                <a:ea typeface="华文楷体" panose="02010600040101010101" pitchFamily="2" charset="-122"/>
-                <a:cs typeface="Times New Roman" panose="02020603050405020304" pitchFamily="18" charset="0"/>
-              </a:rPr>
-              <a:t>年，对土壤要求严格。</a:t>
-            </a:r>
-            <a:endParaRPr lang="en-US" altLang="zh-CN" sz="2000" dirty="0" smtClean="0">
-              <a:latin typeface="华文楷体" panose="02010600040101010101" pitchFamily="2" charset="-122"/>
-              <a:ea typeface="华文楷体" panose="02010600040101010101" pitchFamily="2" charset="-122"/>
-              <a:cs typeface="Times New Roman" panose="02020603050405020304" pitchFamily="18" charset="0"/>
-            </a:endParaRPr>
-          </a:p>
-          <a:p>
-            <a:pPr algn="just">
-              <a:spcBef>
-                <a:spcPts val="600"/>
-              </a:spcBef>
-              <a:spcAft>
-                <a:spcPts val="600"/>
-              </a:spcAft>
-              <a:buClr>
-                <a:srgbClr val="071F65"/>
-              </a:buClr>
-            </a:pPr>
-            <a:r>
-              <a:rPr lang="zh-CN" altLang="en-US" sz="2000" dirty="0" smtClean="0">
-                <a:latin typeface="华文楷体" panose="02010600040101010101" pitchFamily="2" charset="-122"/>
-                <a:ea typeface="华文楷体" panose="02010600040101010101" pitchFamily="2" charset="-122"/>
-                <a:cs typeface="Times New Roman" panose="02020603050405020304" pitchFamily="18" charset="0"/>
-              </a:rPr>
-              <a:t>（</a:t>
-            </a:r>
-            <a:r>
-              <a:rPr lang="en-US" altLang="zh-CN" sz="2000" dirty="0" smtClean="0">
-                <a:latin typeface="华文楷体" panose="02010600040101010101" pitchFamily="2" charset="-122"/>
-                <a:ea typeface="华文楷体" panose="02010600040101010101" pitchFamily="2" charset="-122"/>
-                <a:cs typeface="Times New Roman" panose="02020603050405020304" pitchFamily="18" charset="0"/>
-              </a:rPr>
-              <a:t>2</a:t>
-            </a:r>
-            <a:r>
-              <a:rPr lang="zh-CN" altLang="en-US" sz="2000" dirty="0" smtClean="0">
-                <a:latin typeface="华文楷体" panose="02010600040101010101" pitchFamily="2" charset="-122"/>
-                <a:ea typeface="华文楷体" panose="02010600040101010101" pitchFamily="2" charset="-122"/>
-                <a:cs typeface="Times New Roman" panose="02020603050405020304" pitchFamily="18" charset="0"/>
-              </a:rPr>
-              <a:t>）</a:t>
-            </a:r>
-            <a:r>
-              <a:rPr lang="zh-CN" altLang="en-US" sz="2000" b="1" dirty="0" smtClean="0">
-                <a:latin typeface="华文楷体" panose="02010600040101010101" pitchFamily="2" charset="-122"/>
-                <a:ea typeface="华文楷体" panose="02010600040101010101" pitchFamily="2" charset="-122"/>
-                <a:cs typeface="Times New Roman" panose="02020603050405020304" pitchFamily="18" charset="0"/>
-              </a:rPr>
-              <a:t>三</a:t>
-            </a:r>
-            <a:r>
-              <a:rPr lang="zh-CN" altLang="en-US" sz="2000" b="1" dirty="0">
-                <a:latin typeface="华文楷体" panose="02010600040101010101" pitchFamily="2" charset="-122"/>
-                <a:ea typeface="华文楷体" panose="02010600040101010101" pitchFamily="2" charset="-122"/>
-                <a:cs typeface="Times New Roman" panose="02020603050405020304" pitchFamily="18" charset="0"/>
-              </a:rPr>
-              <a:t>种粮食作物机械的可分性不同。</a:t>
-            </a:r>
-            <a:r>
-              <a:rPr lang="zh-CN" altLang="en-US" sz="2000" dirty="0">
-                <a:latin typeface="华文楷体" panose="02010600040101010101" pitchFamily="2" charset="-122"/>
-                <a:ea typeface="华文楷体" panose="02010600040101010101" pitchFamily="2" charset="-122"/>
-                <a:cs typeface="Times New Roman" panose="02020603050405020304" pitchFamily="18" charset="0"/>
-              </a:rPr>
-              <a:t>我国农业机械化水平经历了高速增长的阶段，当前农业机械总体水平较高，但仍然存在区域、农作物种类以及农业生产阶段机械化发展不平衡的</a:t>
-            </a:r>
-            <a:r>
-              <a:rPr lang="zh-CN" altLang="en-US" sz="2000" dirty="0" smtClean="0">
-                <a:latin typeface="华文楷体" panose="02010600040101010101" pitchFamily="2" charset="-122"/>
-                <a:ea typeface="华文楷体" panose="02010600040101010101" pitchFamily="2" charset="-122"/>
-                <a:cs typeface="Times New Roman" panose="02020603050405020304" pitchFamily="18" charset="0"/>
-              </a:rPr>
-              <a:t>情况。</a:t>
-            </a:r>
-            <a:r>
-              <a:rPr lang="zh-CN" altLang="en-US" sz="2000" dirty="0">
-                <a:latin typeface="华文楷体" panose="02010600040101010101" pitchFamily="2" charset="-122"/>
-                <a:ea typeface="华文楷体" panose="02010600040101010101" pitchFamily="2" charset="-122"/>
-                <a:cs typeface="Times New Roman" panose="02020603050405020304" pitchFamily="18" charset="0"/>
-              </a:rPr>
-              <a:t>在粮食作物上体现为小麦和水稻生产收获环节的机械化水平高于</a:t>
-            </a:r>
-            <a:r>
-              <a:rPr lang="zh-CN" altLang="en-US" sz="2000" dirty="0" smtClean="0">
-                <a:latin typeface="华文楷体" panose="02010600040101010101" pitchFamily="2" charset="-122"/>
-                <a:ea typeface="华文楷体" panose="02010600040101010101" pitchFamily="2" charset="-122"/>
-                <a:cs typeface="Times New Roman" panose="02020603050405020304" pitchFamily="18" charset="0"/>
-              </a:rPr>
-              <a:t>玉米，</a:t>
-            </a:r>
-            <a:r>
-              <a:rPr lang="zh-CN" altLang="en-US" sz="2000" dirty="0">
-                <a:latin typeface="华文楷体" panose="02010600040101010101" pitchFamily="2" charset="-122"/>
-                <a:ea typeface="华文楷体" panose="02010600040101010101" pitchFamily="2" charset="-122"/>
-                <a:cs typeface="Times New Roman" panose="02020603050405020304" pitchFamily="18" charset="0"/>
-              </a:rPr>
-              <a:t>小麦和水稻种植户农业机械的“可分性”高于玉米种植</a:t>
-            </a:r>
-            <a:r>
-              <a:rPr lang="zh-CN" altLang="en-US" sz="2000" dirty="0" smtClean="0">
-                <a:latin typeface="华文楷体" panose="02010600040101010101" pitchFamily="2" charset="-122"/>
-                <a:ea typeface="华文楷体" panose="02010600040101010101" pitchFamily="2" charset="-122"/>
-                <a:cs typeface="Times New Roman" panose="02020603050405020304" pitchFamily="18" charset="0"/>
-              </a:rPr>
-              <a:t>户。</a:t>
-            </a:r>
-            <a:endParaRPr lang="en-US" altLang="zh-CN" sz="2000" dirty="0" smtClean="0">
-              <a:latin typeface="华文楷体" panose="02010600040101010101" pitchFamily="2" charset="-122"/>
-              <a:ea typeface="华文楷体" panose="02010600040101010101" pitchFamily="2" charset="-122"/>
-              <a:cs typeface="Times New Roman" panose="02020603050405020304" pitchFamily="18" charset="0"/>
-            </a:endParaRPr>
-          </a:p>
-          <a:p>
-            <a:pPr algn="just">
-              <a:spcBef>
-                <a:spcPts val="600"/>
-              </a:spcBef>
-              <a:spcAft>
-                <a:spcPts val="600"/>
-              </a:spcAft>
-              <a:buClr>
-                <a:srgbClr val="071F65"/>
-              </a:buClr>
-            </a:pPr>
-            <a:r>
-              <a:rPr lang="zh-CN" altLang="en-US" sz="2000" dirty="0" smtClean="0">
-                <a:latin typeface="华文楷体" panose="02010600040101010101" pitchFamily="2" charset="-122"/>
-                <a:ea typeface="华文楷体" panose="02010600040101010101" pitchFamily="2" charset="-122"/>
-                <a:cs typeface="Times New Roman" panose="02020603050405020304" pitchFamily="18" charset="0"/>
-              </a:rPr>
-              <a:t>（</a:t>
-            </a:r>
-            <a:r>
-              <a:rPr lang="en-US" altLang="zh-CN" sz="2000" dirty="0" smtClean="0">
-                <a:latin typeface="华文楷体" panose="02010600040101010101" pitchFamily="2" charset="-122"/>
-                <a:ea typeface="华文楷体" panose="02010600040101010101" pitchFamily="2" charset="-122"/>
-                <a:cs typeface="Times New Roman" panose="02020603050405020304" pitchFamily="18" charset="0"/>
-              </a:rPr>
-              <a:t>3</a:t>
-            </a:r>
-            <a:r>
-              <a:rPr lang="zh-CN" altLang="en-US" sz="2000" dirty="0" smtClean="0">
-                <a:latin typeface="华文楷体" panose="02010600040101010101" pitchFamily="2" charset="-122"/>
-                <a:ea typeface="华文楷体" panose="02010600040101010101" pitchFamily="2" charset="-122"/>
-                <a:cs typeface="Times New Roman" panose="02020603050405020304" pitchFamily="18" charset="0"/>
-              </a:rPr>
-              <a:t>）</a:t>
-            </a:r>
-            <a:r>
-              <a:rPr lang="zh-CN" altLang="en-US" sz="2000" dirty="0" smtClean="0">
-                <a:latin typeface="华文楷体" panose="02010600040101010101" pitchFamily="2" charset="-122"/>
-                <a:ea typeface="华文楷体" panose="02010600040101010101" pitchFamily="2" charset="-122"/>
-                <a:cs typeface="Times New Roman" panose="02020603050405020304" pitchFamily="18" charset="0"/>
-              </a:rPr>
-              <a:t>推测</a:t>
-            </a:r>
-            <a:r>
-              <a:rPr lang="zh-CN" altLang="en-US" sz="2000" dirty="0">
-                <a:latin typeface="华文楷体" panose="02010600040101010101" pitchFamily="2" charset="-122"/>
-                <a:ea typeface="华文楷体" panose="02010600040101010101" pitchFamily="2" charset="-122"/>
-                <a:cs typeface="Times New Roman" panose="02020603050405020304" pitchFamily="18" charset="0"/>
-              </a:rPr>
-              <a:t>未来</a:t>
-            </a:r>
-            <a:r>
-              <a:rPr lang="zh-CN" altLang="en-US" sz="2000" dirty="0" smtClean="0">
-                <a:latin typeface="华文楷体" panose="02010600040101010101" pitchFamily="2" charset="-122"/>
-                <a:ea typeface="华文楷体" panose="02010600040101010101" pitchFamily="2" charset="-122"/>
-                <a:cs typeface="Times New Roman" panose="02020603050405020304" pitchFamily="18" charset="0"/>
-              </a:rPr>
-              <a:t>我国玉米单产随着规模的扩大，变化起伏较小。小麦</a:t>
-            </a:r>
-            <a:r>
-              <a:rPr lang="zh-CN" altLang="en-US" sz="2000" dirty="0">
-                <a:latin typeface="华文楷体" panose="02010600040101010101" pitchFamily="2" charset="-122"/>
-                <a:ea typeface="华文楷体" panose="02010600040101010101" pitchFamily="2" charset="-122"/>
-                <a:cs typeface="Times New Roman" panose="02020603050405020304" pitchFamily="18" charset="0"/>
-              </a:rPr>
-              <a:t>和水稻单产随着规模的扩大略微下降，但下降幅度小。但机械化的推进有利于提高粮食总产量，所以未来要不遗余力的坚持农机补贴政策，提高机械化水平，推进农业机械的技术变革。</a:t>
-            </a:r>
-            <a:endParaRPr lang="en-US" altLang="zh-CN" sz="2000" b="1" dirty="0" smtClean="0">
-              <a:latin typeface="微软雅黑" panose="020B0503020204020204" pitchFamily="34" charset="-122"/>
-              <a:ea typeface="微软雅黑" panose="020B0503020204020204" pitchFamily="34" charset="-122"/>
-              <a:cs typeface="Times New Roman" panose="02020603050405020304" pitchFamily="18" charset="0"/>
-            </a:endParaRPr>
-          </a:p>
-        </p:txBody>
-      </p:sp>
-      <p:sp>
-        <p:nvSpPr>
-          <p:cNvPr id="2" name="灯片编号占位符 1"/>
-          <p:cNvSpPr>
-            <a:spLocks noGrp="1"/>
-          </p:cNvSpPr>
-          <p:nvPr>
-            <p:ph type="sldNum" sz="quarter" idx="4"/>
-          </p:nvPr>
-        </p:nvSpPr>
-        <p:spPr/>
-        <p:txBody>
-          <a:bodyPr/>
-          <a:lstStyle/>
-          <a:p>
-            <a:r>
-              <a:rPr lang="en-US" altLang="zh-CN" dirty="0" smtClean="0"/>
-              <a:t>18/21</a:t>
-            </a:r>
-            <a:endParaRPr lang="zh-CN" altLang="en-US" dirty="0"/>
-          </a:p>
-        </p:txBody>
-      </p:sp>
-    </p:spTree>
-    <p:extLst>
-      <p:ext uri="{BB962C8B-B14F-4D97-AF65-F5344CB8AC3E}">
-        <p14:creationId xmlns:p14="http://schemas.microsoft.com/office/powerpoint/2010/main" val="4236078585"/>
-      </p:ext>
-    </p:extLst>
-  </p:cSld>
-  <p:clrMapOvr>
-    <a:masterClrMapping/>
-  </p:clrMapOvr>
-  <mc:AlternateContent xmlns:mc="http://schemas.openxmlformats.org/markup-compatibility/2006" xmlns:p14="http://schemas.microsoft.com/office/powerpoint/2010/main">
-    <mc:Choice Requires="p14">
-      <p:transition p14:dur="0"/>
-    </mc:Choice>
-    <mc:Fallback xmlns="">
-      <p:transition/>
-    </mc:Fallback>
-  </mc:AlternateContent>
-  <p:timing>
-    <p:tnLst>
-      <p:par>
-        <p:cTn id="1" dur="indefinite" restart="never" nodeType="tmRoot"/>
-      </p:par>
-    </p:tnLst>
-  </p:timing>
-</p:sld>
-</file>
-
 <file path=ppt/slides/slide29.xml><?xml version="1.0" encoding="utf-8"?>
 <p:sld xmlns:a="http://schemas.openxmlformats.org/drawingml/2006/main" xmlns:r="http://schemas.openxmlformats.org/officeDocument/2006/relationships" xmlns:p="http://schemas.openxmlformats.org/presentationml/2006/main">
   <p:cSld>
@@ -36196,12 +36139,36 @@
               </a:buClr>
             </a:pPr>
             <a:r>
+              <a:rPr lang="zh-CN" altLang="en-US" sz="2000" b="1" dirty="0" smtClean="0">
+                <a:latin typeface="微软雅黑" panose="020B0503020204020204" pitchFamily="34" charset="-122"/>
+                <a:ea typeface="微软雅黑" panose="020B0503020204020204" pitchFamily="34" charset="-122"/>
+                <a:cs typeface="Times New Roman" panose="02020603050405020304" pitchFamily="18" charset="0"/>
+              </a:rPr>
+              <a:t>（</a:t>
+            </a:r>
+            <a:r>
               <a:rPr lang="zh-CN" altLang="en-US" sz="2000" b="1" dirty="0">
                 <a:latin typeface="微软雅黑" panose="020B0503020204020204" pitchFamily="34" charset="-122"/>
                 <a:ea typeface="微软雅黑" panose="020B0503020204020204" pitchFamily="34" charset="-122"/>
                 <a:cs typeface="Times New Roman" panose="02020603050405020304" pitchFamily="18" charset="0"/>
               </a:rPr>
-              <a:t>（二）主要结论</a:t>
+              <a:t>一</a:t>
+            </a:r>
+            <a:r>
+              <a:rPr lang="zh-CN" altLang="en-US" sz="2000" b="1" dirty="0" smtClean="0">
+                <a:latin typeface="微软雅黑" panose="020B0503020204020204" pitchFamily="34" charset="-122"/>
+                <a:ea typeface="微软雅黑" panose="020B0503020204020204" pitchFamily="34" charset="-122"/>
+                <a:cs typeface="Times New Roman" panose="02020603050405020304" pitchFamily="18" charset="0"/>
+              </a:rPr>
+              <a:t>）</a:t>
+            </a:r>
+            <a:r>
+              <a:rPr lang="zh-CN" altLang="en-US" sz="2000" b="1" dirty="0">
+                <a:latin typeface="微软雅黑" panose="020B0503020204020204" pitchFamily="34" charset="-122"/>
+                <a:ea typeface="微软雅黑" panose="020B0503020204020204" pitchFamily="34" charset="-122"/>
+                <a:cs typeface="Times New Roman" panose="02020603050405020304" pitchFamily="18" charset="0"/>
+              </a:rPr>
+              <a:t>主要结论</a:t>
             </a:r>
             <a:endParaRPr lang="en-US" altLang="zh-CN" sz="2000" b="1" dirty="0">
               <a:latin typeface="微软雅黑" panose="020B0503020204020204" pitchFamily="34" charset="-122"/>
@@ -36244,14 +36211,35 @@
                 <a:latin typeface="华文楷体" panose="02010600040101010101" pitchFamily="2" charset="-122"/>
                 <a:ea typeface="华文楷体" panose="02010600040101010101" pitchFamily="2" charset="-122"/>
               </a:rPr>
-              <a:t>粮食单产与规模的关系。</a:t>
+              <a:t>粮食</a:t>
+            </a:r>
+            <a:r>
+              <a:rPr lang="zh-CN" altLang="en-US" sz="2000" b="1" dirty="0" smtClean="0">
+                <a:latin typeface="华文楷体" panose="02010600040101010101" pitchFamily="2" charset="-122"/>
+                <a:ea typeface="华文楷体" panose="02010600040101010101" pitchFamily="2" charset="-122"/>
+              </a:rPr>
+              <a:t>单产变化特征及原因。</a:t>
             </a:r>
             <a:r>
               <a:rPr lang="zh-CN" altLang="en-US" sz="2000" dirty="0">
                 <a:latin typeface="华文楷体" panose="02010600040101010101" pitchFamily="2" charset="-122"/>
                 <a:ea typeface="华文楷体" panose="02010600040101010101" pitchFamily="2" charset="-122"/>
               </a:rPr>
-              <a:t>两熟区冬小麦和水稻单产与规模呈显著负向关系，一熟和两熟区夏玉米单产与规模呈现不显著与正向关系。总的来说，单产如何变化受农作物本身特性和要素可分性的影响很大，所以对于玉米这种相对适宜粗放式种植方式，以及机械不可分的农作物来说，单产随着规模扩大而上升。</a:t>
+              <a:t>两熟区冬小麦和水稻单产与规模呈显著负向关系，一熟和两熟</a:t>
+            </a:r>
+            <a:r>
+              <a:rPr lang="zh-CN" altLang="en-US" sz="2000" dirty="0" smtClean="0">
+                <a:latin typeface="华文楷体" panose="02010600040101010101" pitchFamily="2" charset="-122"/>
+                <a:ea typeface="华文楷体" panose="02010600040101010101" pitchFamily="2" charset="-122"/>
+              </a:rPr>
+              <a:t>区玉米</a:t>
+            </a:r>
+            <a:r>
+              <a:rPr lang="zh-CN" altLang="en-US" sz="2000" dirty="0">
+                <a:latin typeface="华文楷体" panose="02010600040101010101" pitchFamily="2" charset="-122"/>
+                <a:ea typeface="华文楷体" panose="02010600040101010101" pitchFamily="2" charset="-122"/>
+              </a:rPr>
+              <a:t>单产与规模呈现不显著与正向关系。总的来说，单产如何变化受农作物本身特性和要素可分性的影响很大，所以对于玉米这种相对适宜粗放式种植方式，以及机械不可分的农作物来说，单产随着规模扩大而上升。</a:t>
             </a:r>
             <a:endParaRPr lang="en-US" altLang="zh-CN" sz="2000" dirty="0">
               <a:latin typeface="华文楷体" panose="02010600040101010101" pitchFamily="2" charset="-122"/>
@@ -36370,21 +36358,7 @@
                 <a:latin typeface="华文楷体" panose="02010600040101010101" pitchFamily="2" charset="-122"/>
                 <a:ea typeface="华文楷体" panose="02010600040101010101" pitchFamily="2" charset="-122"/>
               </a:rPr>
-              <a:t>各</a:t>
-            </a:r>
-            <a:r>
-              <a:rPr lang="zh-CN" altLang="en-US" sz="2000" b="1" dirty="0" smtClean="0">
-                <a:latin typeface="华文楷体" panose="02010600040101010101" pitchFamily="2" charset="-122"/>
-                <a:ea typeface="华文楷体" panose="02010600040101010101" pitchFamily="2" charset="-122"/>
-              </a:rPr>
-              <a:t>规模农户</a:t>
-            </a:r>
-            <a:r>
-              <a:rPr lang="zh-CN" altLang="en-US" sz="2000" b="1" dirty="0" smtClean="0">
-                <a:latin typeface="华文楷体" panose="02010600040101010101" pitchFamily="2" charset="-122"/>
-                <a:ea typeface="华文楷体" panose="02010600040101010101" pitchFamily="2" charset="-122"/>
-              </a:rPr>
-              <a:t>家庭禀赋的共性与特性。</a:t>
+              <a:t>各规模农户家庭禀赋的共性与特性。</a:t>
             </a:r>
             <a:r>
               <a:rPr lang="zh-CN" altLang="zh-CN" sz="2000" dirty="0" smtClean="0">
@@ -36498,7 +36472,7 @@
           <a:p>
             <a:r>
               <a:rPr lang="en-US" altLang="zh-CN" dirty="0" smtClean="0"/>
-              <a:t>19/21</a:t>
+              <a:t>19/22</a:t>
             </a:r>
             <a:endParaRPr lang="zh-CN" altLang="en-US" dirty="0"/>
           </a:p>
@@ -37451,12 +37425,20 @@
               </a:buClr>
             </a:pPr>
             <a:r>
+              <a:rPr lang="zh-CN" altLang="en-US" sz="2000" b="1" dirty="0" smtClean="0">
+                <a:latin typeface="微软雅黑" panose="020B0503020204020204" pitchFamily="34" charset="-122"/>
+                <a:ea typeface="微软雅黑" panose="020B0503020204020204" pitchFamily="34" charset="-122"/>
+                <a:cs typeface="Times New Roman" panose="02020603050405020304" pitchFamily="18" charset="0"/>
+              </a:rPr>
+              <a:t>（二）</a:t>
+            </a:r>
+            <a:r>
               <a:rPr lang="zh-CN" altLang="en-US" sz="2000" b="1" dirty="0">
                 <a:latin typeface="微软雅黑" panose="020B0503020204020204" pitchFamily="34" charset="-122"/>
                 <a:ea typeface="微软雅黑" panose="020B0503020204020204" pitchFamily="34" charset="-122"/>
                 <a:cs typeface="Times New Roman" panose="02020603050405020304" pitchFamily="18" charset="0"/>
               </a:rPr>
-              <a:t>（三）政策建议</a:t>
+              <a:t>政策建议</a:t>
             </a:r>
             <a:endParaRPr lang="en-US" altLang="zh-CN" sz="2000" b="1" dirty="0">
               <a:latin typeface="微软雅黑" panose="020B0503020204020204" pitchFamily="34" charset="-122"/>
@@ -37773,7 +37755,7 @@
           <a:p>
             <a:r>
               <a:rPr lang="en-US" altLang="zh-CN" dirty="0" smtClean="0"/>
-              <a:t>20/21</a:t>
+              <a:t>20/22</a:t>
             </a:r>
             <a:endParaRPr lang="zh-CN" altLang="en-US" dirty="0"/>
           </a:p>
@@ -37789,11 +37771,11 @@
   <p:clrMapOvr>
     <a:masterClrMapping/>
   </p:clrMapOvr>
-  <mc:AlternateContent xmlns:mc="http://schemas.openxmlformats.org/markup-compatibility/2006" xmlns:p14="http://schemas.microsoft.com/office/powerpoint/2010/main">
-    <mc:Choice Requires="p14">
-      <p:transition p14:dur="0"/>
+  <mc:AlternateContent xmlns:mc="http://schemas.openxmlformats.org/markup-compatibility/2006">
+    <mc:Choice xmlns:p14="http://schemas.microsoft.com/office/powerpoint/2010/main" Requires="p14">
+      <p:transition p14:dur="10"/>
     </mc:Choice>
-    <mc:Fallback xmlns="">
+    <mc:Fallback>
       <p:transition/>
     </mc:Fallback>
   </mc:AlternateContent>
@@ -38285,6 +38267,1025 @@
             <a:graphicFrameLocks noGrp="1"/>
           </p:cNvGraphicFramePr>
           <p:nvPr>
+            <p:extLst>
+              <p:ext uri="{D42A27DB-BD31-4B8C-83A1-F6EECF244321}">
+                <p14:modId xmlns:p14="http://schemas.microsoft.com/office/powerpoint/2010/main" val="1808155824"/>
+              </p:ext>
+            </p:extLst>
+          </p:nvPr>
+        </p:nvGraphicFramePr>
+        <p:xfrm>
+          <a:off x="0" y="199598"/>
+          <a:ext cx="9144000" cy="458243"/>
+        </p:xfrm>
+        <a:graphic>
+          <a:graphicData uri="http://schemas.openxmlformats.org/drawingml/2006/table">
+            <a:tbl>
+              <a:tblPr firstRow="1" bandRow="1">
+                <a:tableStyleId>{5C22544A-7EE6-4342-B048-85BDC9FD1C3A}</a:tableStyleId>
+              </a:tblPr>
+              <a:tblGrid>
+                <a:gridCol w="1331089">
+                  <a:extLst>
+                    <a:ext uri="{9D8B030D-6E8A-4147-A177-3AD203B41FA5}">
+                      <a16:colId xmlns:a16="http://schemas.microsoft.com/office/drawing/2014/main" val="2316111577"/>
+                    </a:ext>
+                  </a:extLst>
+                </a:gridCol>
+                <a:gridCol w="1099595">
+                  <a:extLst>
+                    <a:ext uri="{9D8B030D-6E8A-4147-A177-3AD203B41FA5}">
+                      <a16:colId xmlns:a16="http://schemas.microsoft.com/office/drawing/2014/main" val="204147406"/>
+                    </a:ext>
+                  </a:extLst>
+                </a:gridCol>
+                <a:gridCol w="2152891">
+                  <a:extLst>
+                    <a:ext uri="{9D8B030D-6E8A-4147-A177-3AD203B41FA5}">
+                      <a16:colId xmlns:a16="http://schemas.microsoft.com/office/drawing/2014/main" val="2603586595"/>
+                    </a:ext>
+                  </a:extLst>
+                </a:gridCol>
+                <a:gridCol w="1759974">
+                  <a:extLst>
+                    <a:ext uri="{9D8B030D-6E8A-4147-A177-3AD203B41FA5}">
+                      <a16:colId xmlns:a16="http://schemas.microsoft.com/office/drawing/2014/main" val="2745346112"/>
+                    </a:ext>
+                  </a:extLst>
+                </a:gridCol>
+                <a:gridCol w="1356909">
+                  <a:extLst>
+                    <a:ext uri="{9D8B030D-6E8A-4147-A177-3AD203B41FA5}">
+                      <a16:colId xmlns:a16="http://schemas.microsoft.com/office/drawing/2014/main" val="2906165216"/>
+                    </a:ext>
+                  </a:extLst>
+                </a:gridCol>
+                <a:gridCol w="1443542">
+                  <a:extLst>
+                    <a:ext uri="{9D8B030D-6E8A-4147-A177-3AD203B41FA5}">
+                      <a16:colId xmlns:a16="http://schemas.microsoft.com/office/drawing/2014/main" val="2785191733"/>
+                    </a:ext>
+                  </a:extLst>
+                </a:gridCol>
+              </a:tblGrid>
+              <a:tr h="458243">
+                <a:tc>
+                  <a:txBody>
+                    <a:bodyPr/>
+                    <a:lstStyle/>
+                    <a:p>
+                      <a:pPr algn="ctr"/>
+                      <a:r>
+                        <a:rPr lang="zh-CN" altLang="en-US" sz="1700" dirty="0" smtClean="0">
+                          <a:solidFill>
+                            <a:schemeClr val="bg1">
+                              <a:lumMod val="75000"/>
+                            </a:schemeClr>
+                          </a:solidFill>
+                        </a:rPr>
+                        <a:t>问题的提出</a:t>
+                      </a:r>
+                      <a:endParaRPr lang="zh-CN" altLang="en-US" sz="1700" dirty="0">
+                        <a:solidFill>
+                          <a:schemeClr val="bg1">
+                            <a:lumMod val="75000"/>
+                          </a:schemeClr>
+                        </a:solidFill>
+                      </a:endParaRPr>
+                    </a:p>
+                  </a:txBody>
+                  <a:tcPr anchor="ctr">
+                    <a:lnL w="12700" cmpd="sng">
+                      <a:noFill/>
+                    </a:lnL>
+                    <a:lnR w="12700" cmpd="sng">
+                      <a:noFill/>
+                    </a:lnR>
+                    <a:lnT w="12700" cmpd="sng">
+                      <a:noFill/>
+                    </a:lnT>
+                    <a:lnB w="38100" cmpd="sng">
+                      <a:noFill/>
+                    </a:lnB>
+                    <a:lnTlToBr w="12700" cmpd="sng">
+                      <a:noFill/>
+                      <a:prstDash val="solid"/>
+                    </a:lnTlToBr>
+                    <a:lnBlToTr w="12700" cmpd="sng">
+                      <a:noFill/>
+                      <a:prstDash val="solid"/>
+                    </a:lnBlToTr>
+                  </a:tcPr>
+                </a:tc>
+                <a:tc>
+                  <a:txBody>
+                    <a:bodyPr/>
+                    <a:lstStyle/>
+                    <a:p>
+                      <a:pPr algn="ctr"/>
+                      <a:r>
+                        <a:rPr lang="zh-CN" altLang="en-US" sz="1700" dirty="0" smtClean="0">
+                          <a:solidFill>
+                            <a:schemeClr val="bg1">
+                              <a:lumMod val="75000"/>
+                            </a:schemeClr>
+                          </a:solidFill>
+                        </a:rPr>
+                        <a:t>文献评述</a:t>
+                      </a:r>
+                      <a:endParaRPr lang="zh-CN" altLang="en-US" sz="1700" dirty="0">
+                        <a:solidFill>
+                          <a:schemeClr val="bg1">
+                            <a:lumMod val="75000"/>
+                          </a:schemeClr>
+                        </a:solidFill>
+                      </a:endParaRPr>
+                    </a:p>
+                  </a:txBody>
+                  <a:tcPr anchor="ctr">
+                    <a:lnL w="12700" cmpd="sng">
+                      <a:noFill/>
+                    </a:lnL>
+                    <a:lnR w="12700" cmpd="sng">
+                      <a:noFill/>
+                    </a:lnR>
+                    <a:lnT w="12700" cmpd="sng">
+                      <a:noFill/>
+                    </a:lnT>
+                    <a:lnB w="38100" cmpd="sng">
+                      <a:noFill/>
+                    </a:lnB>
+                    <a:lnTlToBr w="12700" cmpd="sng">
+                      <a:noFill/>
+                      <a:prstDash val="solid"/>
+                    </a:lnTlToBr>
+                    <a:lnBlToTr w="12700" cmpd="sng">
+                      <a:noFill/>
+                      <a:prstDash val="solid"/>
+                    </a:lnBlToTr>
+                  </a:tcPr>
+                </a:tc>
+                <a:tc>
+                  <a:txBody>
+                    <a:bodyPr/>
+                    <a:lstStyle/>
+                    <a:p>
+                      <a:pPr algn="ctr"/>
+                      <a:r>
+                        <a:rPr lang="zh-CN" altLang="en-US" sz="1700" dirty="0" smtClean="0">
+                          <a:solidFill>
+                            <a:schemeClr val="bg1">
+                              <a:lumMod val="75000"/>
+                            </a:schemeClr>
+                          </a:solidFill>
+                        </a:rPr>
+                        <a:t>研究目标与技术路线</a:t>
+                      </a:r>
+                      <a:endParaRPr lang="zh-CN" altLang="en-US" sz="1700" dirty="0">
+                        <a:solidFill>
+                          <a:schemeClr val="bg1">
+                            <a:lumMod val="75000"/>
+                          </a:schemeClr>
+                        </a:solidFill>
+                      </a:endParaRPr>
+                    </a:p>
+                  </a:txBody>
+                  <a:tcPr anchor="ctr">
+                    <a:lnL w="12700" cmpd="sng">
+                      <a:noFill/>
+                    </a:lnL>
+                    <a:lnR w="12700" cmpd="sng">
+                      <a:noFill/>
+                    </a:lnR>
+                    <a:lnT w="12700" cmpd="sng">
+                      <a:noFill/>
+                    </a:lnT>
+                    <a:lnB w="38100" cmpd="sng">
+                      <a:noFill/>
+                    </a:lnB>
+                    <a:lnTlToBr w="12700" cmpd="sng">
+                      <a:noFill/>
+                      <a:prstDash val="solid"/>
+                    </a:lnTlToBr>
+                    <a:lnBlToTr w="12700" cmpd="sng">
+                      <a:noFill/>
+                      <a:prstDash val="solid"/>
+                    </a:lnBlToTr>
+                  </a:tcPr>
+                </a:tc>
+                <a:tc>
+                  <a:txBody>
+                    <a:bodyPr/>
+                    <a:lstStyle/>
+                    <a:p>
+                      <a:pPr algn="ctr"/>
+                      <a:r>
+                        <a:rPr lang="zh-CN" altLang="en-US" sz="1700" dirty="0" smtClean="0">
+                          <a:solidFill>
+                            <a:schemeClr val="bg1">
+                              <a:lumMod val="75000"/>
+                            </a:schemeClr>
+                          </a:solidFill>
+                        </a:rPr>
+                        <a:t>研究内容与结果</a:t>
+                      </a:r>
+                      <a:endParaRPr lang="zh-CN" altLang="en-US" sz="1700" dirty="0">
+                        <a:solidFill>
+                          <a:schemeClr val="bg1">
+                            <a:lumMod val="75000"/>
+                          </a:schemeClr>
+                        </a:solidFill>
+                      </a:endParaRPr>
+                    </a:p>
+                  </a:txBody>
+                  <a:tcPr anchor="ctr">
+                    <a:lnL w="12700" cmpd="sng">
+                      <a:noFill/>
+                    </a:lnL>
+                    <a:lnR w="12700" cmpd="sng">
+                      <a:noFill/>
+                    </a:lnR>
+                    <a:lnT w="12700" cmpd="sng">
+                      <a:noFill/>
+                    </a:lnT>
+                    <a:lnB w="38100" cmpd="sng">
+                      <a:noFill/>
+                    </a:lnB>
+                    <a:lnTlToBr w="12700" cmpd="sng">
+                      <a:noFill/>
+                      <a:prstDash val="solid"/>
+                    </a:lnTlToBr>
+                    <a:lnBlToTr w="12700" cmpd="sng">
+                      <a:noFill/>
+                      <a:prstDash val="solid"/>
+                    </a:lnBlToTr>
+                  </a:tcPr>
+                </a:tc>
+                <a:tc>
+                  <a:txBody>
+                    <a:bodyPr/>
+                    <a:lstStyle/>
+                    <a:p>
+                      <a:pPr algn="ctr"/>
+                      <a:r>
+                        <a:rPr lang="zh-CN" altLang="en-US" sz="1700" dirty="0" smtClean="0">
+                          <a:solidFill>
+                            <a:schemeClr val="bg1">
+                              <a:lumMod val="75000"/>
+                            </a:schemeClr>
+                          </a:solidFill>
+                        </a:rPr>
+                        <a:t>结论与建议</a:t>
+                      </a:r>
+                      <a:endParaRPr lang="zh-CN" altLang="en-US" sz="1700" dirty="0">
+                        <a:solidFill>
+                          <a:schemeClr val="bg1">
+                            <a:lumMod val="75000"/>
+                          </a:schemeClr>
+                        </a:solidFill>
+                      </a:endParaRPr>
+                    </a:p>
+                  </a:txBody>
+                  <a:tcPr anchor="ctr">
+                    <a:lnL w="12700" cmpd="sng">
+                      <a:noFill/>
+                    </a:lnL>
+                    <a:lnR w="12700" cmpd="sng">
+                      <a:noFill/>
+                    </a:lnR>
+                    <a:lnT w="12700" cmpd="sng">
+                      <a:noFill/>
+                    </a:lnT>
+                    <a:lnB w="38100" cmpd="sng">
+                      <a:noFill/>
+                    </a:lnB>
+                    <a:lnTlToBr w="12700" cmpd="sng">
+                      <a:noFill/>
+                      <a:prstDash val="solid"/>
+                    </a:lnTlToBr>
+                    <a:lnBlToTr w="12700" cmpd="sng">
+                      <a:noFill/>
+                      <a:prstDash val="solid"/>
+                    </a:lnBlToTr>
+                  </a:tcPr>
+                </a:tc>
+                <a:tc>
+                  <a:txBody>
+                    <a:bodyPr/>
+                    <a:lstStyle/>
+                    <a:p>
+                      <a:pPr algn="ctr"/>
+                      <a:r>
+                        <a:rPr lang="zh-CN" altLang="en-US" sz="1800" dirty="0" smtClean="0">
+                          <a:solidFill>
+                            <a:schemeClr val="bg1"/>
+                          </a:solidFill>
+                        </a:rPr>
+                        <a:t>创新与不足</a:t>
+                      </a:r>
+                      <a:endParaRPr lang="zh-CN" altLang="en-US" sz="1800" dirty="0">
+                        <a:solidFill>
+                          <a:schemeClr val="bg1"/>
+                        </a:solidFill>
+                      </a:endParaRPr>
+                    </a:p>
+                  </a:txBody>
+                  <a:tcPr anchor="ctr">
+                    <a:lnL w="12700" cmpd="sng">
+                      <a:noFill/>
+                    </a:lnL>
+                    <a:lnR w="12700" cmpd="sng">
+                      <a:noFill/>
+                    </a:lnR>
+                    <a:lnT w="12700" cmpd="sng">
+                      <a:noFill/>
+                    </a:lnT>
+                    <a:lnB w="38100" cmpd="sng">
+                      <a:noFill/>
+                    </a:lnB>
+                    <a:lnTlToBr w="12700" cmpd="sng">
+                      <a:noFill/>
+                      <a:prstDash val="solid"/>
+                    </a:lnTlToBr>
+                    <a:lnBlToTr w="12700" cmpd="sng">
+                      <a:noFill/>
+                      <a:prstDash val="solid"/>
+                    </a:lnBlToTr>
+                  </a:tcPr>
+                </a:tc>
+                <a:extLst>
+                  <a:ext uri="{0D108BD9-81ED-4DB2-BD59-A6C34878D82A}">
+                    <a16:rowId xmlns:a16="http://schemas.microsoft.com/office/drawing/2014/main" val="3362077269"/>
+                  </a:ext>
+                </a:extLst>
+              </a:tr>
+            </a:tbl>
+          </a:graphicData>
+        </a:graphic>
+      </p:graphicFrame>
+      <p:sp>
+        <p:nvSpPr>
+          <p:cNvPr id="11" name="流程图: 合并 10"/>
+          <p:cNvSpPr/>
+          <p:nvPr/>
+        </p:nvSpPr>
+        <p:spPr>
+          <a:xfrm>
+            <a:off x="8258055" y="757126"/>
+            <a:ext cx="380588" cy="176777"/>
+          </a:xfrm>
+          <a:prstGeom prst="flowChartMerge">
+            <a:avLst/>
+          </a:prstGeom>
+          <a:ln>
+            <a:noFill/>
+          </a:ln>
+        </p:spPr>
+        <p:style>
+          <a:lnRef idx="2">
+            <a:schemeClr val="accent1">
+              <a:shade val="50000"/>
+            </a:schemeClr>
+          </a:lnRef>
+          <a:fillRef idx="1">
+            <a:schemeClr val="accent1"/>
+          </a:fillRef>
+          <a:effectRef idx="0">
+            <a:schemeClr val="accent1"/>
+          </a:effectRef>
+          <a:fontRef idx="minor">
+            <a:schemeClr val="lt1"/>
+          </a:fontRef>
+        </p:style>
+        <p:txBody>
+          <a:bodyPr rtlCol="0" anchor="ctr"/>
+          <a:lstStyle/>
+          <a:p>
+            <a:pPr algn="ctr"/>
+            <a:endParaRPr lang="zh-CN" altLang="en-US"/>
+          </a:p>
+        </p:txBody>
+      </p:sp>
+      <p:sp>
+        <p:nvSpPr>
+          <p:cNvPr id="7" name="矩形 6"/>
+          <p:cNvSpPr/>
+          <p:nvPr/>
+        </p:nvSpPr>
+        <p:spPr>
+          <a:xfrm>
+            <a:off x="92596" y="1048409"/>
+            <a:ext cx="9051403" cy="5709255"/>
+          </a:xfrm>
+          <a:prstGeom prst="rect">
+            <a:avLst/>
+          </a:prstGeom>
+        </p:spPr>
+        <p:txBody>
+          <a:bodyPr wrap="square">
+            <a:spAutoFit/>
+          </a:bodyPr>
+          <a:lstStyle/>
+          <a:p>
+            <a:pPr algn="just">
+              <a:spcBef>
+                <a:spcPts val="1200"/>
+              </a:spcBef>
+              <a:spcAft>
+                <a:spcPts val="1200"/>
+              </a:spcAft>
+              <a:buClr>
+                <a:srgbClr val="071F65"/>
+              </a:buClr>
+            </a:pPr>
+            <a:r>
+              <a:rPr lang="zh-CN" altLang="en-US" sz="2000" b="1" dirty="0">
+                <a:latin typeface="微软雅黑" panose="020B0503020204020204" pitchFamily="34" charset="-122"/>
+                <a:ea typeface="微软雅黑" panose="020B0503020204020204" pitchFamily="34" charset="-122"/>
+                <a:cs typeface="Times New Roman" panose="02020603050405020304" pitchFamily="18" charset="0"/>
+              </a:rPr>
+              <a:t>（一）研究的创新</a:t>
+            </a:r>
+            <a:endParaRPr lang="en-US" altLang="zh-CN" sz="2000" b="1" dirty="0">
+              <a:latin typeface="微软雅黑" panose="020B0503020204020204" pitchFamily="34" charset="-122"/>
+              <a:ea typeface="微软雅黑" panose="020B0503020204020204" pitchFamily="34" charset="-122"/>
+              <a:cs typeface="Times New Roman" panose="02020603050405020304" pitchFamily="18" charset="0"/>
+            </a:endParaRPr>
+          </a:p>
+          <a:p>
+            <a:pPr algn="just">
+              <a:spcBef>
+                <a:spcPts val="600"/>
+              </a:spcBef>
+              <a:spcAft>
+                <a:spcPts val="600"/>
+              </a:spcAft>
+              <a:buClr>
+                <a:srgbClr val="071F65"/>
+              </a:buClr>
+            </a:pPr>
+            <a:r>
+              <a:rPr lang="zh-CN" altLang="en-US" sz="2000" dirty="0">
+                <a:latin typeface="华文楷体" panose="02010600040101010101" pitchFamily="2" charset="-122"/>
+                <a:ea typeface="华文楷体" panose="02010600040101010101" pitchFamily="2" charset="-122"/>
+                <a:cs typeface="Times New Roman" panose="02020603050405020304" pitchFamily="18" charset="0"/>
+              </a:rPr>
+              <a:t>（</a:t>
+            </a:r>
+            <a:r>
+              <a:rPr lang="en-US" altLang="zh-CN" sz="2000" dirty="0">
+                <a:latin typeface="华文楷体" panose="02010600040101010101" pitchFamily="2" charset="-122"/>
+                <a:ea typeface="华文楷体" panose="02010600040101010101" pitchFamily="2" charset="-122"/>
+                <a:cs typeface="Times New Roman" panose="02020603050405020304" pitchFamily="18" charset="0"/>
+              </a:rPr>
+              <a:t>1</a:t>
+            </a:r>
+            <a:r>
+              <a:rPr lang="zh-CN" altLang="en-US" sz="2000" dirty="0" smtClean="0">
+                <a:latin typeface="华文楷体" panose="02010600040101010101" pitchFamily="2" charset="-122"/>
+                <a:ea typeface="华文楷体" panose="02010600040101010101" pitchFamily="2" charset="-122"/>
+                <a:cs typeface="Times New Roman" panose="02020603050405020304" pitchFamily="18" charset="0"/>
+              </a:rPr>
+              <a:t>）前人</a:t>
+            </a:r>
+            <a:r>
+              <a:rPr lang="zh-CN" altLang="en-US" sz="2000" dirty="0">
+                <a:latin typeface="华文楷体" panose="02010600040101010101" pitchFamily="2" charset="-122"/>
+                <a:ea typeface="华文楷体" panose="02010600040101010101" pitchFamily="2" charset="-122"/>
+                <a:cs typeface="Times New Roman" panose="02020603050405020304" pitchFamily="18" charset="0"/>
+              </a:rPr>
+              <a:t>对粮食作物土地生产率与种植规模之间关系的研究都是针对整个产品，本文对根据我国的种植制度选择主产区域，对小麦、玉米和水稻三种粮食作物进行了实证研究，研究对象覆盖面广。中国幅员辽阔，气候差异大，农业种植在不同区域有着各有特色。论文从种植制度的视角出发</a:t>
+            </a:r>
+            <a:r>
+              <a:rPr lang="zh-CN" altLang="en-US" sz="2000" dirty="0" smtClean="0">
+                <a:latin typeface="华文楷体" panose="02010600040101010101" pitchFamily="2" charset="-122"/>
+                <a:ea typeface="华文楷体" panose="02010600040101010101" pitchFamily="2" charset="-122"/>
+                <a:cs typeface="Times New Roman" panose="02020603050405020304" pitchFamily="18" charset="0"/>
+              </a:rPr>
+              <a:t>，也</a:t>
+            </a:r>
+            <a:r>
+              <a:rPr lang="zh-CN" altLang="en-US" sz="2000" dirty="0">
+                <a:latin typeface="华文楷体" panose="02010600040101010101" pitchFamily="2" charset="-122"/>
+                <a:ea typeface="华文楷体" panose="02010600040101010101" pitchFamily="2" charset="-122"/>
+                <a:cs typeface="Times New Roman" panose="02020603050405020304" pitchFamily="18" charset="0"/>
+              </a:rPr>
+              <a:t>可以从源头上消除种植制度和种植结构对分析造成的影响</a:t>
+            </a:r>
+            <a:r>
+              <a:rPr lang="zh-CN" altLang="en-US" sz="2000" dirty="0" smtClean="0">
+                <a:latin typeface="华文楷体" panose="02010600040101010101" pitchFamily="2" charset="-122"/>
+                <a:ea typeface="华文楷体" panose="02010600040101010101" pitchFamily="2" charset="-122"/>
+                <a:cs typeface="Times New Roman" panose="02020603050405020304" pitchFamily="18" charset="0"/>
+              </a:rPr>
+              <a:t>。</a:t>
+            </a:r>
+            <a:endParaRPr lang="en-US" altLang="zh-CN" sz="2000" dirty="0" smtClean="0">
+              <a:latin typeface="华文楷体" panose="02010600040101010101" pitchFamily="2" charset="-122"/>
+              <a:ea typeface="华文楷体" panose="02010600040101010101" pitchFamily="2" charset="-122"/>
+              <a:cs typeface="Times New Roman" panose="02020603050405020304" pitchFamily="18" charset="0"/>
+            </a:endParaRPr>
+          </a:p>
+          <a:p>
+            <a:pPr algn="just">
+              <a:spcBef>
+                <a:spcPts val="600"/>
+              </a:spcBef>
+              <a:spcAft>
+                <a:spcPts val="600"/>
+              </a:spcAft>
+              <a:buClr>
+                <a:srgbClr val="071F65"/>
+              </a:buClr>
+            </a:pPr>
+            <a:r>
+              <a:rPr lang="zh-CN" altLang="en-US" sz="2000" dirty="0">
+                <a:latin typeface="华文楷体" panose="02010600040101010101" pitchFamily="2" charset="-122"/>
+                <a:ea typeface="华文楷体" panose="02010600040101010101" pitchFamily="2" charset="-122"/>
+                <a:cs typeface="Times New Roman" panose="02020603050405020304" pitchFamily="18" charset="0"/>
+              </a:rPr>
+              <a:t>（</a:t>
+            </a:r>
+            <a:r>
+              <a:rPr lang="en-US" altLang="zh-CN" sz="2000" dirty="0">
+                <a:latin typeface="华文楷体" panose="02010600040101010101" pitchFamily="2" charset="-122"/>
+                <a:ea typeface="华文楷体" panose="02010600040101010101" pitchFamily="2" charset="-122"/>
+                <a:cs typeface="Times New Roman" panose="02020603050405020304" pitchFamily="18" charset="0"/>
+              </a:rPr>
+              <a:t>2</a:t>
+            </a:r>
+            <a:r>
+              <a:rPr lang="zh-CN" altLang="en-US" sz="2000" dirty="0">
+                <a:latin typeface="华文楷体" panose="02010600040101010101" pitchFamily="2" charset="-122"/>
+                <a:ea typeface="华文楷体" panose="02010600040101010101" pitchFamily="2" charset="-122"/>
+                <a:cs typeface="Times New Roman" panose="02020603050405020304" pitchFamily="18" charset="0"/>
+              </a:rPr>
+              <a:t>）本文尝试构建更为灵活的实证</a:t>
+            </a:r>
+            <a:r>
+              <a:rPr lang="zh-CN" altLang="en-US" sz="2000" dirty="0" smtClean="0">
+                <a:latin typeface="华文楷体" panose="02010600040101010101" pitchFamily="2" charset="-122"/>
+                <a:ea typeface="华文楷体" panose="02010600040101010101" pitchFamily="2" charset="-122"/>
+                <a:cs typeface="Times New Roman" panose="02020603050405020304" pitchFamily="18" charset="0"/>
+              </a:rPr>
+              <a:t>模型。在</a:t>
+            </a:r>
+            <a:r>
+              <a:rPr lang="zh-CN" altLang="en-US" sz="2000" dirty="0">
+                <a:latin typeface="华文楷体" panose="02010600040101010101" pitchFamily="2" charset="-122"/>
+                <a:ea typeface="华文楷体" panose="02010600040101010101" pitchFamily="2" charset="-122"/>
+                <a:cs typeface="Times New Roman" panose="02020603050405020304" pitchFamily="18" charset="0"/>
+              </a:rPr>
+              <a:t>超越对数生产函数的基础上，引入规模变量的对数</a:t>
+            </a:r>
+            <a:r>
+              <a:rPr lang="en-US" altLang="zh-CN" sz="2000" dirty="0">
+                <a:latin typeface="华文楷体" panose="02010600040101010101" pitchFamily="2" charset="-122"/>
+                <a:ea typeface="华文楷体" panose="02010600040101010101" pitchFamily="2" charset="-122"/>
+                <a:cs typeface="Times New Roman" panose="02020603050405020304" pitchFamily="18" charset="0"/>
+              </a:rPr>
+              <a:t>-</a:t>
+            </a:r>
+            <a:r>
+              <a:rPr lang="zh-CN" altLang="en-US" sz="2000" dirty="0">
+                <a:latin typeface="华文楷体" panose="02010600040101010101" pitchFamily="2" charset="-122"/>
+                <a:ea typeface="华文楷体" panose="02010600040101010101" pitchFamily="2" charset="-122"/>
+                <a:cs typeface="Times New Roman" panose="02020603050405020304" pitchFamily="18" charset="0"/>
+              </a:rPr>
+              <a:t>线性组合。对数</a:t>
+            </a:r>
+            <a:r>
+              <a:rPr lang="en-US" altLang="zh-CN" sz="2000" dirty="0">
+                <a:latin typeface="华文楷体" panose="02010600040101010101" pitchFamily="2" charset="-122"/>
+                <a:ea typeface="华文楷体" panose="02010600040101010101" pitchFamily="2" charset="-122"/>
+                <a:cs typeface="Times New Roman" panose="02020603050405020304" pitchFamily="18" charset="0"/>
+              </a:rPr>
+              <a:t>-</a:t>
+            </a:r>
+            <a:r>
+              <a:rPr lang="zh-CN" altLang="en-US" sz="2000" dirty="0">
+                <a:latin typeface="华文楷体" panose="02010600040101010101" pitchFamily="2" charset="-122"/>
+                <a:ea typeface="华文楷体" panose="02010600040101010101" pitchFamily="2" charset="-122"/>
+                <a:cs typeface="Times New Roman" panose="02020603050405020304" pitchFamily="18" charset="0"/>
+              </a:rPr>
+              <a:t>线性组合能够避免常用的二次函数的对称性约束，拟合出单产与规模的非线性非对称</a:t>
+            </a:r>
+            <a:r>
+              <a:rPr lang="zh-CN" altLang="en-US" sz="2000" dirty="0" smtClean="0">
+                <a:latin typeface="华文楷体" panose="02010600040101010101" pitchFamily="2" charset="-122"/>
+                <a:ea typeface="华文楷体" panose="02010600040101010101" pitchFamily="2" charset="-122"/>
+                <a:cs typeface="Times New Roman" panose="02020603050405020304" pitchFamily="18" charset="0"/>
+              </a:rPr>
+              <a:t>关系。</a:t>
+            </a:r>
+            <a:endParaRPr lang="zh-CN" altLang="en-US" sz="2000" dirty="0">
+              <a:latin typeface="华文楷体" panose="02010600040101010101" pitchFamily="2" charset="-122"/>
+              <a:ea typeface="华文楷体" panose="02010600040101010101" pitchFamily="2" charset="-122"/>
+              <a:cs typeface="Times New Roman" panose="02020603050405020304" pitchFamily="18" charset="0"/>
+            </a:endParaRPr>
+          </a:p>
+          <a:p>
+            <a:pPr algn="just">
+              <a:spcBef>
+                <a:spcPts val="1200"/>
+              </a:spcBef>
+              <a:spcAft>
+                <a:spcPts val="1200"/>
+              </a:spcAft>
+              <a:buClr>
+                <a:srgbClr val="071F65"/>
+              </a:buClr>
+            </a:pPr>
+            <a:r>
+              <a:rPr lang="zh-CN" altLang="en-US" sz="2000" b="1" dirty="0" smtClean="0">
+                <a:latin typeface="+mn-ea"/>
+                <a:cs typeface="Times New Roman" panose="02020603050405020304" pitchFamily="18" charset="0"/>
+              </a:rPr>
+              <a:t>（二）研究的不足</a:t>
+            </a:r>
+            <a:endParaRPr lang="en-US" altLang="zh-CN" sz="2000" b="1" dirty="0" smtClean="0">
+              <a:latin typeface="+mn-ea"/>
+              <a:cs typeface="Times New Roman" panose="02020603050405020304" pitchFamily="18" charset="0"/>
+            </a:endParaRPr>
+          </a:p>
+          <a:p>
+            <a:pPr algn="just">
+              <a:spcBef>
+                <a:spcPts val="600"/>
+              </a:spcBef>
+              <a:spcAft>
+                <a:spcPts val="600"/>
+              </a:spcAft>
+              <a:buClr>
+                <a:srgbClr val="071F65"/>
+              </a:buClr>
+            </a:pPr>
+            <a:r>
+              <a:rPr lang="zh-CN" altLang="en-US" sz="2000" dirty="0">
+                <a:latin typeface="华文楷体" panose="02010600040101010101" pitchFamily="2" charset="-122"/>
+                <a:ea typeface="华文楷体" panose="02010600040101010101" pitchFamily="2" charset="-122"/>
+                <a:cs typeface="Times New Roman" panose="02020603050405020304" pitchFamily="18" charset="0"/>
+              </a:rPr>
+              <a:t>（</a:t>
+            </a:r>
+            <a:r>
+              <a:rPr lang="en-US" altLang="zh-CN" sz="2000" dirty="0">
+                <a:latin typeface="华文楷体" panose="02010600040101010101" pitchFamily="2" charset="-122"/>
+                <a:ea typeface="华文楷体" panose="02010600040101010101" pitchFamily="2" charset="-122"/>
+                <a:cs typeface="Times New Roman" panose="02020603050405020304" pitchFamily="18" charset="0"/>
+              </a:rPr>
+              <a:t>1</a:t>
+            </a:r>
+            <a:r>
+              <a:rPr lang="zh-CN" altLang="en-US" sz="2000" dirty="0">
+                <a:latin typeface="华文楷体" panose="02010600040101010101" pitchFamily="2" charset="-122"/>
+                <a:ea typeface="华文楷体" panose="02010600040101010101" pitchFamily="2" charset="-122"/>
+                <a:cs typeface="Times New Roman" panose="02020603050405020304" pitchFamily="18" charset="0"/>
+              </a:rPr>
+              <a:t>）</a:t>
+            </a:r>
+            <a:r>
+              <a:rPr lang="zh-CN" altLang="en-US" sz="2000" dirty="0" smtClean="0">
+                <a:latin typeface="华文楷体" panose="02010600040101010101" pitchFamily="2" charset="-122"/>
+                <a:ea typeface="华文楷体" panose="02010600040101010101" pitchFamily="2" charset="-122"/>
+                <a:cs typeface="Times New Roman" panose="02020603050405020304" pitchFamily="18" charset="0"/>
+              </a:rPr>
+              <a:t>筛选水稻农户</a:t>
+            </a:r>
+            <a:r>
+              <a:rPr lang="zh-CN" altLang="en-US" sz="2000" dirty="0">
+                <a:latin typeface="华文楷体" panose="02010600040101010101" pitchFamily="2" charset="-122"/>
+                <a:ea typeface="华文楷体" panose="02010600040101010101" pitchFamily="2" charset="-122"/>
+                <a:cs typeface="Times New Roman" panose="02020603050405020304" pitchFamily="18" charset="0"/>
+              </a:rPr>
+              <a:t>样本时，</a:t>
+            </a:r>
+            <a:r>
+              <a:rPr lang="zh-CN" altLang="en-US" sz="2000" dirty="0" smtClean="0">
+                <a:latin typeface="华文楷体" panose="02010600040101010101" pitchFamily="2" charset="-122"/>
+                <a:ea typeface="华文楷体" panose="02010600040101010101" pitchFamily="2" charset="-122"/>
+                <a:cs typeface="Times New Roman" panose="02020603050405020304" pitchFamily="18" charset="0"/>
+              </a:rPr>
+              <a:t>由于不同熟区无法</a:t>
+            </a:r>
+            <a:r>
+              <a:rPr lang="zh-CN" altLang="en-US" sz="2000" dirty="0">
+                <a:latin typeface="华文楷体" panose="02010600040101010101" pitchFamily="2" charset="-122"/>
+                <a:ea typeface="华文楷体" panose="02010600040101010101" pitchFamily="2" charset="-122"/>
+                <a:cs typeface="Times New Roman" panose="02020603050405020304" pitchFamily="18" charset="0"/>
+              </a:rPr>
+              <a:t>进一步区分</a:t>
+            </a:r>
+            <a:r>
+              <a:rPr lang="zh-CN" altLang="en-US" sz="2000" dirty="0" smtClean="0">
+                <a:latin typeface="华文楷体" panose="02010600040101010101" pitchFamily="2" charset="-122"/>
+                <a:ea typeface="华文楷体" panose="02010600040101010101" pitchFamily="2" charset="-122"/>
+                <a:cs typeface="Times New Roman" panose="02020603050405020304" pitchFamily="18" charset="0"/>
+              </a:rPr>
+              <a:t>，只能</a:t>
+            </a:r>
+            <a:r>
+              <a:rPr lang="zh-CN" altLang="en-US" sz="2000" dirty="0">
+                <a:latin typeface="华文楷体" panose="02010600040101010101" pitchFamily="2" charset="-122"/>
+                <a:ea typeface="华文楷体" panose="02010600040101010101" pitchFamily="2" charset="-122"/>
+                <a:cs typeface="Times New Roman" panose="02020603050405020304" pitchFamily="18" charset="0"/>
+              </a:rPr>
+              <a:t>筛选</a:t>
+            </a:r>
+            <a:r>
+              <a:rPr lang="zh-CN" altLang="en-US" sz="2000" dirty="0" smtClean="0">
+                <a:latin typeface="华文楷体" panose="02010600040101010101" pitchFamily="2" charset="-122"/>
+                <a:ea typeface="华文楷体" panose="02010600040101010101" pitchFamily="2" charset="-122"/>
+                <a:cs typeface="Times New Roman" panose="02020603050405020304" pitchFamily="18" charset="0"/>
+              </a:rPr>
+              <a:t>出水稻主</a:t>
+            </a:r>
+            <a:r>
+              <a:rPr lang="zh-CN" altLang="en-US" sz="2000" dirty="0">
+                <a:latin typeface="华文楷体" panose="02010600040101010101" pitchFamily="2" charset="-122"/>
+                <a:ea typeface="华文楷体" panose="02010600040101010101" pitchFamily="2" charset="-122"/>
+                <a:cs typeface="Times New Roman" panose="02020603050405020304" pitchFamily="18" charset="0"/>
+              </a:rPr>
+              <a:t>产省份的农户数据进行研究。所以</a:t>
+            </a:r>
+            <a:r>
+              <a:rPr lang="zh-CN" altLang="en-US" sz="2000" dirty="0" smtClean="0">
+                <a:latin typeface="华文楷体" panose="02010600040101010101" pitchFamily="2" charset="-122"/>
+                <a:ea typeface="华文楷体" panose="02010600040101010101" pitchFamily="2" charset="-122"/>
+                <a:cs typeface="Times New Roman" panose="02020603050405020304" pitchFamily="18" charset="0"/>
+              </a:rPr>
+              <a:t>，研究</a:t>
+            </a:r>
+            <a:r>
+              <a:rPr lang="zh-CN" altLang="en-US" sz="2000" dirty="0">
+                <a:latin typeface="华文楷体" panose="02010600040101010101" pitchFamily="2" charset="-122"/>
+                <a:ea typeface="华文楷体" panose="02010600040101010101" pitchFamily="2" charset="-122"/>
+                <a:cs typeface="Times New Roman" panose="02020603050405020304" pitchFamily="18" charset="0"/>
+              </a:rPr>
+              <a:t>中</a:t>
+            </a:r>
+            <a:r>
+              <a:rPr lang="zh-CN" altLang="en-US" sz="2000" dirty="0" smtClean="0">
+                <a:latin typeface="华文楷体" panose="02010600040101010101" pitchFamily="2" charset="-122"/>
+                <a:ea typeface="华文楷体" panose="02010600040101010101" pitchFamily="2" charset="-122"/>
+                <a:cs typeface="Times New Roman" panose="02020603050405020304" pitchFamily="18" charset="0"/>
+              </a:rPr>
+              <a:t>关于水稻的</a:t>
+            </a:r>
+            <a:r>
+              <a:rPr lang="zh-CN" altLang="en-US" sz="2000" dirty="0">
+                <a:latin typeface="华文楷体" panose="02010600040101010101" pitchFamily="2" charset="-122"/>
+                <a:ea typeface="华文楷体" panose="02010600040101010101" pitchFamily="2" charset="-122"/>
+                <a:cs typeface="Times New Roman" panose="02020603050405020304" pitchFamily="18" charset="0"/>
+              </a:rPr>
+              <a:t>估计结果可能</a:t>
+            </a:r>
+            <a:r>
+              <a:rPr lang="zh-CN" altLang="en-US" sz="2000" dirty="0" smtClean="0">
+                <a:latin typeface="华文楷体" panose="02010600040101010101" pitchFamily="2" charset="-122"/>
+                <a:ea typeface="华文楷体" panose="02010600040101010101" pitchFamily="2" charset="-122"/>
+                <a:cs typeface="Times New Roman" panose="02020603050405020304" pitchFamily="18" charset="0"/>
+              </a:rPr>
+              <a:t>存在偏差</a:t>
+            </a:r>
+            <a:r>
+              <a:rPr lang="zh-CN" altLang="en-US" sz="2000" dirty="0">
+                <a:latin typeface="华文楷体" panose="02010600040101010101" pitchFamily="2" charset="-122"/>
+                <a:ea typeface="华文楷体" panose="02010600040101010101" pitchFamily="2" charset="-122"/>
+                <a:cs typeface="Times New Roman" panose="02020603050405020304" pitchFamily="18" charset="0"/>
+              </a:rPr>
+              <a:t>。</a:t>
+            </a:r>
+          </a:p>
+          <a:p>
+            <a:pPr algn="just">
+              <a:spcBef>
+                <a:spcPts val="600"/>
+              </a:spcBef>
+              <a:spcAft>
+                <a:spcPts val="600"/>
+              </a:spcAft>
+              <a:buClr>
+                <a:srgbClr val="071F65"/>
+              </a:buClr>
+            </a:pPr>
+            <a:r>
+              <a:rPr lang="zh-CN" altLang="en-US" sz="2000" dirty="0">
+                <a:latin typeface="华文楷体" panose="02010600040101010101" pitchFamily="2" charset="-122"/>
+                <a:ea typeface="华文楷体" panose="02010600040101010101" pitchFamily="2" charset="-122"/>
+                <a:cs typeface="Times New Roman" panose="02020603050405020304" pitchFamily="18" charset="0"/>
+              </a:rPr>
+              <a:t>（</a:t>
+            </a:r>
+            <a:r>
+              <a:rPr lang="en-US" altLang="zh-CN" sz="2000" dirty="0">
+                <a:latin typeface="华文楷体" panose="02010600040101010101" pitchFamily="2" charset="-122"/>
+                <a:ea typeface="华文楷体" panose="02010600040101010101" pitchFamily="2" charset="-122"/>
+                <a:cs typeface="Times New Roman" panose="02020603050405020304" pitchFamily="18" charset="0"/>
+              </a:rPr>
+              <a:t>2</a:t>
+            </a:r>
+            <a:r>
+              <a:rPr lang="zh-CN" altLang="en-US" sz="2000" dirty="0">
+                <a:latin typeface="华文楷体" panose="02010600040101010101" pitchFamily="2" charset="-122"/>
+                <a:ea typeface="华文楷体" panose="02010600040101010101" pitchFamily="2" charset="-122"/>
+                <a:cs typeface="Times New Roman" panose="02020603050405020304" pitchFamily="18" charset="0"/>
+              </a:rPr>
+              <a:t>）本文所使用的样本中，</a:t>
+            </a:r>
+            <a:r>
+              <a:rPr lang="zh-CN" altLang="en-US" sz="2000" dirty="0" smtClean="0">
+                <a:latin typeface="华文楷体" panose="02010600040101010101" pitchFamily="2" charset="-122"/>
+                <a:ea typeface="华文楷体" panose="02010600040101010101" pitchFamily="2" charset="-122"/>
+                <a:cs typeface="Times New Roman" panose="02020603050405020304" pitchFamily="18" charset="0"/>
+              </a:rPr>
+              <a:t>只有水稻和一熟区春玉米大于</a:t>
+            </a:r>
+            <a:r>
+              <a:rPr lang="en-US" altLang="zh-CN" sz="2000" dirty="0">
+                <a:latin typeface="华文楷体" panose="02010600040101010101" pitchFamily="2" charset="-122"/>
+                <a:ea typeface="华文楷体" panose="02010600040101010101" pitchFamily="2" charset="-122"/>
+                <a:cs typeface="Times New Roman" panose="02020603050405020304" pitchFamily="18" charset="0"/>
+              </a:rPr>
+              <a:t>50</a:t>
+            </a:r>
+            <a:r>
+              <a:rPr lang="zh-CN" altLang="en-US" sz="2000" dirty="0">
+                <a:latin typeface="华文楷体" panose="02010600040101010101" pitchFamily="2" charset="-122"/>
+                <a:ea typeface="华文楷体" panose="02010600040101010101" pitchFamily="2" charset="-122"/>
+                <a:cs typeface="Times New Roman" panose="02020603050405020304" pitchFamily="18" charset="0"/>
+              </a:rPr>
+              <a:t>亩的样本超过</a:t>
+            </a:r>
+            <a:r>
+              <a:rPr lang="en-US" altLang="zh-CN" sz="2000" dirty="0">
+                <a:latin typeface="华文楷体" panose="02010600040101010101" pitchFamily="2" charset="-122"/>
+                <a:ea typeface="华文楷体" panose="02010600040101010101" pitchFamily="2" charset="-122"/>
+                <a:cs typeface="Times New Roman" panose="02020603050405020304" pitchFamily="18" charset="0"/>
+              </a:rPr>
+              <a:t>500</a:t>
+            </a:r>
+            <a:r>
+              <a:rPr lang="zh-CN" altLang="en-US" sz="2000" dirty="0">
+                <a:latin typeface="华文楷体" panose="02010600040101010101" pitchFamily="2" charset="-122"/>
+                <a:ea typeface="华文楷体" panose="02010600040101010101" pitchFamily="2" charset="-122"/>
+                <a:cs typeface="Times New Roman" panose="02020603050405020304" pitchFamily="18" charset="0"/>
+              </a:rPr>
+              <a:t>户，冬小麦</a:t>
+            </a:r>
+            <a:r>
+              <a:rPr lang="en-US" altLang="zh-CN" sz="2000" dirty="0">
+                <a:latin typeface="华文楷体" panose="02010600040101010101" pitchFamily="2" charset="-122"/>
+                <a:ea typeface="华文楷体" panose="02010600040101010101" pitchFamily="2" charset="-122"/>
+                <a:cs typeface="Times New Roman" panose="02020603050405020304" pitchFamily="18" charset="0"/>
+              </a:rPr>
+              <a:t>-</a:t>
+            </a:r>
+            <a:r>
+              <a:rPr lang="zh-CN" altLang="en-US" sz="2000" dirty="0">
+                <a:latin typeface="华文楷体" panose="02010600040101010101" pitchFamily="2" charset="-122"/>
+                <a:ea typeface="华文楷体" panose="02010600040101010101" pitchFamily="2" charset="-122"/>
+                <a:cs typeface="Times New Roman" panose="02020603050405020304" pitchFamily="18" charset="0"/>
+              </a:rPr>
+              <a:t>夏玉米种植区的农户样本中，大农户非常少，导致目前的研究结果可能对于</a:t>
+            </a:r>
+            <a:r>
+              <a:rPr lang="en-US" altLang="zh-CN" sz="2000" dirty="0">
+                <a:latin typeface="华文楷体" panose="02010600040101010101" pitchFamily="2" charset="-122"/>
+                <a:ea typeface="华文楷体" panose="02010600040101010101" pitchFamily="2" charset="-122"/>
+                <a:cs typeface="Times New Roman" panose="02020603050405020304" pitchFamily="18" charset="0"/>
+              </a:rPr>
+              <a:t>10</a:t>
+            </a:r>
+            <a:r>
+              <a:rPr lang="zh-CN" altLang="en-US" sz="2000" dirty="0">
+                <a:latin typeface="华文楷体" panose="02010600040101010101" pitchFamily="2" charset="-122"/>
+                <a:ea typeface="华文楷体" panose="02010600040101010101" pitchFamily="2" charset="-122"/>
+                <a:cs typeface="Times New Roman" panose="02020603050405020304" pitchFamily="18" charset="0"/>
+              </a:rPr>
+              <a:t>亩以下农户经营更有参考意义。</a:t>
+            </a:r>
+          </a:p>
+        </p:txBody>
+      </p:sp>
+      <p:sp>
+        <p:nvSpPr>
+          <p:cNvPr id="2" name="灯片编号占位符 1"/>
+          <p:cNvSpPr>
+            <a:spLocks noGrp="1"/>
+          </p:cNvSpPr>
+          <p:nvPr>
+            <p:ph type="sldNum" sz="quarter" idx="4"/>
+          </p:nvPr>
+        </p:nvSpPr>
+        <p:spPr/>
+        <p:txBody>
+          <a:bodyPr/>
+          <a:lstStyle/>
+          <a:p>
+            <a:r>
+              <a:rPr lang="en-US" altLang="zh-CN" dirty="0" smtClean="0"/>
+              <a:t>21/22</a:t>
+            </a:r>
+            <a:endParaRPr lang="zh-CN" altLang="en-US" dirty="0"/>
+          </a:p>
+        </p:txBody>
+      </p:sp>
+    </p:spTree>
+    <p:extLst>
+      <p:ext uri="{BB962C8B-B14F-4D97-AF65-F5344CB8AC3E}">
+        <p14:creationId xmlns:p14="http://schemas.microsoft.com/office/powerpoint/2010/main" val="1033116853"/>
+      </p:ext>
+    </p:extLst>
+  </p:cSld>
+  <p:clrMapOvr>
+    <a:masterClrMapping/>
+  </p:clrMapOvr>
+  <mc:AlternateContent xmlns:mc="http://schemas.openxmlformats.org/markup-compatibility/2006">
+    <mc:Choice xmlns:p14="http://schemas.microsoft.com/office/powerpoint/2010/main" Requires="p14">
+      <p:transition p14:dur="10"/>
+    </mc:Choice>
+    <mc:Fallback>
+      <p:transition/>
+    </mc:Fallback>
+  </mc:AlternateContent>
+  <p:timing>
+    <p:tnLst>
+      <p:par>
+        <p:cTn id="1" dur="indefinite" restart="never" nodeType="tmRoot"/>
+      </p:par>
+    </p:tnLst>
+  </p:timing>
+</p:sld>
+</file>
+
+<file path=ppt/slides/slide33.xml><?xml version="1.0" encoding="utf-8"?>
+<p:sld xmlns:a="http://schemas.openxmlformats.org/drawingml/2006/main" xmlns:r="http://schemas.openxmlformats.org/officeDocument/2006/relationships" xmlns:p="http://schemas.openxmlformats.org/presentationml/2006/main">
+  <p:cSld>
+    <p:spTree>
+      <p:nvGrpSpPr>
+        <p:cNvPr id="1" name=""/>
+        <p:cNvGrpSpPr/>
+        <p:nvPr/>
+      </p:nvGrpSpPr>
+      <p:grpSpPr>
+        <a:xfrm>
+          <a:off x="0" y="0"/>
+          <a:ext cx="0" cy="0"/>
+          <a:chOff x="0" y="0"/>
+          <a:chExt cx="0" cy="0"/>
+        </a:xfrm>
+      </p:grpSpPr>
+      <p:sp>
+        <p:nvSpPr>
+          <p:cNvPr id="6" name="矩形 5"/>
+          <p:cNvSpPr/>
+          <p:nvPr/>
+        </p:nvSpPr>
+        <p:spPr>
+          <a:xfrm>
+            <a:off x="0" y="0"/>
+            <a:ext cx="9144000" cy="772347"/>
+          </a:xfrm>
+          <a:prstGeom prst="rect">
+            <a:avLst/>
+          </a:prstGeom>
+          <a:solidFill>
+            <a:srgbClr val="071F65"/>
+          </a:solidFill>
+          <a:ln w="5" cap="flat">
+            <a:solidFill>
+              <a:srgbClr val="24211D"/>
+            </a:solidFill>
+            <a:prstDash val="solid"/>
+            <a:miter lim="800000"/>
+            <a:headEnd/>
+            <a:tailEnd/>
+          </a:ln>
+        </p:spPr>
+        <p:txBody>
+          <a:bodyPr vert="horz" wrap="square" lIns="91440" tIns="45720" rIns="91440" bIns="45720" numCol="1" anchor="t" anchorCtr="0" compatLnSpc="1">
+            <a:prstTxWarp prst="textNoShape">
+              <a:avLst/>
+            </a:prstTxWarp>
+          </a:bodyPr>
+          <a:lstStyle/>
+          <a:p>
+            <a:endParaRPr lang="zh-CN" altLang="en-US">
+              <a:solidFill>
+                <a:schemeClr val="tx1"/>
+              </a:solidFill>
+            </a:endParaRPr>
+          </a:p>
+        </p:txBody>
+      </p:sp>
+      <p:graphicFrame>
+        <p:nvGraphicFramePr>
+          <p:cNvPr id="10" name="表格 9"/>
+          <p:cNvGraphicFramePr>
+            <a:graphicFrameLocks noGrp="1"/>
+          </p:cNvGraphicFramePr>
+          <p:nvPr>
             <p:extLst/>
           </p:nvPr>
         </p:nvGraphicFramePr>
@@ -38745,7 +39746,7 @@
           <a:p>
             <a:r>
               <a:rPr lang="en-US" altLang="zh-CN" dirty="0" smtClean="0"/>
-              <a:t>21/21</a:t>
+              <a:t>22/22</a:t>
             </a:r>
             <a:endParaRPr lang="zh-CN" altLang="en-US" dirty="0"/>
           </a:p>
@@ -38753,14 +39754,14 @@
       </p:sp>
       <p:graphicFrame>
         <p:nvGraphicFramePr>
-          <p:cNvPr id="3" name="表格 2"/>
+          <p:cNvPr id="8" name="表格 7"/>
           <p:cNvGraphicFramePr>
             <a:graphicFrameLocks noGrp="1"/>
           </p:cNvGraphicFramePr>
           <p:nvPr>
             <p:extLst>
               <p:ext uri="{D42A27DB-BD31-4B8C-83A1-F6EECF244321}">
-                <p14:modId xmlns:p14="http://schemas.microsoft.com/office/powerpoint/2010/main" val="247558126"/>
+                <p14:modId xmlns:p14="http://schemas.microsoft.com/office/powerpoint/2010/main" val="1717656151"/>
               </p:ext>
             </p:extLst>
           </p:nvPr>
@@ -39496,1025 +40497,6 @@
     <p:extLst>
       <p:ext uri="{BB962C8B-B14F-4D97-AF65-F5344CB8AC3E}">
         <p14:creationId xmlns:p14="http://schemas.microsoft.com/office/powerpoint/2010/main" val="600696006"/>
-      </p:ext>
-    </p:extLst>
-  </p:cSld>
-  <p:clrMapOvr>
-    <a:masterClrMapping/>
-  </p:clrMapOvr>
-  <mc:AlternateContent xmlns:mc="http://schemas.openxmlformats.org/markup-compatibility/2006" xmlns:p14="http://schemas.microsoft.com/office/powerpoint/2010/main">
-    <mc:Choice Requires="p14">
-      <p:transition p14:dur="0"/>
-    </mc:Choice>
-    <mc:Fallback xmlns="">
-      <p:transition/>
-    </mc:Fallback>
-  </mc:AlternateContent>
-  <p:timing>
-    <p:tnLst>
-      <p:par>
-        <p:cTn id="1" dur="indefinite" restart="never" nodeType="tmRoot"/>
-      </p:par>
-    </p:tnLst>
-  </p:timing>
-</p:sld>
-</file>
-
-<file path=ppt/slides/slide33.xml><?xml version="1.0" encoding="utf-8"?>
-<p:sld xmlns:a="http://schemas.openxmlformats.org/drawingml/2006/main" xmlns:r="http://schemas.openxmlformats.org/officeDocument/2006/relationships" xmlns:p="http://schemas.openxmlformats.org/presentationml/2006/main">
-  <p:cSld>
-    <p:spTree>
-      <p:nvGrpSpPr>
-        <p:cNvPr id="1" name=""/>
-        <p:cNvGrpSpPr/>
-        <p:nvPr/>
-      </p:nvGrpSpPr>
-      <p:grpSpPr>
-        <a:xfrm>
-          <a:off x="0" y="0"/>
-          <a:ext cx="0" cy="0"/>
-          <a:chOff x="0" y="0"/>
-          <a:chExt cx="0" cy="0"/>
-        </a:xfrm>
-      </p:grpSpPr>
-      <p:sp>
-        <p:nvSpPr>
-          <p:cNvPr id="6" name="矩形 5"/>
-          <p:cNvSpPr/>
-          <p:nvPr/>
-        </p:nvSpPr>
-        <p:spPr>
-          <a:xfrm>
-            <a:off x="0" y="0"/>
-            <a:ext cx="9144000" cy="772347"/>
-          </a:xfrm>
-          <a:prstGeom prst="rect">
-            <a:avLst/>
-          </a:prstGeom>
-          <a:solidFill>
-            <a:srgbClr val="071F65"/>
-          </a:solidFill>
-          <a:ln w="5" cap="flat">
-            <a:solidFill>
-              <a:srgbClr val="24211D"/>
-            </a:solidFill>
-            <a:prstDash val="solid"/>
-            <a:miter lim="800000"/>
-            <a:headEnd/>
-            <a:tailEnd/>
-          </a:ln>
-        </p:spPr>
-        <p:txBody>
-          <a:bodyPr vert="horz" wrap="square" lIns="91440" tIns="45720" rIns="91440" bIns="45720" numCol="1" anchor="t" anchorCtr="0" compatLnSpc="1">
-            <a:prstTxWarp prst="textNoShape">
-              <a:avLst/>
-            </a:prstTxWarp>
-          </a:bodyPr>
-          <a:lstStyle/>
-          <a:p>
-            <a:endParaRPr lang="zh-CN" altLang="en-US">
-              <a:solidFill>
-                <a:schemeClr val="tx1"/>
-              </a:solidFill>
-            </a:endParaRPr>
-          </a:p>
-        </p:txBody>
-      </p:sp>
-      <p:graphicFrame>
-        <p:nvGraphicFramePr>
-          <p:cNvPr id="10" name="表格 9"/>
-          <p:cNvGraphicFramePr>
-            <a:graphicFrameLocks noGrp="1"/>
-          </p:cNvGraphicFramePr>
-          <p:nvPr>
-            <p:extLst>
-              <p:ext uri="{D42A27DB-BD31-4B8C-83A1-F6EECF244321}">
-                <p14:modId xmlns:p14="http://schemas.microsoft.com/office/powerpoint/2010/main" val="1808155824"/>
-              </p:ext>
-            </p:extLst>
-          </p:nvPr>
-        </p:nvGraphicFramePr>
-        <p:xfrm>
-          <a:off x="0" y="199598"/>
-          <a:ext cx="9144000" cy="458243"/>
-        </p:xfrm>
-        <a:graphic>
-          <a:graphicData uri="http://schemas.openxmlformats.org/drawingml/2006/table">
-            <a:tbl>
-              <a:tblPr firstRow="1" bandRow="1">
-                <a:tableStyleId>{5C22544A-7EE6-4342-B048-85BDC9FD1C3A}</a:tableStyleId>
-              </a:tblPr>
-              <a:tblGrid>
-                <a:gridCol w="1331089">
-                  <a:extLst>
-                    <a:ext uri="{9D8B030D-6E8A-4147-A177-3AD203B41FA5}">
-                      <a16:colId xmlns:a16="http://schemas.microsoft.com/office/drawing/2014/main" val="2316111577"/>
-                    </a:ext>
-                  </a:extLst>
-                </a:gridCol>
-                <a:gridCol w="1099595">
-                  <a:extLst>
-                    <a:ext uri="{9D8B030D-6E8A-4147-A177-3AD203B41FA5}">
-                      <a16:colId xmlns:a16="http://schemas.microsoft.com/office/drawing/2014/main" val="204147406"/>
-                    </a:ext>
-                  </a:extLst>
-                </a:gridCol>
-                <a:gridCol w="2152891">
-                  <a:extLst>
-                    <a:ext uri="{9D8B030D-6E8A-4147-A177-3AD203B41FA5}">
-                      <a16:colId xmlns:a16="http://schemas.microsoft.com/office/drawing/2014/main" val="2603586595"/>
-                    </a:ext>
-                  </a:extLst>
-                </a:gridCol>
-                <a:gridCol w="1759974">
-                  <a:extLst>
-                    <a:ext uri="{9D8B030D-6E8A-4147-A177-3AD203B41FA5}">
-                      <a16:colId xmlns:a16="http://schemas.microsoft.com/office/drawing/2014/main" val="2745346112"/>
-                    </a:ext>
-                  </a:extLst>
-                </a:gridCol>
-                <a:gridCol w="1356909">
-                  <a:extLst>
-                    <a:ext uri="{9D8B030D-6E8A-4147-A177-3AD203B41FA5}">
-                      <a16:colId xmlns:a16="http://schemas.microsoft.com/office/drawing/2014/main" val="2906165216"/>
-                    </a:ext>
-                  </a:extLst>
-                </a:gridCol>
-                <a:gridCol w="1443542">
-                  <a:extLst>
-                    <a:ext uri="{9D8B030D-6E8A-4147-A177-3AD203B41FA5}">
-                      <a16:colId xmlns:a16="http://schemas.microsoft.com/office/drawing/2014/main" val="2785191733"/>
-                    </a:ext>
-                  </a:extLst>
-                </a:gridCol>
-              </a:tblGrid>
-              <a:tr h="458243">
-                <a:tc>
-                  <a:txBody>
-                    <a:bodyPr/>
-                    <a:lstStyle/>
-                    <a:p>
-                      <a:pPr algn="ctr"/>
-                      <a:r>
-                        <a:rPr lang="zh-CN" altLang="en-US" sz="1700" dirty="0" smtClean="0">
-                          <a:solidFill>
-                            <a:schemeClr val="bg1">
-                              <a:lumMod val="75000"/>
-                            </a:schemeClr>
-                          </a:solidFill>
-                        </a:rPr>
-                        <a:t>问题的提出</a:t>
-                      </a:r>
-                      <a:endParaRPr lang="zh-CN" altLang="en-US" sz="1700" dirty="0">
-                        <a:solidFill>
-                          <a:schemeClr val="bg1">
-                            <a:lumMod val="75000"/>
-                          </a:schemeClr>
-                        </a:solidFill>
-                      </a:endParaRPr>
-                    </a:p>
-                  </a:txBody>
-                  <a:tcPr anchor="ctr">
-                    <a:lnL w="12700" cmpd="sng">
-                      <a:noFill/>
-                    </a:lnL>
-                    <a:lnR w="12700" cmpd="sng">
-                      <a:noFill/>
-                    </a:lnR>
-                    <a:lnT w="12700" cmpd="sng">
-                      <a:noFill/>
-                    </a:lnT>
-                    <a:lnB w="38100" cmpd="sng">
-                      <a:noFill/>
-                    </a:lnB>
-                    <a:lnTlToBr w="12700" cmpd="sng">
-                      <a:noFill/>
-                      <a:prstDash val="solid"/>
-                    </a:lnTlToBr>
-                    <a:lnBlToTr w="12700" cmpd="sng">
-                      <a:noFill/>
-                      <a:prstDash val="solid"/>
-                    </a:lnBlToTr>
-                  </a:tcPr>
-                </a:tc>
-                <a:tc>
-                  <a:txBody>
-                    <a:bodyPr/>
-                    <a:lstStyle/>
-                    <a:p>
-                      <a:pPr algn="ctr"/>
-                      <a:r>
-                        <a:rPr lang="zh-CN" altLang="en-US" sz="1700" dirty="0" smtClean="0">
-                          <a:solidFill>
-                            <a:schemeClr val="bg1">
-                              <a:lumMod val="75000"/>
-                            </a:schemeClr>
-                          </a:solidFill>
-                        </a:rPr>
-                        <a:t>文献评述</a:t>
-                      </a:r>
-                      <a:endParaRPr lang="zh-CN" altLang="en-US" sz="1700" dirty="0">
-                        <a:solidFill>
-                          <a:schemeClr val="bg1">
-                            <a:lumMod val="75000"/>
-                          </a:schemeClr>
-                        </a:solidFill>
-                      </a:endParaRPr>
-                    </a:p>
-                  </a:txBody>
-                  <a:tcPr anchor="ctr">
-                    <a:lnL w="12700" cmpd="sng">
-                      <a:noFill/>
-                    </a:lnL>
-                    <a:lnR w="12700" cmpd="sng">
-                      <a:noFill/>
-                    </a:lnR>
-                    <a:lnT w="12700" cmpd="sng">
-                      <a:noFill/>
-                    </a:lnT>
-                    <a:lnB w="38100" cmpd="sng">
-                      <a:noFill/>
-                    </a:lnB>
-                    <a:lnTlToBr w="12700" cmpd="sng">
-                      <a:noFill/>
-                      <a:prstDash val="solid"/>
-                    </a:lnTlToBr>
-                    <a:lnBlToTr w="12700" cmpd="sng">
-                      <a:noFill/>
-                      <a:prstDash val="solid"/>
-                    </a:lnBlToTr>
-                  </a:tcPr>
-                </a:tc>
-                <a:tc>
-                  <a:txBody>
-                    <a:bodyPr/>
-                    <a:lstStyle/>
-                    <a:p>
-                      <a:pPr algn="ctr"/>
-                      <a:r>
-                        <a:rPr lang="zh-CN" altLang="en-US" sz="1700" dirty="0" smtClean="0">
-                          <a:solidFill>
-                            <a:schemeClr val="bg1">
-                              <a:lumMod val="75000"/>
-                            </a:schemeClr>
-                          </a:solidFill>
-                        </a:rPr>
-                        <a:t>研究目标与技术路线</a:t>
-                      </a:r>
-                      <a:endParaRPr lang="zh-CN" altLang="en-US" sz="1700" dirty="0">
-                        <a:solidFill>
-                          <a:schemeClr val="bg1">
-                            <a:lumMod val="75000"/>
-                          </a:schemeClr>
-                        </a:solidFill>
-                      </a:endParaRPr>
-                    </a:p>
-                  </a:txBody>
-                  <a:tcPr anchor="ctr">
-                    <a:lnL w="12700" cmpd="sng">
-                      <a:noFill/>
-                    </a:lnL>
-                    <a:lnR w="12700" cmpd="sng">
-                      <a:noFill/>
-                    </a:lnR>
-                    <a:lnT w="12700" cmpd="sng">
-                      <a:noFill/>
-                    </a:lnT>
-                    <a:lnB w="38100" cmpd="sng">
-                      <a:noFill/>
-                    </a:lnB>
-                    <a:lnTlToBr w="12700" cmpd="sng">
-                      <a:noFill/>
-                      <a:prstDash val="solid"/>
-                    </a:lnTlToBr>
-                    <a:lnBlToTr w="12700" cmpd="sng">
-                      <a:noFill/>
-                      <a:prstDash val="solid"/>
-                    </a:lnBlToTr>
-                  </a:tcPr>
-                </a:tc>
-                <a:tc>
-                  <a:txBody>
-                    <a:bodyPr/>
-                    <a:lstStyle/>
-                    <a:p>
-                      <a:pPr algn="ctr"/>
-                      <a:r>
-                        <a:rPr lang="zh-CN" altLang="en-US" sz="1700" dirty="0" smtClean="0">
-                          <a:solidFill>
-                            <a:schemeClr val="bg1">
-                              <a:lumMod val="75000"/>
-                            </a:schemeClr>
-                          </a:solidFill>
-                        </a:rPr>
-                        <a:t>研究内容与结果</a:t>
-                      </a:r>
-                      <a:endParaRPr lang="zh-CN" altLang="en-US" sz="1700" dirty="0">
-                        <a:solidFill>
-                          <a:schemeClr val="bg1">
-                            <a:lumMod val="75000"/>
-                          </a:schemeClr>
-                        </a:solidFill>
-                      </a:endParaRPr>
-                    </a:p>
-                  </a:txBody>
-                  <a:tcPr anchor="ctr">
-                    <a:lnL w="12700" cmpd="sng">
-                      <a:noFill/>
-                    </a:lnL>
-                    <a:lnR w="12700" cmpd="sng">
-                      <a:noFill/>
-                    </a:lnR>
-                    <a:lnT w="12700" cmpd="sng">
-                      <a:noFill/>
-                    </a:lnT>
-                    <a:lnB w="38100" cmpd="sng">
-                      <a:noFill/>
-                    </a:lnB>
-                    <a:lnTlToBr w="12700" cmpd="sng">
-                      <a:noFill/>
-                      <a:prstDash val="solid"/>
-                    </a:lnTlToBr>
-                    <a:lnBlToTr w="12700" cmpd="sng">
-                      <a:noFill/>
-                      <a:prstDash val="solid"/>
-                    </a:lnBlToTr>
-                  </a:tcPr>
-                </a:tc>
-                <a:tc>
-                  <a:txBody>
-                    <a:bodyPr/>
-                    <a:lstStyle/>
-                    <a:p>
-                      <a:pPr algn="ctr"/>
-                      <a:r>
-                        <a:rPr lang="zh-CN" altLang="en-US" sz="1700" dirty="0" smtClean="0">
-                          <a:solidFill>
-                            <a:schemeClr val="bg1">
-                              <a:lumMod val="75000"/>
-                            </a:schemeClr>
-                          </a:solidFill>
-                        </a:rPr>
-                        <a:t>结论与建议</a:t>
-                      </a:r>
-                      <a:endParaRPr lang="zh-CN" altLang="en-US" sz="1700" dirty="0">
-                        <a:solidFill>
-                          <a:schemeClr val="bg1">
-                            <a:lumMod val="75000"/>
-                          </a:schemeClr>
-                        </a:solidFill>
-                      </a:endParaRPr>
-                    </a:p>
-                  </a:txBody>
-                  <a:tcPr anchor="ctr">
-                    <a:lnL w="12700" cmpd="sng">
-                      <a:noFill/>
-                    </a:lnL>
-                    <a:lnR w="12700" cmpd="sng">
-                      <a:noFill/>
-                    </a:lnR>
-                    <a:lnT w="12700" cmpd="sng">
-                      <a:noFill/>
-                    </a:lnT>
-                    <a:lnB w="38100" cmpd="sng">
-                      <a:noFill/>
-                    </a:lnB>
-                    <a:lnTlToBr w="12700" cmpd="sng">
-                      <a:noFill/>
-                      <a:prstDash val="solid"/>
-                    </a:lnTlToBr>
-                    <a:lnBlToTr w="12700" cmpd="sng">
-                      <a:noFill/>
-                      <a:prstDash val="solid"/>
-                    </a:lnBlToTr>
-                  </a:tcPr>
-                </a:tc>
-                <a:tc>
-                  <a:txBody>
-                    <a:bodyPr/>
-                    <a:lstStyle/>
-                    <a:p>
-                      <a:pPr algn="ctr"/>
-                      <a:r>
-                        <a:rPr lang="zh-CN" altLang="en-US" sz="1800" dirty="0" smtClean="0">
-                          <a:solidFill>
-                            <a:schemeClr val="bg1"/>
-                          </a:solidFill>
-                        </a:rPr>
-                        <a:t>创新与不足</a:t>
-                      </a:r>
-                      <a:endParaRPr lang="zh-CN" altLang="en-US" sz="1800" dirty="0">
-                        <a:solidFill>
-                          <a:schemeClr val="bg1"/>
-                        </a:solidFill>
-                      </a:endParaRPr>
-                    </a:p>
-                  </a:txBody>
-                  <a:tcPr anchor="ctr">
-                    <a:lnL w="12700" cmpd="sng">
-                      <a:noFill/>
-                    </a:lnL>
-                    <a:lnR w="12700" cmpd="sng">
-                      <a:noFill/>
-                    </a:lnR>
-                    <a:lnT w="12700" cmpd="sng">
-                      <a:noFill/>
-                    </a:lnT>
-                    <a:lnB w="38100" cmpd="sng">
-                      <a:noFill/>
-                    </a:lnB>
-                    <a:lnTlToBr w="12700" cmpd="sng">
-                      <a:noFill/>
-                      <a:prstDash val="solid"/>
-                    </a:lnTlToBr>
-                    <a:lnBlToTr w="12700" cmpd="sng">
-                      <a:noFill/>
-                      <a:prstDash val="solid"/>
-                    </a:lnBlToTr>
-                  </a:tcPr>
-                </a:tc>
-                <a:extLst>
-                  <a:ext uri="{0D108BD9-81ED-4DB2-BD59-A6C34878D82A}">
-                    <a16:rowId xmlns:a16="http://schemas.microsoft.com/office/drawing/2014/main" val="3362077269"/>
-                  </a:ext>
-                </a:extLst>
-              </a:tr>
-            </a:tbl>
-          </a:graphicData>
-        </a:graphic>
-      </p:graphicFrame>
-      <p:sp>
-        <p:nvSpPr>
-          <p:cNvPr id="11" name="流程图: 合并 10"/>
-          <p:cNvSpPr/>
-          <p:nvPr/>
-        </p:nvSpPr>
-        <p:spPr>
-          <a:xfrm>
-            <a:off x="8258055" y="757126"/>
-            <a:ext cx="380588" cy="176777"/>
-          </a:xfrm>
-          <a:prstGeom prst="flowChartMerge">
-            <a:avLst/>
-          </a:prstGeom>
-          <a:ln>
-            <a:noFill/>
-          </a:ln>
-        </p:spPr>
-        <p:style>
-          <a:lnRef idx="2">
-            <a:schemeClr val="accent1">
-              <a:shade val="50000"/>
-            </a:schemeClr>
-          </a:lnRef>
-          <a:fillRef idx="1">
-            <a:schemeClr val="accent1"/>
-          </a:fillRef>
-          <a:effectRef idx="0">
-            <a:schemeClr val="accent1"/>
-          </a:effectRef>
-          <a:fontRef idx="minor">
-            <a:schemeClr val="lt1"/>
-          </a:fontRef>
-        </p:style>
-        <p:txBody>
-          <a:bodyPr rtlCol="0" anchor="ctr"/>
-          <a:lstStyle/>
-          <a:p>
-            <a:pPr algn="ctr"/>
-            <a:endParaRPr lang="zh-CN" altLang="en-US"/>
-          </a:p>
-        </p:txBody>
-      </p:sp>
-      <p:sp>
-        <p:nvSpPr>
-          <p:cNvPr id="7" name="矩形 6"/>
-          <p:cNvSpPr/>
-          <p:nvPr/>
-        </p:nvSpPr>
-        <p:spPr>
-          <a:xfrm>
-            <a:off x="92596" y="1048409"/>
-            <a:ext cx="9051403" cy="5709255"/>
-          </a:xfrm>
-          <a:prstGeom prst="rect">
-            <a:avLst/>
-          </a:prstGeom>
-        </p:spPr>
-        <p:txBody>
-          <a:bodyPr wrap="square">
-            <a:spAutoFit/>
-          </a:bodyPr>
-          <a:lstStyle/>
-          <a:p>
-            <a:pPr algn="just">
-              <a:spcBef>
-                <a:spcPts val="1200"/>
-              </a:spcBef>
-              <a:spcAft>
-                <a:spcPts val="1200"/>
-              </a:spcAft>
-              <a:buClr>
-                <a:srgbClr val="071F65"/>
-              </a:buClr>
-            </a:pPr>
-            <a:r>
-              <a:rPr lang="zh-CN" altLang="en-US" sz="2000" b="1" dirty="0">
-                <a:latin typeface="微软雅黑" panose="020B0503020204020204" pitchFamily="34" charset="-122"/>
-                <a:ea typeface="微软雅黑" panose="020B0503020204020204" pitchFamily="34" charset="-122"/>
-                <a:cs typeface="Times New Roman" panose="02020603050405020304" pitchFamily="18" charset="0"/>
-              </a:rPr>
-              <a:t>（一）研究的创新</a:t>
-            </a:r>
-            <a:endParaRPr lang="en-US" altLang="zh-CN" sz="2000" b="1" dirty="0">
-              <a:latin typeface="微软雅黑" panose="020B0503020204020204" pitchFamily="34" charset="-122"/>
-              <a:ea typeface="微软雅黑" panose="020B0503020204020204" pitchFamily="34" charset="-122"/>
-              <a:cs typeface="Times New Roman" panose="02020603050405020304" pitchFamily="18" charset="0"/>
-            </a:endParaRPr>
-          </a:p>
-          <a:p>
-            <a:pPr algn="just">
-              <a:spcBef>
-                <a:spcPts val="600"/>
-              </a:spcBef>
-              <a:spcAft>
-                <a:spcPts val="600"/>
-              </a:spcAft>
-              <a:buClr>
-                <a:srgbClr val="071F65"/>
-              </a:buClr>
-            </a:pPr>
-            <a:r>
-              <a:rPr lang="zh-CN" altLang="en-US" sz="2000" dirty="0">
-                <a:latin typeface="华文楷体" panose="02010600040101010101" pitchFamily="2" charset="-122"/>
-                <a:ea typeface="华文楷体" panose="02010600040101010101" pitchFamily="2" charset="-122"/>
-                <a:cs typeface="Times New Roman" panose="02020603050405020304" pitchFamily="18" charset="0"/>
-              </a:rPr>
-              <a:t>（</a:t>
-            </a:r>
-            <a:r>
-              <a:rPr lang="en-US" altLang="zh-CN" sz="2000" dirty="0">
-                <a:latin typeface="华文楷体" panose="02010600040101010101" pitchFamily="2" charset="-122"/>
-                <a:ea typeface="华文楷体" panose="02010600040101010101" pitchFamily="2" charset="-122"/>
-                <a:cs typeface="Times New Roman" panose="02020603050405020304" pitchFamily="18" charset="0"/>
-              </a:rPr>
-              <a:t>1</a:t>
-            </a:r>
-            <a:r>
-              <a:rPr lang="zh-CN" altLang="en-US" sz="2000" dirty="0" smtClean="0">
-                <a:latin typeface="华文楷体" panose="02010600040101010101" pitchFamily="2" charset="-122"/>
-                <a:ea typeface="华文楷体" panose="02010600040101010101" pitchFamily="2" charset="-122"/>
-                <a:cs typeface="Times New Roman" panose="02020603050405020304" pitchFamily="18" charset="0"/>
-              </a:rPr>
-              <a:t>）前人</a:t>
-            </a:r>
-            <a:r>
-              <a:rPr lang="zh-CN" altLang="en-US" sz="2000" dirty="0">
-                <a:latin typeface="华文楷体" panose="02010600040101010101" pitchFamily="2" charset="-122"/>
-                <a:ea typeface="华文楷体" panose="02010600040101010101" pitchFamily="2" charset="-122"/>
-                <a:cs typeface="Times New Roman" panose="02020603050405020304" pitchFamily="18" charset="0"/>
-              </a:rPr>
-              <a:t>对粮食作物土地生产率与种植规模之间关系的研究都是针对整个产品，本文对根据我国的种植制度选择主产区域，对小麦、玉米和水稻三种粮食作物进行了实证研究，研究对象覆盖面广。中国幅员辽阔，气候差异大，农业种植在不同区域有着各有特色。论文从种植制度的视角出发</a:t>
-            </a:r>
-            <a:r>
-              <a:rPr lang="zh-CN" altLang="en-US" sz="2000" dirty="0" smtClean="0">
-                <a:latin typeface="华文楷体" panose="02010600040101010101" pitchFamily="2" charset="-122"/>
-                <a:ea typeface="华文楷体" panose="02010600040101010101" pitchFamily="2" charset="-122"/>
-                <a:cs typeface="Times New Roman" panose="02020603050405020304" pitchFamily="18" charset="0"/>
-              </a:rPr>
-              <a:t>，也</a:t>
-            </a:r>
-            <a:r>
-              <a:rPr lang="zh-CN" altLang="en-US" sz="2000" dirty="0">
-                <a:latin typeface="华文楷体" panose="02010600040101010101" pitchFamily="2" charset="-122"/>
-                <a:ea typeface="华文楷体" panose="02010600040101010101" pitchFamily="2" charset="-122"/>
-                <a:cs typeface="Times New Roman" panose="02020603050405020304" pitchFamily="18" charset="0"/>
-              </a:rPr>
-              <a:t>可以从源头上消除种植制度和种植结构对分析造成的影响</a:t>
-            </a:r>
-            <a:r>
-              <a:rPr lang="zh-CN" altLang="en-US" sz="2000" dirty="0" smtClean="0">
-                <a:latin typeface="华文楷体" panose="02010600040101010101" pitchFamily="2" charset="-122"/>
-                <a:ea typeface="华文楷体" panose="02010600040101010101" pitchFamily="2" charset="-122"/>
-                <a:cs typeface="Times New Roman" panose="02020603050405020304" pitchFamily="18" charset="0"/>
-              </a:rPr>
-              <a:t>。</a:t>
-            </a:r>
-            <a:endParaRPr lang="en-US" altLang="zh-CN" sz="2000" dirty="0" smtClean="0">
-              <a:latin typeface="华文楷体" panose="02010600040101010101" pitchFamily="2" charset="-122"/>
-              <a:ea typeface="华文楷体" panose="02010600040101010101" pitchFamily="2" charset="-122"/>
-              <a:cs typeface="Times New Roman" panose="02020603050405020304" pitchFamily="18" charset="0"/>
-            </a:endParaRPr>
-          </a:p>
-          <a:p>
-            <a:pPr algn="just">
-              <a:spcBef>
-                <a:spcPts val="600"/>
-              </a:spcBef>
-              <a:spcAft>
-                <a:spcPts val="600"/>
-              </a:spcAft>
-              <a:buClr>
-                <a:srgbClr val="071F65"/>
-              </a:buClr>
-            </a:pPr>
-            <a:r>
-              <a:rPr lang="zh-CN" altLang="en-US" sz="2000" dirty="0">
-                <a:latin typeface="华文楷体" panose="02010600040101010101" pitchFamily="2" charset="-122"/>
-                <a:ea typeface="华文楷体" panose="02010600040101010101" pitchFamily="2" charset="-122"/>
-                <a:cs typeface="Times New Roman" panose="02020603050405020304" pitchFamily="18" charset="0"/>
-              </a:rPr>
-              <a:t>（</a:t>
-            </a:r>
-            <a:r>
-              <a:rPr lang="en-US" altLang="zh-CN" sz="2000" dirty="0">
-                <a:latin typeface="华文楷体" panose="02010600040101010101" pitchFamily="2" charset="-122"/>
-                <a:ea typeface="华文楷体" panose="02010600040101010101" pitchFamily="2" charset="-122"/>
-                <a:cs typeface="Times New Roman" panose="02020603050405020304" pitchFamily="18" charset="0"/>
-              </a:rPr>
-              <a:t>2</a:t>
-            </a:r>
-            <a:r>
-              <a:rPr lang="zh-CN" altLang="en-US" sz="2000" dirty="0">
-                <a:latin typeface="华文楷体" panose="02010600040101010101" pitchFamily="2" charset="-122"/>
-                <a:ea typeface="华文楷体" panose="02010600040101010101" pitchFamily="2" charset="-122"/>
-                <a:cs typeface="Times New Roman" panose="02020603050405020304" pitchFamily="18" charset="0"/>
-              </a:rPr>
-              <a:t>）本文尝试构建更为灵活的实证</a:t>
-            </a:r>
-            <a:r>
-              <a:rPr lang="zh-CN" altLang="en-US" sz="2000" dirty="0" smtClean="0">
-                <a:latin typeface="华文楷体" panose="02010600040101010101" pitchFamily="2" charset="-122"/>
-                <a:ea typeface="华文楷体" panose="02010600040101010101" pitchFamily="2" charset="-122"/>
-                <a:cs typeface="Times New Roman" panose="02020603050405020304" pitchFamily="18" charset="0"/>
-              </a:rPr>
-              <a:t>模型。在</a:t>
-            </a:r>
-            <a:r>
-              <a:rPr lang="zh-CN" altLang="en-US" sz="2000" dirty="0">
-                <a:latin typeface="华文楷体" panose="02010600040101010101" pitchFamily="2" charset="-122"/>
-                <a:ea typeface="华文楷体" panose="02010600040101010101" pitchFamily="2" charset="-122"/>
-                <a:cs typeface="Times New Roman" panose="02020603050405020304" pitchFamily="18" charset="0"/>
-              </a:rPr>
-              <a:t>超越对数生产函数的基础上，引入规模变量的对数</a:t>
-            </a:r>
-            <a:r>
-              <a:rPr lang="en-US" altLang="zh-CN" sz="2000" dirty="0">
-                <a:latin typeface="华文楷体" panose="02010600040101010101" pitchFamily="2" charset="-122"/>
-                <a:ea typeface="华文楷体" panose="02010600040101010101" pitchFamily="2" charset="-122"/>
-                <a:cs typeface="Times New Roman" panose="02020603050405020304" pitchFamily="18" charset="0"/>
-              </a:rPr>
-              <a:t>-</a:t>
-            </a:r>
-            <a:r>
-              <a:rPr lang="zh-CN" altLang="en-US" sz="2000" dirty="0">
-                <a:latin typeface="华文楷体" panose="02010600040101010101" pitchFamily="2" charset="-122"/>
-                <a:ea typeface="华文楷体" panose="02010600040101010101" pitchFamily="2" charset="-122"/>
-                <a:cs typeface="Times New Roman" panose="02020603050405020304" pitchFamily="18" charset="0"/>
-              </a:rPr>
-              <a:t>线性组合。对数</a:t>
-            </a:r>
-            <a:r>
-              <a:rPr lang="en-US" altLang="zh-CN" sz="2000" dirty="0">
-                <a:latin typeface="华文楷体" panose="02010600040101010101" pitchFamily="2" charset="-122"/>
-                <a:ea typeface="华文楷体" panose="02010600040101010101" pitchFamily="2" charset="-122"/>
-                <a:cs typeface="Times New Roman" panose="02020603050405020304" pitchFamily="18" charset="0"/>
-              </a:rPr>
-              <a:t>-</a:t>
-            </a:r>
-            <a:r>
-              <a:rPr lang="zh-CN" altLang="en-US" sz="2000" dirty="0">
-                <a:latin typeface="华文楷体" panose="02010600040101010101" pitchFamily="2" charset="-122"/>
-                <a:ea typeface="华文楷体" panose="02010600040101010101" pitchFamily="2" charset="-122"/>
-                <a:cs typeface="Times New Roman" panose="02020603050405020304" pitchFamily="18" charset="0"/>
-              </a:rPr>
-              <a:t>线性组合能够避免常用的二次函数的对称性约束，拟合出单产与规模的非线性非对称</a:t>
-            </a:r>
-            <a:r>
-              <a:rPr lang="zh-CN" altLang="en-US" sz="2000" dirty="0" smtClean="0">
-                <a:latin typeface="华文楷体" panose="02010600040101010101" pitchFamily="2" charset="-122"/>
-                <a:ea typeface="华文楷体" panose="02010600040101010101" pitchFamily="2" charset="-122"/>
-                <a:cs typeface="Times New Roman" panose="02020603050405020304" pitchFamily="18" charset="0"/>
-              </a:rPr>
-              <a:t>关系。</a:t>
-            </a:r>
-            <a:endParaRPr lang="zh-CN" altLang="en-US" sz="2000" dirty="0">
-              <a:latin typeface="华文楷体" panose="02010600040101010101" pitchFamily="2" charset="-122"/>
-              <a:ea typeface="华文楷体" panose="02010600040101010101" pitchFamily="2" charset="-122"/>
-              <a:cs typeface="Times New Roman" panose="02020603050405020304" pitchFamily="18" charset="0"/>
-            </a:endParaRPr>
-          </a:p>
-          <a:p>
-            <a:pPr algn="just">
-              <a:spcBef>
-                <a:spcPts val="1200"/>
-              </a:spcBef>
-              <a:spcAft>
-                <a:spcPts val="1200"/>
-              </a:spcAft>
-              <a:buClr>
-                <a:srgbClr val="071F65"/>
-              </a:buClr>
-            </a:pPr>
-            <a:r>
-              <a:rPr lang="zh-CN" altLang="en-US" sz="2000" b="1" dirty="0" smtClean="0">
-                <a:latin typeface="+mn-ea"/>
-                <a:cs typeface="Times New Roman" panose="02020603050405020304" pitchFamily="18" charset="0"/>
-              </a:rPr>
-              <a:t>（二）研究的不足</a:t>
-            </a:r>
-            <a:endParaRPr lang="en-US" altLang="zh-CN" sz="2000" b="1" dirty="0" smtClean="0">
-              <a:latin typeface="+mn-ea"/>
-              <a:cs typeface="Times New Roman" panose="02020603050405020304" pitchFamily="18" charset="0"/>
-            </a:endParaRPr>
-          </a:p>
-          <a:p>
-            <a:pPr algn="just">
-              <a:spcBef>
-                <a:spcPts val="600"/>
-              </a:spcBef>
-              <a:spcAft>
-                <a:spcPts val="600"/>
-              </a:spcAft>
-              <a:buClr>
-                <a:srgbClr val="071F65"/>
-              </a:buClr>
-            </a:pPr>
-            <a:r>
-              <a:rPr lang="zh-CN" altLang="en-US" sz="2000" dirty="0">
-                <a:latin typeface="华文楷体" panose="02010600040101010101" pitchFamily="2" charset="-122"/>
-                <a:ea typeface="华文楷体" panose="02010600040101010101" pitchFamily="2" charset="-122"/>
-                <a:cs typeface="Times New Roman" panose="02020603050405020304" pitchFamily="18" charset="0"/>
-              </a:rPr>
-              <a:t>（</a:t>
-            </a:r>
-            <a:r>
-              <a:rPr lang="en-US" altLang="zh-CN" sz="2000" dirty="0">
-                <a:latin typeface="华文楷体" panose="02010600040101010101" pitchFamily="2" charset="-122"/>
-                <a:ea typeface="华文楷体" panose="02010600040101010101" pitchFamily="2" charset="-122"/>
-                <a:cs typeface="Times New Roman" panose="02020603050405020304" pitchFamily="18" charset="0"/>
-              </a:rPr>
-              <a:t>1</a:t>
-            </a:r>
-            <a:r>
-              <a:rPr lang="zh-CN" altLang="en-US" sz="2000" dirty="0">
-                <a:latin typeface="华文楷体" panose="02010600040101010101" pitchFamily="2" charset="-122"/>
-                <a:ea typeface="华文楷体" panose="02010600040101010101" pitchFamily="2" charset="-122"/>
-                <a:cs typeface="Times New Roman" panose="02020603050405020304" pitchFamily="18" charset="0"/>
-              </a:rPr>
-              <a:t>）</a:t>
-            </a:r>
-            <a:r>
-              <a:rPr lang="zh-CN" altLang="en-US" sz="2000" dirty="0" smtClean="0">
-                <a:latin typeface="华文楷体" panose="02010600040101010101" pitchFamily="2" charset="-122"/>
-                <a:ea typeface="华文楷体" panose="02010600040101010101" pitchFamily="2" charset="-122"/>
-                <a:cs typeface="Times New Roman" panose="02020603050405020304" pitchFamily="18" charset="0"/>
-              </a:rPr>
-              <a:t>筛选水稻农户</a:t>
-            </a:r>
-            <a:r>
-              <a:rPr lang="zh-CN" altLang="en-US" sz="2000" dirty="0">
-                <a:latin typeface="华文楷体" panose="02010600040101010101" pitchFamily="2" charset="-122"/>
-                <a:ea typeface="华文楷体" panose="02010600040101010101" pitchFamily="2" charset="-122"/>
-                <a:cs typeface="Times New Roman" panose="02020603050405020304" pitchFamily="18" charset="0"/>
-              </a:rPr>
-              <a:t>样本时，</a:t>
-            </a:r>
-            <a:r>
-              <a:rPr lang="zh-CN" altLang="en-US" sz="2000" dirty="0" smtClean="0">
-                <a:latin typeface="华文楷体" panose="02010600040101010101" pitchFamily="2" charset="-122"/>
-                <a:ea typeface="华文楷体" panose="02010600040101010101" pitchFamily="2" charset="-122"/>
-                <a:cs typeface="Times New Roman" panose="02020603050405020304" pitchFamily="18" charset="0"/>
-              </a:rPr>
-              <a:t>由于不同熟区无法</a:t>
-            </a:r>
-            <a:r>
-              <a:rPr lang="zh-CN" altLang="en-US" sz="2000" dirty="0">
-                <a:latin typeface="华文楷体" panose="02010600040101010101" pitchFamily="2" charset="-122"/>
-                <a:ea typeface="华文楷体" panose="02010600040101010101" pitchFamily="2" charset="-122"/>
-                <a:cs typeface="Times New Roman" panose="02020603050405020304" pitchFamily="18" charset="0"/>
-              </a:rPr>
-              <a:t>进一步区分</a:t>
-            </a:r>
-            <a:r>
-              <a:rPr lang="zh-CN" altLang="en-US" sz="2000" dirty="0" smtClean="0">
-                <a:latin typeface="华文楷体" panose="02010600040101010101" pitchFamily="2" charset="-122"/>
-                <a:ea typeface="华文楷体" panose="02010600040101010101" pitchFamily="2" charset="-122"/>
-                <a:cs typeface="Times New Roman" panose="02020603050405020304" pitchFamily="18" charset="0"/>
-              </a:rPr>
-              <a:t>，只能</a:t>
-            </a:r>
-            <a:r>
-              <a:rPr lang="zh-CN" altLang="en-US" sz="2000" dirty="0">
-                <a:latin typeface="华文楷体" panose="02010600040101010101" pitchFamily="2" charset="-122"/>
-                <a:ea typeface="华文楷体" panose="02010600040101010101" pitchFamily="2" charset="-122"/>
-                <a:cs typeface="Times New Roman" panose="02020603050405020304" pitchFamily="18" charset="0"/>
-              </a:rPr>
-              <a:t>筛选</a:t>
-            </a:r>
-            <a:r>
-              <a:rPr lang="zh-CN" altLang="en-US" sz="2000" dirty="0" smtClean="0">
-                <a:latin typeface="华文楷体" panose="02010600040101010101" pitchFamily="2" charset="-122"/>
-                <a:ea typeface="华文楷体" panose="02010600040101010101" pitchFamily="2" charset="-122"/>
-                <a:cs typeface="Times New Roman" panose="02020603050405020304" pitchFamily="18" charset="0"/>
-              </a:rPr>
-              <a:t>出水稻主</a:t>
-            </a:r>
-            <a:r>
-              <a:rPr lang="zh-CN" altLang="en-US" sz="2000" dirty="0">
-                <a:latin typeface="华文楷体" panose="02010600040101010101" pitchFamily="2" charset="-122"/>
-                <a:ea typeface="华文楷体" panose="02010600040101010101" pitchFamily="2" charset="-122"/>
-                <a:cs typeface="Times New Roman" panose="02020603050405020304" pitchFamily="18" charset="0"/>
-              </a:rPr>
-              <a:t>产省份的农户数据进行研究。所以</a:t>
-            </a:r>
-            <a:r>
-              <a:rPr lang="zh-CN" altLang="en-US" sz="2000" dirty="0" smtClean="0">
-                <a:latin typeface="华文楷体" panose="02010600040101010101" pitchFamily="2" charset="-122"/>
-                <a:ea typeface="华文楷体" panose="02010600040101010101" pitchFamily="2" charset="-122"/>
-                <a:cs typeface="Times New Roman" panose="02020603050405020304" pitchFamily="18" charset="0"/>
-              </a:rPr>
-              <a:t>，研究</a:t>
-            </a:r>
-            <a:r>
-              <a:rPr lang="zh-CN" altLang="en-US" sz="2000" dirty="0">
-                <a:latin typeface="华文楷体" panose="02010600040101010101" pitchFamily="2" charset="-122"/>
-                <a:ea typeface="华文楷体" panose="02010600040101010101" pitchFamily="2" charset="-122"/>
-                <a:cs typeface="Times New Roman" panose="02020603050405020304" pitchFamily="18" charset="0"/>
-              </a:rPr>
-              <a:t>中</a:t>
-            </a:r>
-            <a:r>
-              <a:rPr lang="zh-CN" altLang="en-US" sz="2000" dirty="0" smtClean="0">
-                <a:latin typeface="华文楷体" panose="02010600040101010101" pitchFamily="2" charset="-122"/>
-                <a:ea typeface="华文楷体" panose="02010600040101010101" pitchFamily="2" charset="-122"/>
-                <a:cs typeface="Times New Roman" panose="02020603050405020304" pitchFamily="18" charset="0"/>
-              </a:rPr>
-              <a:t>关于水稻的</a:t>
-            </a:r>
-            <a:r>
-              <a:rPr lang="zh-CN" altLang="en-US" sz="2000" dirty="0">
-                <a:latin typeface="华文楷体" panose="02010600040101010101" pitchFamily="2" charset="-122"/>
-                <a:ea typeface="华文楷体" panose="02010600040101010101" pitchFamily="2" charset="-122"/>
-                <a:cs typeface="Times New Roman" panose="02020603050405020304" pitchFamily="18" charset="0"/>
-              </a:rPr>
-              <a:t>估计结果可能</a:t>
-            </a:r>
-            <a:r>
-              <a:rPr lang="zh-CN" altLang="en-US" sz="2000" dirty="0" smtClean="0">
-                <a:latin typeface="华文楷体" panose="02010600040101010101" pitchFamily="2" charset="-122"/>
-                <a:ea typeface="华文楷体" panose="02010600040101010101" pitchFamily="2" charset="-122"/>
-                <a:cs typeface="Times New Roman" panose="02020603050405020304" pitchFamily="18" charset="0"/>
-              </a:rPr>
-              <a:t>存在偏差</a:t>
-            </a:r>
-            <a:r>
-              <a:rPr lang="zh-CN" altLang="en-US" sz="2000" dirty="0">
-                <a:latin typeface="华文楷体" panose="02010600040101010101" pitchFamily="2" charset="-122"/>
-                <a:ea typeface="华文楷体" panose="02010600040101010101" pitchFamily="2" charset="-122"/>
-                <a:cs typeface="Times New Roman" panose="02020603050405020304" pitchFamily="18" charset="0"/>
-              </a:rPr>
-              <a:t>。</a:t>
-            </a:r>
-          </a:p>
-          <a:p>
-            <a:pPr algn="just">
-              <a:spcBef>
-                <a:spcPts val="600"/>
-              </a:spcBef>
-              <a:spcAft>
-                <a:spcPts val="600"/>
-              </a:spcAft>
-              <a:buClr>
-                <a:srgbClr val="071F65"/>
-              </a:buClr>
-            </a:pPr>
-            <a:r>
-              <a:rPr lang="zh-CN" altLang="en-US" sz="2000" dirty="0">
-                <a:latin typeface="华文楷体" panose="02010600040101010101" pitchFamily="2" charset="-122"/>
-                <a:ea typeface="华文楷体" panose="02010600040101010101" pitchFamily="2" charset="-122"/>
-                <a:cs typeface="Times New Roman" panose="02020603050405020304" pitchFamily="18" charset="0"/>
-              </a:rPr>
-              <a:t>（</a:t>
-            </a:r>
-            <a:r>
-              <a:rPr lang="en-US" altLang="zh-CN" sz="2000" dirty="0">
-                <a:latin typeface="华文楷体" panose="02010600040101010101" pitchFamily="2" charset="-122"/>
-                <a:ea typeface="华文楷体" panose="02010600040101010101" pitchFamily="2" charset="-122"/>
-                <a:cs typeface="Times New Roman" panose="02020603050405020304" pitchFamily="18" charset="0"/>
-              </a:rPr>
-              <a:t>2</a:t>
-            </a:r>
-            <a:r>
-              <a:rPr lang="zh-CN" altLang="en-US" sz="2000" dirty="0">
-                <a:latin typeface="华文楷体" panose="02010600040101010101" pitchFamily="2" charset="-122"/>
-                <a:ea typeface="华文楷体" panose="02010600040101010101" pitchFamily="2" charset="-122"/>
-                <a:cs typeface="Times New Roman" panose="02020603050405020304" pitchFamily="18" charset="0"/>
-              </a:rPr>
-              <a:t>）本文所使用的样本中，</a:t>
-            </a:r>
-            <a:r>
-              <a:rPr lang="zh-CN" altLang="en-US" sz="2000" dirty="0" smtClean="0">
-                <a:latin typeface="华文楷体" panose="02010600040101010101" pitchFamily="2" charset="-122"/>
-                <a:ea typeface="华文楷体" panose="02010600040101010101" pitchFamily="2" charset="-122"/>
-                <a:cs typeface="Times New Roman" panose="02020603050405020304" pitchFamily="18" charset="0"/>
-              </a:rPr>
-              <a:t>只有水稻和一熟区春玉米大于</a:t>
-            </a:r>
-            <a:r>
-              <a:rPr lang="en-US" altLang="zh-CN" sz="2000" dirty="0">
-                <a:latin typeface="华文楷体" panose="02010600040101010101" pitchFamily="2" charset="-122"/>
-                <a:ea typeface="华文楷体" panose="02010600040101010101" pitchFamily="2" charset="-122"/>
-                <a:cs typeface="Times New Roman" panose="02020603050405020304" pitchFamily="18" charset="0"/>
-              </a:rPr>
-              <a:t>50</a:t>
-            </a:r>
-            <a:r>
-              <a:rPr lang="zh-CN" altLang="en-US" sz="2000" dirty="0">
-                <a:latin typeface="华文楷体" panose="02010600040101010101" pitchFamily="2" charset="-122"/>
-                <a:ea typeface="华文楷体" panose="02010600040101010101" pitchFamily="2" charset="-122"/>
-                <a:cs typeface="Times New Roman" panose="02020603050405020304" pitchFamily="18" charset="0"/>
-              </a:rPr>
-              <a:t>亩的样本超过</a:t>
-            </a:r>
-            <a:r>
-              <a:rPr lang="en-US" altLang="zh-CN" sz="2000" dirty="0">
-                <a:latin typeface="华文楷体" panose="02010600040101010101" pitchFamily="2" charset="-122"/>
-                <a:ea typeface="华文楷体" panose="02010600040101010101" pitchFamily="2" charset="-122"/>
-                <a:cs typeface="Times New Roman" panose="02020603050405020304" pitchFamily="18" charset="0"/>
-              </a:rPr>
-              <a:t>500</a:t>
-            </a:r>
-            <a:r>
-              <a:rPr lang="zh-CN" altLang="en-US" sz="2000" dirty="0">
-                <a:latin typeface="华文楷体" panose="02010600040101010101" pitchFamily="2" charset="-122"/>
-                <a:ea typeface="华文楷体" panose="02010600040101010101" pitchFamily="2" charset="-122"/>
-                <a:cs typeface="Times New Roman" panose="02020603050405020304" pitchFamily="18" charset="0"/>
-              </a:rPr>
-              <a:t>户，冬小麦</a:t>
-            </a:r>
-            <a:r>
-              <a:rPr lang="en-US" altLang="zh-CN" sz="2000" dirty="0">
-                <a:latin typeface="华文楷体" panose="02010600040101010101" pitchFamily="2" charset="-122"/>
-                <a:ea typeface="华文楷体" panose="02010600040101010101" pitchFamily="2" charset="-122"/>
-                <a:cs typeface="Times New Roman" panose="02020603050405020304" pitchFamily="18" charset="0"/>
-              </a:rPr>
-              <a:t>-</a:t>
-            </a:r>
-            <a:r>
-              <a:rPr lang="zh-CN" altLang="en-US" sz="2000" dirty="0">
-                <a:latin typeface="华文楷体" panose="02010600040101010101" pitchFamily="2" charset="-122"/>
-                <a:ea typeface="华文楷体" panose="02010600040101010101" pitchFamily="2" charset="-122"/>
-                <a:cs typeface="Times New Roman" panose="02020603050405020304" pitchFamily="18" charset="0"/>
-              </a:rPr>
-              <a:t>夏玉米种植区的农户样本中，大农户非常少，导致目前的研究结果可能对于</a:t>
-            </a:r>
-            <a:r>
-              <a:rPr lang="en-US" altLang="zh-CN" sz="2000" dirty="0">
-                <a:latin typeface="华文楷体" panose="02010600040101010101" pitchFamily="2" charset="-122"/>
-                <a:ea typeface="华文楷体" panose="02010600040101010101" pitchFamily="2" charset="-122"/>
-                <a:cs typeface="Times New Roman" panose="02020603050405020304" pitchFamily="18" charset="0"/>
-              </a:rPr>
-              <a:t>10</a:t>
-            </a:r>
-            <a:r>
-              <a:rPr lang="zh-CN" altLang="en-US" sz="2000" dirty="0">
-                <a:latin typeface="华文楷体" panose="02010600040101010101" pitchFamily="2" charset="-122"/>
-                <a:ea typeface="华文楷体" panose="02010600040101010101" pitchFamily="2" charset="-122"/>
-                <a:cs typeface="Times New Roman" panose="02020603050405020304" pitchFamily="18" charset="0"/>
-              </a:rPr>
-              <a:t>亩以下农户经营更有参考意义。</a:t>
-            </a:r>
-          </a:p>
-        </p:txBody>
-      </p:sp>
-      <p:sp>
-        <p:nvSpPr>
-          <p:cNvPr id="2" name="灯片编号占位符 1"/>
-          <p:cNvSpPr>
-            <a:spLocks noGrp="1"/>
-          </p:cNvSpPr>
-          <p:nvPr>
-            <p:ph type="sldNum" sz="quarter" idx="4"/>
-          </p:nvPr>
-        </p:nvSpPr>
-        <p:spPr/>
-        <p:txBody>
-          <a:bodyPr/>
-          <a:lstStyle/>
-          <a:p>
-            <a:r>
-              <a:rPr lang="en-US" altLang="zh-CN" dirty="0" smtClean="0"/>
-              <a:t>21/21</a:t>
-            </a:r>
-            <a:endParaRPr lang="zh-CN" altLang="en-US" dirty="0"/>
-          </a:p>
-        </p:txBody>
-      </p:sp>
-    </p:spTree>
-    <p:extLst>
-      <p:ext uri="{BB962C8B-B14F-4D97-AF65-F5344CB8AC3E}">
-        <p14:creationId xmlns:p14="http://schemas.microsoft.com/office/powerpoint/2010/main" val="1033116853"/>
       </p:ext>
     </p:extLst>
   </p:cSld>
@@ -41403,28 +41385,7 @@
                 <a:latin typeface="华文楷体" panose="02010600040101010101" pitchFamily="2" charset="-122"/>
                 <a:ea typeface="华文楷体" panose="02010600040101010101" pitchFamily="2" charset="-122"/>
               </a:rPr>
-              <a:t>产业结构</a:t>
-            </a:r>
-            <a:r>
-              <a:rPr lang="zh-CN" altLang="en-US" sz="2000" b="1" dirty="0" smtClean="0">
-                <a:latin typeface="华文楷体" panose="02010600040101010101" pitchFamily="2" charset="-122"/>
-                <a:ea typeface="华文楷体" panose="02010600040101010101" pitchFamily="2" charset="-122"/>
-              </a:rPr>
-              <a:t>调整带动劳动力</a:t>
-            </a:r>
-            <a:r>
-              <a:rPr lang="zh-CN" altLang="en-US" sz="2000" b="1" dirty="0" smtClean="0">
-                <a:latin typeface="华文楷体" panose="02010600040101010101" pitchFamily="2" charset="-122"/>
-                <a:ea typeface="华文楷体" panose="02010600040101010101" pitchFamily="2" charset="-122"/>
-              </a:rPr>
-              <a:t>转移，</a:t>
-            </a:r>
-            <a:r>
-              <a:rPr lang="zh-CN" altLang="en-US" sz="2000" b="1" dirty="0" smtClean="0">
-                <a:latin typeface="华文楷体" panose="02010600040101010101" pitchFamily="2" charset="-122"/>
-                <a:ea typeface="华文楷体" panose="02010600040101010101" pitchFamily="2" charset="-122"/>
-              </a:rPr>
-              <a:t>农村</a:t>
+              <a:t>产业结构调整带动劳动力转移，农村</a:t>
             </a:r>
             <a:r>
               <a:rPr lang="zh-CN" altLang="en-US" sz="2000" b="1" dirty="0">
@@ -42154,7 +42115,7 @@
           <a:p>
             <a:r>
               <a:rPr lang="en-US" altLang="zh-CN" dirty="0" smtClean="0"/>
-              <a:t>1/21</a:t>
+              <a:t>1/22</a:t>
             </a:r>
             <a:endParaRPr lang="zh-CN" altLang="en-US" dirty="0"/>
           </a:p>
@@ -43694,7 +43655,7 @@
           <a:p>
             <a:r>
               <a:rPr lang="en-US" altLang="zh-CN" dirty="0" smtClean="0"/>
-              <a:t>2/21</a:t>
+              <a:t>2/22</a:t>
             </a:r>
             <a:endParaRPr lang="zh-CN" altLang="en-US" dirty="0"/>
           </a:p>
@@ -45048,7 +45009,7 @@
           <a:p>
             <a:r>
               <a:rPr lang="en-US" altLang="zh-CN" dirty="0" smtClean="0"/>
-              <a:t>3/21</a:t>
+              <a:t>3/22</a:t>
             </a:r>
             <a:endParaRPr lang="zh-CN" altLang="en-US" dirty="0"/>
           </a:p>
@@ -45254,12 +45215,20 @@
               <a:buChar char="•"/>
             </a:pPr>
             <a:r>
+              <a:rPr lang="zh-CN" altLang="en-US" sz="2000" dirty="0" smtClean="0">
+                <a:latin typeface="华文楷体" panose="02010600040101010101" pitchFamily="2" charset="-122"/>
+                <a:ea typeface="华文楷体" panose="02010600040101010101" pitchFamily="2" charset="-122"/>
+                <a:cs typeface="Times New Roman" panose="02020603050405020304" pitchFamily="18" charset="0"/>
+              </a:rPr>
+              <a:t>针对无法观测、对土地生产率有影响的</a:t>
+            </a:r>
+            <a:r>
               <a:rPr lang="zh-CN" altLang="en-US" sz="2000" dirty="0">
                 <a:latin typeface="华文楷体" panose="02010600040101010101" pitchFamily="2" charset="-122"/>
                 <a:ea typeface="华文楷体" panose="02010600040101010101" pitchFamily="2" charset="-122"/>
                 <a:cs typeface="Times New Roman" panose="02020603050405020304" pitchFamily="18" charset="0"/>
               </a:rPr>
-              <a:t>给出了一套解释方法</a:t>
+              <a:t>因素提供可行</a:t>
             </a:r>
             <a:r>
               <a:rPr lang="zh-CN" altLang="en-US" sz="2000" dirty="0" smtClean="0">
@@ -45267,31 +45236,7 @@
                 <a:ea typeface="华文楷体" panose="02010600040101010101" pitchFamily="2" charset="-122"/>
                 <a:cs typeface="Times New Roman" panose="02020603050405020304" pitchFamily="18" charset="0"/>
               </a:rPr>
-              <a:t>，从</a:t>
-            </a:r>
-            <a:r>
-              <a:rPr lang="zh-CN" altLang="en-US" sz="2000" dirty="0">
-                <a:latin typeface="华文楷体" panose="02010600040101010101" pitchFamily="2" charset="-122"/>
-                <a:ea typeface="华文楷体" panose="02010600040101010101" pitchFamily="2" charset="-122"/>
-                <a:cs typeface="Times New Roman" panose="02020603050405020304" pitchFamily="18" charset="0"/>
-              </a:rPr>
-              <a:t>要素市场不完善、土壤质量遗漏和测量误差</a:t>
-            </a:r>
-            <a:r>
-              <a:rPr lang="en-US" altLang="zh-CN" sz="2000" dirty="0">
-                <a:latin typeface="华文楷体" panose="02010600040101010101" pitchFamily="2" charset="-122"/>
-                <a:ea typeface="华文楷体" panose="02010600040101010101" pitchFamily="2" charset="-122"/>
-                <a:cs typeface="Times New Roman" panose="02020603050405020304" pitchFamily="18" charset="0"/>
-              </a:rPr>
-              <a:t>3</a:t>
-            </a:r>
-            <a:r>
-              <a:rPr lang="zh-CN" altLang="en-US" sz="2000" dirty="0">
-                <a:latin typeface="华文楷体" panose="02010600040101010101" pitchFamily="2" charset="-122"/>
-                <a:ea typeface="华文楷体" panose="02010600040101010101" pitchFamily="2" charset="-122"/>
-                <a:cs typeface="Times New Roman" panose="02020603050405020304" pitchFamily="18" charset="0"/>
-              </a:rPr>
-              <a:t>个维度，诠释土地生产率与规模的正向、负向和复合型的关系。</a:t>
+              <a:t>的处理办法。</a:t>
             </a:r>
             <a:endParaRPr lang="en-US" altLang="zh-CN" sz="2000" dirty="0">
               <a:latin typeface="华文楷体" panose="02010600040101010101" pitchFamily="2" charset="-122"/>
@@ -45314,12 +45259,52 @@
               <a:buChar char="•"/>
             </a:pPr>
             <a:r>
+              <a:rPr lang="zh-CN" altLang="en-US" sz="2000" dirty="0" smtClean="0">
+                <a:latin typeface="华文楷体" panose="02010600040101010101" pitchFamily="2" charset="-122"/>
+                <a:ea typeface="华文楷体" panose="02010600040101010101" pitchFamily="2" charset="-122"/>
+                <a:cs typeface="Times New Roman" panose="02020603050405020304" pitchFamily="18" charset="0"/>
+              </a:rPr>
+              <a:t>给</a:t>
+            </a:r>
+            <a:r>
               <a:rPr lang="zh-CN" altLang="en-US" sz="2000" dirty="0">
                 <a:latin typeface="华文楷体" panose="02010600040101010101" pitchFamily="2" charset="-122"/>
                 <a:ea typeface="华文楷体" panose="02010600040101010101" pitchFamily="2" charset="-122"/>
                 <a:cs typeface="Times New Roman" panose="02020603050405020304" pitchFamily="18" charset="0"/>
               </a:rPr>
-              <a:t>学者们针对不同的可能导致负向关系的因素提供可行的解决方案。</a:t>
+              <a:t>出了一套解释方法</a:t>
+            </a:r>
+            <a:r>
+              <a:rPr lang="zh-CN" altLang="en-US" sz="2000" dirty="0" smtClean="0">
+                <a:latin typeface="华文楷体" panose="02010600040101010101" pitchFamily="2" charset="-122"/>
+                <a:ea typeface="华文楷体" panose="02010600040101010101" pitchFamily="2" charset="-122"/>
+                <a:cs typeface="Times New Roman" panose="02020603050405020304" pitchFamily="18" charset="0"/>
+              </a:rPr>
+              <a:t>，从</a:t>
+            </a:r>
+            <a:r>
+              <a:rPr lang="zh-CN" altLang="en-US" sz="2000" dirty="0">
+                <a:latin typeface="华文楷体" panose="02010600040101010101" pitchFamily="2" charset="-122"/>
+                <a:ea typeface="华文楷体" panose="02010600040101010101" pitchFamily="2" charset="-122"/>
+                <a:cs typeface="Times New Roman" panose="02020603050405020304" pitchFamily="18" charset="0"/>
+              </a:rPr>
+              <a:t>要素市场不完善、土壤质量遗漏和测量误差</a:t>
+            </a:r>
+            <a:r>
+              <a:rPr lang="en-US" altLang="zh-CN" sz="2000" dirty="0">
+                <a:latin typeface="华文楷体" panose="02010600040101010101" pitchFamily="2" charset="-122"/>
+                <a:ea typeface="华文楷体" panose="02010600040101010101" pitchFamily="2" charset="-122"/>
+                <a:cs typeface="Times New Roman" panose="02020603050405020304" pitchFamily="18" charset="0"/>
+              </a:rPr>
+              <a:t>3</a:t>
+            </a:r>
+            <a:r>
+              <a:rPr lang="zh-CN" altLang="en-US" sz="2000" dirty="0">
+                <a:latin typeface="华文楷体" panose="02010600040101010101" pitchFamily="2" charset="-122"/>
+                <a:ea typeface="华文楷体" panose="02010600040101010101" pitchFamily="2" charset="-122"/>
+                <a:cs typeface="Times New Roman" panose="02020603050405020304" pitchFamily="18" charset="0"/>
+              </a:rPr>
+              <a:t>个维度，诠释土地生产率与规模的正向、负向和复合型的关系。</a:t>
             </a:r>
             <a:endParaRPr lang="en-US" altLang="zh-CN" sz="2000" dirty="0">
               <a:latin typeface="华文楷体" panose="02010600040101010101" pitchFamily="2" charset="-122"/>
@@ -45340,7 +45325,7 @@
               </a:buClr>
             </a:pPr>
             <a:r>
-              <a:rPr lang="zh-CN" altLang="en-US" sz="2000" b="1" dirty="0">
+              <a:rPr lang="zh-CN" altLang="en-US" sz="2000" b="1" dirty="0" smtClean="0">
                 <a:latin typeface="华文楷体" panose="02010600040101010101" pitchFamily="2" charset="-122"/>
                 <a:ea typeface="华文楷体" panose="02010600040101010101" pitchFamily="2" charset="-122"/>
                 <a:cs typeface="Times New Roman" panose="02020603050405020304" pitchFamily="18" charset="0"/>
@@ -45917,7 +45902,7 @@
           <a:p>
             <a:r>
               <a:rPr lang="en-US" altLang="zh-CN" dirty="0" smtClean="0"/>
-              <a:t>4/21</a:t>
+              <a:t>4/22</a:t>
             </a:r>
             <a:endParaRPr lang="zh-CN" altLang="en-US" dirty="0"/>
           </a:p>
@@ -46259,27 +46244,7 @@
                 <a:latin typeface="微软雅黑" panose="020B0503020204020204" pitchFamily="34" charset="-122"/>
                 <a:ea typeface="微软雅黑" panose="020B0503020204020204" pitchFamily="34" charset="-122"/>
               </a:rPr>
-              <a:t>研究目标</a:t>
-            </a:r>
-            <a:r>
-              <a:rPr lang="zh-CN" altLang="en-US" sz="3500" b="1" dirty="0" smtClean="0">
-                <a:solidFill>
-                  <a:schemeClr val="bg1"/>
-                </a:solidFill>
-                <a:latin typeface="微软雅黑" panose="020B0503020204020204" pitchFamily="34" charset="-122"/>
-                <a:ea typeface="微软雅黑" panose="020B0503020204020204" pitchFamily="34" charset="-122"/>
-              </a:rPr>
-              <a:t>与技术</a:t>
-            </a:r>
-            <a:r>
-              <a:rPr lang="zh-CN" altLang="en-US" sz="3500" b="1" dirty="0" smtClean="0">
-                <a:solidFill>
-                  <a:schemeClr val="bg1"/>
-                </a:solidFill>
-                <a:latin typeface="微软雅黑" panose="020B0503020204020204" pitchFamily="34" charset="-122"/>
-                <a:ea typeface="微软雅黑" panose="020B0503020204020204" pitchFamily="34" charset="-122"/>
-              </a:rPr>
-              <a:t>路线</a:t>
+              <a:t>研究目标与技术路线</a:t>
             </a:r>
             <a:endParaRPr lang="zh-CN" altLang="en-US" sz="3500" b="1" dirty="0">
               <a:solidFill>
